--- a/pptx_templates/changlong.pptx
+++ b/pptx_templates/changlong.pptx
@@ -1,6 +1,6 @@
 
 <file path=ppt/presentation.xml><?xml version="1.0" encoding="utf-8"?>
-<p:presentation xmlns:a="http://schemas.openxmlformats.org/drawingml/2006/main" xmlns:r="http://schemas.openxmlformats.org/officeDocument/2006/relationships" xmlns:p="http://schemas.openxmlformats.org/presentationml/2006/main">
+<p:presentation xmlns:a="http://schemas.openxmlformats.org/drawingml/2006/main" xmlns:r="http://schemas.openxmlformats.org/officeDocument/2006/relationships" xmlns:p="http://schemas.openxmlformats.org/presentationml/2006/main" autoCompressPictures="0">
   <p:sldMasterIdLst>
     <p:sldMasterId id="2147483648" r:id="rId1"/>
   </p:sldMasterIdLst>
@@ -9,14 +9,11 @@
   </p:notesMasterIdLst>
   <p:sldSz cx="12192000" cy="6858000"/>
   <p:notesSz cx="6858000" cy="9144000"/>
-  <p:custDataLst>
-    <p:tags r:id="rId8"/>
-  </p:custDataLst>
   <p:defaultTextStyle>
     <a:defPPr>
-      <a:defRPr lang="zh-CN"/>
+      <a:defRPr lang="en-US"/>
     </a:defPPr>
-    <a:lvl1pPr marL="0" algn="l" defTabSz="914400" rtl="0" eaLnBrk="1" latinLnBrk="0" hangingPunct="1">
+    <a:lvl1pPr marL="0" algn="l" defTabSz="457200" rtl="0" eaLnBrk="1" latinLnBrk="0" hangingPunct="1">
       <a:defRPr sz="1800" kern="1200">
         <a:solidFill>
           <a:schemeClr val="tx1"/>
@@ -26,7 +23,7 @@
         <a:cs typeface="+mn-cs"/>
       </a:defRPr>
     </a:lvl1pPr>
-    <a:lvl2pPr marL="457200" algn="l" defTabSz="914400" rtl="0" eaLnBrk="1" latinLnBrk="0" hangingPunct="1">
+    <a:lvl2pPr marL="457200" algn="l" defTabSz="457200" rtl="0" eaLnBrk="1" latinLnBrk="0" hangingPunct="1">
       <a:defRPr sz="1800" kern="1200">
         <a:solidFill>
           <a:schemeClr val="tx1"/>
@@ -36,7 +33,7 @@
         <a:cs typeface="+mn-cs"/>
       </a:defRPr>
     </a:lvl2pPr>
-    <a:lvl3pPr marL="914400" algn="l" defTabSz="914400" rtl="0" eaLnBrk="1" latinLnBrk="0" hangingPunct="1">
+    <a:lvl3pPr marL="914400" algn="l" defTabSz="457200" rtl="0" eaLnBrk="1" latinLnBrk="0" hangingPunct="1">
       <a:defRPr sz="1800" kern="1200">
         <a:solidFill>
           <a:schemeClr val="tx1"/>
@@ -46,7 +43,7 @@
         <a:cs typeface="+mn-cs"/>
       </a:defRPr>
     </a:lvl3pPr>
-    <a:lvl4pPr marL="1371600" algn="l" defTabSz="914400" rtl="0" eaLnBrk="1" latinLnBrk="0" hangingPunct="1">
+    <a:lvl4pPr marL="1371600" algn="l" defTabSz="457200" rtl="0" eaLnBrk="1" latinLnBrk="0" hangingPunct="1">
       <a:defRPr sz="1800" kern="1200">
         <a:solidFill>
           <a:schemeClr val="tx1"/>
@@ -56,7 +53,7 @@
         <a:cs typeface="+mn-cs"/>
       </a:defRPr>
     </a:lvl4pPr>
-    <a:lvl5pPr marL="1828800" algn="l" defTabSz="914400" rtl="0" eaLnBrk="1" latinLnBrk="0" hangingPunct="1">
+    <a:lvl5pPr marL="1828800" algn="l" defTabSz="457200" rtl="0" eaLnBrk="1" latinLnBrk="0" hangingPunct="1">
       <a:defRPr sz="1800" kern="1200">
         <a:solidFill>
           <a:schemeClr val="tx1"/>
@@ -66,7 +63,7 @@
         <a:cs typeface="+mn-cs"/>
       </a:defRPr>
     </a:lvl5pPr>
-    <a:lvl6pPr marL="2286000" algn="l" defTabSz="914400" rtl="0" eaLnBrk="1" latinLnBrk="0" hangingPunct="1">
+    <a:lvl6pPr marL="2286000" algn="l" defTabSz="457200" rtl="0" eaLnBrk="1" latinLnBrk="0" hangingPunct="1">
       <a:defRPr sz="1800" kern="1200">
         <a:solidFill>
           <a:schemeClr val="tx1"/>
@@ -76,7 +73,7 @@
         <a:cs typeface="+mn-cs"/>
       </a:defRPr>
     </a:lvl6pPr>
-    <a:lvl7pPr marL="2743200" algn="l" defTabSz="914400" rtl="0" eaLnBrk="1" latinLnBrk="0" hangingPunct="1">
+    <a:lvl7pPr marL="2743200" algn="l" defTabSz="457200" rtl="0" eaLnBrk="1" latinLnBrk="0" hangingPunct="1">
       <a:defRPr sz="1800" kern="1200">
         <a:solidFill>
           <a:schemeClr val="tx1"/>
@@ -86,7 +83,7 @@
         <a:cs typeface="+mn-cs"/>
       </a:defRPr>
     </a:lvl7pPr>
-    <a:lvl8pPr marL="3200400" algn="l" defTabSz="914400" rtl="0" eaLnBrk="1" latinLnBrk="0" hangingPunct="1">
+    <a:lvl8pPr marL="3200400" algn="l" defTabSz="457200" rtl="0" eaLnBrk="1" latinLnBrk="0" hangingPunct="1">
       <a:defRPr sz="1800" kern="1200">
         <a:solidFill>
           <a:schemeClr val="tx1"/>
@@ -96,7 +93,7 @@
         <a:cs typeface="+mn-cs"/>
       </a:defRPr>
     </a:lvl8pPr>
-    <a:lvl9pPr marL="3657600" algn="l" defTabSz="914400" rtl="0" eaLnBrk="1" latinLnBrk="0" hangingPunct="1">
+    <a:lvl9pPr marL="3657600" algn="l" defTabSz="457200" rtl="0" eaLnBrk="1" latinLnBrk="0" hangingPunct="1">
       <a:defRPr sz="1800" kern="1200">
         <a:solidFill>
           <a:schemeClr val="tx1"/>
@@ -107,13 +104,23 @@
       </a:defRPr>
     </a:lvl9pPr>
   </p:defaultTextStyle>
+  <p:extLst>
+    <p:ext uri="{EFAFB233-063F-42B5-8137-9DF3F51BA10A}">
+      <p15:sldGuideLst xmlns:p15="http://schemas.microsoft.com/office/powerpoint/2012/main">
+        <p15:guide id="1" orient="horz" pos="2160" userDrawn="1">
+          <p15:clr>
+            <a:srgbClr val="A4A3A4"/>
+          </p15:clr>
+        </p15:guide>
+        <p15:guide id="2" pos="3846" userDrawn="1">
+          <p15:clr>
+            <a:srgbClr val="A4A3A4"/>
+          </p15:clr>
+        </p15:guide>
+      </p15:sldGuideLst>
+    </p:ext>
+  </p:extLst>
 </p:presentation>
-</file>
-
-<file path=ppt/commentAuthors.xml><?xml version="1.0" encoding="utf-8"?>
-<p:cmAuthorLst xmlns:a="http://schemas.openxmlformats.org/drawingml/2006/main" xmlns:r="http://schemas.openxmlformats.org/officeDocument/2006/relationships" xmlns:p="http://schemas.openxmlformats.org/presentationml/2006/main">
-  <p:cmAuthor id="1" name=" " initials="" lastIdx="1" clrIdx="0"/>
-</p:cmAuthorLst>
 </file>
 
 <file path=ppt/notesMasters/notesMaster1.xml><?xml version="1.0" encoding="utf-8"?>
@@ -140,7 +147,7 @@
       </p:grpSpPr>
       <p:sp>
         <p:nvSpPr>
-          <p:cNvPr id="2" name="页眉占位符 1"/>
+          <p:cNvPr id="2" name="Header Placeholder 1"/>
           <p:cNvSpPr>
             <a:spLocks noGrp="1"/>
           </p:cNvSpPr>
@@ -151,7 +158,7 @@
         <p:spPr>
           <a:xfrm>
             <a:off x="0" y="0"/>
-            <a:ext cx="2971800" cy="458788"/>
+            <a:ext cx="2971800" cy="457200"/>
           </a:xfrm>
           <a:prstGeom prst="rect">
             <a:avLst/>
@@ -165,13 +172,13 @@
             </a:lvl1pPr>
           </a:lstStyle>
           <a:p>
-            <a:endParaRPr lang="zh-CN" altLang="en-US"/>
-          </a:p>
-        </p:txBody>
-      </p:sp>
-      <p:sp>
-        <p:nvSpPr>
-          <p:cNvPr id="3" name="日期占位符 2"/>
+            <a:endParaRPr lang="en-US"/>
+          </a:p>
+        </p:txBody>
+      </p:sp>
+      <p:sp>
+        <p:nvSpPr>
+          <p:cNvPr id="3" name="Date Placeholder 2"/>
           <p:cNvSpPr>
             <a:spLocks noGrp="1"/>
           </p:cNvSpPr>
@@ -182,7 +189,7 @@
         <p:spPr>
           <a:xfrm>
             <a:off x="3884613" y="0"/>
-            <a:ext cx="2971800" cy="458788"/>
+            <a:ext cx="2971800" cy="457200"/>
           </a:xfrm>
           <a:prstGeom prst="rect">
             <a:avLst/>
@@ -196,16 +203,16 @@
             </a:lvl1pPr>
           </a:lstStyle>
           <a:p>
-            <a:fld id="{386FF521-38F3-43F2-8DC3-F94A52569D41}" type="datetimeFigureOut">
-              <a:rPr lang="zh-CN" altLang="en-US" smtClean="0"/>
+            <a:fld id="{0F89C1C7-3DCD-1040-A9CF-14679D8B5DDD}" type="datetimeFigureOut">
+              <a:rPr lang="en-US" smtClean="0"/>
             </a:fld>
-            <a:endParaRPr lang="zh-CN" altLang="en-US"/>
-          </a:p>
-        </p:txBody>
-      </p:sp>
-      <p:sp>
-        <p:nvSpPr>
-          <p:cNvPr id="4" name="幻灯片图像占位符 3"/>
+            <a:endParaRPr lang="en-US"/>
+          </a:p>
+        </p:txBody>
+      </p:sp>
+      <p:sp>
+        <p:nvSpPr>
+          <p:cNvPr id="4" name="Slide Image Placeholder 3"/>
           <p:cNvSpPr>
             <a:spLocks noGrp="1" noRot="1" noChangeAspect="1"/>
           </p:cNvSpPr>
@@ -215,8 +222,8 @@
         </p:nvSpPr>
         <p:spPr>
           <a:xfrm>
-            <a:off x="685800" y="1143000"/>
-            <a:ext cx="5486400" cy="3086100"/>
+            <a:off x="381000" y="685800"/>
+            <a:ext cx="6096000" cy="3429000"/>
           </a:xfrm>
           <a:prstGeom prst="rect">
             <a:avLst/>
@@ -232,13 +239,13 @@
           <a:bodyPr vert="horz" lIns="91440" tIns="45720" rIns="91440" bIns="45720" rtlCol="0" anchor="ctr"/>
           <a:lstStyle/>
           <a:p>
-            <a:endParaRPr lang="zh-CN" altLang="en-US"/>
-          </a:p>
-        </p:txBody>
-      </p:sp>
-      <p:sp>
-        <p:nvSpPr>
-          <p:cNvPr id="5" name="备注占位符 4"/>
+            <a:endParaRPr lang="en-US"/>
+          </a:p>
+        </p:txBody>
+      </p:sp>
+      <p:sp>
+        <p:nvSpPr>
+          <p:cNvPr id="5" name="Notes Placeholder 4"/>
           <p:cNvSpPr>
             <a:spLocks noGrp="1"/>
           </p:cNvSpPr>
@@ -248,8 +255,8 @@
         </p:nvSpPr>
         <p:spPr>
           <a:xfrm>
-            <a:off x="685800" y="4400550"/>
-            <a:ext cx="5486400" cy="3600450"/>
+            <a:off x="685800" y="4343400"/>
+            <a:ext cx="5486400" cy="4114800"/>
           </a:xfrm>
           <a:prstGeom prst="rect">
             <a:avLst/>
@@ -261,48 +268,48 @@
           <a:p>
             <a:pPr lvl="0"/>
             <a:r>
-              <a:rPr lang="zh-CN" altLang="en-US"/>
-              <a:t>编辑母版文本样式</a:t>
-            </a:r>
-            <a:endParaRPr lang="zh-CN" altLang="en-US"/>
+              <a:rPr lang="en-US" smtClean="0"/>
+              <a:t>Click to edit Master text styles</a:t>
+            </a:r>
+            <a:endParaRPr lang="en-US" smtClean="0"/>
           </a:p>
           <a:p>
             <a:pPr lvl="1"/>
             <a:r>
-              <a:rPr lang="zh-CN" altLang="en-US"/>
-              <a:t>第二级</a:t>
-            </a:r>
-            <a:endParaRPr lang="zh-CN" altLang="en-US"/>
+              <a:rPr lang="en-US" smtClean="0"/>
+              <a:t>Second level</a:t>
+            </a:r>
+            <a:endParaRPr lang="en-US" smtClean="0"/>
           </a:p>
           <a:p>
             <a:pPr lvl="2"/>
             <a:r>
-              <a:rPr lang="zh-CN" altLang="en-US"/>
-              <a:t>第三级</a:t>
-            </a:r>
-            <a:endParaRPr lang="zh-CN" altLang="en-US"/>
+              <a:rPr lang="en-US" smtClean="0"/>
+              <a:t>Third level</a:t>
+            </a:r>
+            <a:endParaRPr lang="en-US" smtClean="0"/>
           </a:p>
           <a:p>
             <a:pPr lvl="3"/>
             <a:r>
-              <a:rPr lang="zh-CN" altLang="en-US"/>
-              <a:t>第四级</a:t>
-            </a:r>
-            <a:endParaRPr lang="zh-CN" altLang="en-US"/>
+              <a:rPr lang="en-US" smtClean="0"/>
+              <a:t>Fourth level</a:t>
+            </a:r>
+            <a:endParaRPr lang="en-US" smtClean="0"/>
           </a:p>
           <a:p>
             <a:pPr lvl="4"/>
             <a:r>
-              <a:rPr lang="zh-CN" altLang="en-US"/>
-              <a:t>第五级</a:t>
-            </a:r>
-            <a:endParaRPr lang="zh-CN" altLang="en-US"/>
-          </a:p>
-        </p:txBody>
-      </p:sp>
-      <p:sp>
-        <p:nvSpPr>
-          <p:cNvPr id="6" name="页脚占位符 5"/>
+              <a:rPr lang="en-US" smtClean="0"/>
+              <a:t>Fifth level</a:t>
+            </a:r>
+            <a:endParaRPr lang="en-US"/>
+          </a:p>
+        </p:txBody>
+      </p:sp>
+      <p:sp>
+        <p:nvSpPr>
+          <p:cNvPr id="6" name="Footer Placeholder 5"/>
           <p:cNvSpPr>
             <a:spLocks noGrp="1"/>
           </p:cNvSpPr>
@@ -313,7 +320,7 @@
         <p:spPr>
           <a:xfrm>
             <a:off x="0" y="8685213"/>
-            <a:ext cx="2971800" cy="458787"/>
+            <a:ext cx="2971800" cy="457200"/>
           </a:xfrm>
           <a:prstGeom prst="rect">
             <a:avLst/>
@@ -327,13 +334,13 @@
             </a:lvl1pPr>
           </a:lstStyle>
           <a:p>
-            <a:endParaRPr lang="zh-CN" altLang="en-US"/>
-          </a:p>
-        </p:txBody>
-      </p:sp>
-      <p:sp>
-        <p:nvSpPr>
-          <p:cNvPr id="7" name="灯片编号占位符 6"/>
+            <a:endParaRPr lang="en-US"/>
+          </a:p>
+        </p:txBody>
+      </p:sp>
+      <p:sp>
+        <p:nvSpPr>
+          <p:cNvPr id="7" name="Slide Number Placeholder 6"/>
           <p:cNvSpPr>
             <a:spLocks noGrp="1"/>
           </p:cNvSpPr>
@@ -344,7 +351,7 @@
         <p:spPr>
           <a:xfrm>
             <a:off x="3884613" y="8685213"/>
-            <a:ext cx="2971800" cy="458787"/>
+            <a:ext cx="2971800" cy="457200"/>
           </a:xfrm>
           <a:prstGeom prst="rect">
             <a:avLst/>
@@ -358,10 +365,10 @@
             </a:lvl1pPr>
           </a:lstStyle>
           <a:p>
-            <a:fld id="{2AF5F68E-D664-4990-BD59-40DC80870587}" type="slidenum">
-              <a:rPr lang="zh-CN" altLang="en-US" smtClean="0"/>
+            <a:fld id="{BB5E49A5-4136-284D-997B-48E1D791AD67}" type="slidenum">
+              <a:rPr lang="en-US" smtClean="0"/>
             </a:fld>
-            <a:endParaRPr lang="zh-CN" altLang="en-US"/>
+            <a:endParaRPr lang="en-US"/>
           </a:p>
         </p:txBody>
       </p:sp>
@@ -369,7 +376,7 @@
   </p:cSld>
   <p:clrMap bg1="lt1" tx1="dk1" bg2="lt2" tx2="dk2" accent1="accent1" accent2="accent2" accent3="accent3" accent4="accent4" accent5="accent5" accent6="accent6" hlink="hlink" folHlink="folHlink"/>
   <p:notesStyle>
-    <a:lvl1pPr marL="0" algn="l" defTabSz="914400" rtl="0" eaLnBrk="1" latinLnBrk="0" hangingPunct="1">
+    <a:lvl1pPr marL="0" algn="l" defTabSz="457200" rtl="0" eaLnBrk="1" latinLnBrk="0" hangingPunct="1">
       <a:defRPr sz="1200" kern="1200">
         <a:solidFill>
           <a:schemeClr val="tx1"/>
@@ -379,7 +386,7 @@
         <a:cs typeface="+mn-cs"/>
       </a:defRPr>
     </a:lvl1pPr>
-    <a:lvl2pPr marL="457200" algn="l" defTabSz="914400" rtl="0" eaLnBrk="1" latinLnBrk="0" hangingPunct="1">
+    <a:lvl2pPr marL="457200" algn="l" defTabSz="457200" rtl="0" eaLnBrk="1" latinLnBrk="0" hangingPunct="1">
       <a:defRPr sz="1200" kern="1200">
         <a:solidFill>
           <a:schemeClr val="tx1"/>
@@ -389,7 +396,7 @@
         <a:cs typeface="+mn-cs"/>
       </a:defRPr>
     </a:lvl2pPr>
-    <a:lvl3pPr marL="914400" algn="l" defTabSz="914400" rtl="0" eaLnBrk="1" latinLnBrk="0" hangingPunct="1">
+    <a:lvl3pPr marL="914400" algn="l" defTabSz="457200" rtl="0" eaLnBrk="1" latinLnBrk="0" hangingPunct="1">
       <a:defRPr sz="1200" kern="1200">
         <a:solidFill>
           <a:schemeClr val="tx1"/>
@@ -399,7 +406,7 @@
         <a:cs typeface="+mn-cs"/>
       </a:defRPr>
     </a:lvl3pPr>
-    <a:lvl4pPr marL="1371600" algn="l" defTabSz="914400" rtl="0" eaLnBrk="1" latinLnBrk="0" hangingPunct="1">
+    <a:lvl4pPr marL="1371600" algn="l" defTabSz="457200" rtl="0" eaLnBrk="1" latinLnBrk="0" hangingPunct="1">
       <a:defRPr sz="1200" kern="1200">
         <a:solidFill>
           <a:schemeClr val="tx1"/>
@@ -409,7 +416,7 @@
         <a:cs typeface="+mn-cs"/>
       </a:defRPr>
     </a:lvl4pPr>
-    <a:lvl5pPr marL="1828800" algn="l" defTabSz="914400" rtl="0" eaLnBrk="1" latinLnBrk="0" hangingPunct="1">
+    <a:lvl5pPr marL="1828800" algn="l" defTabSz="457200" rtl="0" eaLnBrk="1" latinLnBrk="0" hangingPunct="1">
       <a:defRPr sz="1200" kern="1200">
         <a:solidFill>
           <a:schemeClr val="tx1"/>
@@ -419,7 +426,7 @@
         <a:cs typeface="+mn-cs"/>
       </a:defRPr>
     </a:lvl5pPr>
-    <a:lvl6pPr marL="2286000" algn="l" defTabSz="914400" rtl="0" eaLnBrk="1" latinLnBrk="0" hangingPunct="1">
+    <a:lvl6pPr marL="2286000" algn="l" defTabSz="457200" rtl="0" eaLnBrk="1" latinLnBrk="0" hangingPunct="1">
       <a:defRPr sz="1200" kern="1200">
         <a:solidFill>
           <a:schemeClr val="tx1"/>
@@ -429,7 +436,7 @@
         <a:cs typeface="+mn-cs"/>
       </a:defRPr>
     </a:lvl6pPr>
-    <a:lvl7pPr marL="2743200" algn="l" defTabSz="914400" rtl="0" eaLnBrk="1" latinLnBrk="0" hangingPunct="1">
+    <a:lvl7pPr marL="2743200" algn="l" defTabSz="457200" rtl="0" eaLnBrk="1" latinLnBrk="0" hangingPunct="1">
       <a:defRPr sz="1200" kern="1200">
         <a:solidFill>
           <a:schemeClr val="tx1"/>
@@ -439,7 +446,7 @@
         <a:cs typeface="+mn-cs"/>
       </a:defRPr>
     </a:lvl7pPr>
-    <a:lvl8pPr marL="3200400" algn="l" defTabSz="914400" rtl="0" eaLnBrk="1" latinLnBrk="0" hangingPunct="1">
+    <a:lvl8pPr marL="3200400" algn="l" defTabSz="457200" rtl="0" eaLnBrk="1" latinLnBrk="0" hangingPunct="1">
       <a:defRPr sz="1200" kern="1200">
         <a:solidFill>
           <a:schemeClr val="tx1"/>
@@ -449,7 +456,7 @@
         <a:cs typeface="+mn-cs"/>
       </a:defRPr>
     </a:lvl8pPr>
-    <a:lvl9pPr marL="3657600" algn="l" defTabSz="914400" rtl="0" eaLnBrk="1" latinLnBrk="0" hangingPunct="1">
+    <a:lvl9pPr marL="3657600" algn="l" defTabSz="457200" rtl="0" eaLnBrk="1" latinLnBrk="0" hangingPunct="1">
       <a:defRPr sz="1200" kern="1200">
         <a:solidFill>
           <a:schemeClr val="tx1"/>
@@ -465,7 +472,18 @@
 
 <file path=ppt/slideLayouts/slideLayout1.xml><?xml version="1.0" encoding="utf-8"?>
 <p:sldLayout xmlns:a="http://schemas.openxmlformats.org/drawingml/2006/main" xmlns:r="http://schemas.openxmlformats.org/officeDocument/2006/relationships" xmlns:p="http://schemas.openxmlformats.org/presentationml/2006/main" type="title" preserve="1">
-  <p:cSld name="标题幻灯片">
+  <p:cSld name="Title Slide">
+    <p:bg>
+      <p:bgPr>
+        <a:blipFill rotWithShape="1">
+          <a:blip r:embed="rId2"/>
+          <a:stretch>
+            <a:fillRect/>
+          </a:stretch>
+        </a:blipFill>
+        <a:effectLst/>
+      </p:bgPr>
+    </p:bg>
     <p:spTree>
       <p:nvGrpSpPr>
         <p:cNvPr id="1" name=""/>
@@ -482,7 +500,7 @@
       </p:grpSpPr>
       <p:sp>
         <p:nvSpPr>
-          <p:cNvPr id="2" name="标题 1"/>
+          <p:cNvPr id="2" name="Title 1"/>
           <p:cNvSpPr>
             <a:spLocks noGrp="1"/>
           </p:cNvSpPr>
@@ -492,29 +510,25 @@
         </p:nvSpPr>
         <p:spPr>
           <a:xfrm>
-            <a:off x="1524000" y="1122363"/>
-            <a:ext cx="9144000" cy="2387600"/>
-          </a:xfrm>
-        </p:spPr>
-        <p:txBody>
-          <a:bodyPr anchor="b"/>
-          <a:lstStyle>
-            <a:lvl1pPr algn="ctr">
-              <a:defRPr sz="6000"/>
-            </a:lvl1pPr>
-          </a:lstStyle>
-          <a:p>
-            <a:r>
-              <a:rPr lang="zh-CN" altLang="en-US"/>
-              <a:t>单击此处编辑母版标题样式</a:t>
-            </a:r>
-            <a:endParaRPr lang="zh-CN" altLang="en-US"/>
-          </a:p>
-        </p:txBody>
-      </p:sp>
-      <p:sp>
-        <p:nvSpPr>
-          <p:cNvPr id="3" name="副标题 2"/>
+            <a:off x="914400" y="2130425"/>
+            <a:ext cx="10363200" cy="1470025"/>
+          </a:xfrm>
+        </p:spPr>
+        <p:txBody>
+          <a:bodyPr/>
+          <a:lstStyle/>
+          <a:p>
+            <a:r>
+              <a:rPr lang="en-US" smtClean="0"/>
+              <a:t>Click to edit Master title style</a:t>
+            </a:r>
+            <a:endParaRPr lang="en-US"/>
+          </a:p>
+        </p:txBody>
+      </p:sp>
+      <p:sp>
+        <p:nvSpPr>
+          <p:cNvPr id="3" name="Subtitle 2"/>
           <p:cNvSpPr>
             <a:spLocks noGrp="1"/>
           </p:cNvSpPr>
@@ -524,8 +538,8 @@
         </p:nvSpPr>
         <p:spPr>
           <a:xfrm>
-            <a:off x="1524000" y="3602038"/>
-            <a:ext cx="9144000" cy="1655762"/>
+            <a:off x="1828800" y="3886200"/>
+            <a:ext cx="8534400" cy="1752600"/>
           </a:xfrm>
         </p:spPr>
         <p:txBody>
@@ -533,53 +547,107 @@
           <a:lstStyle>
             <a:lvl1pPr marL="0" indent="0" algn="ctr">
               <a:buNone/>
-              <a:defRPr sz="2400"/>
+              <a:defRPr>
+                <a:solidFill>
+                  <a:schemeClr val="tx1">
+                    <a:tint val="75000"/>
+                  </a:schemeClr>
+                </a:solidFill>
+              </a:defRPr>
             </a:lvl1pPr>
             <a:lvl2pPr marL="457200" indent="0" algn="ctr">
               <a:buNone/>
-              <a:defRPr sz="2000"/>
+              <a:defRPr>
+                <a:solidFill>
+                  <a:schemeClr val="tx1">
+                    <a:tint val="75000"/>
+                  </a:schemeClr>
+                </a:solidFill>
+              </a:defRPr>
             </a:lvl2pPr>
             <a:lvl3pPr marL="914400" indent="0" algn="ctr">
               <a:buNone/>
-              <a:defRPr sz="1800"/>
+              <a:defRPr>
+                <a:solidFill>
+                  <a:schemeClr val="tx1">
+                    <a:tint val="75000"/>
+                  </a:schemeClr>
+                </a:solidFill>
+              </a:defRPr>
             </a:lvl3pPr>
             <a:lvl4pPr marL="1371600" indent="0" algn="ctr">
               <a:buNone/>
-              <a:defRPr sz="1600"/>
+              <a:defRPr>
+                <a:solidFill>
+                  <a:schemeClr val="tx1">
+                    <a:tint val="75000"/>
+                  </a:schemeClr>
+                </a:solidFill>
+              </a:defRPr>
             </a:lvl4pPr>
             <a:lvl5pPr marL="1828800" indent="0" algn="ctr">
               <a:buNone/>
-              <a:defRPr sz="1600"/>
+              <a:defRPr>
+                <a:solidFill>
+                  <a:schemeClr val="tx1">
+                    <a:tint val="75000"/>
+                  </a:schemeClr>
+                </a:solidFill>
+              </a:defRPr>
             </a:lvl5pPr>
             <a:lvl6pPr marL="2286000" indent="0" algn="ctr">
               <a:buNone/>
-              <a:defRPr sz="1600"/>
+              <a:defRPr>
+                <a:solidFill>
+                  <a:schemeClr val="tx1">
+                    <a:tint val="75000"/>
+                  </a:schemeClr>
+                </a:solidFill>
+              </a:defRPr>
             </a:lvl6pPr>
             <a:lvl7pPr marL="2743200" indent="0" algn="ctr">
               <a:buNone/>
-              <a:defRPr sz="1600"/>
+              <a:defRPr>
+                <a:solidFill>
+                  <a:schemeClr val="tx1">
+                    <a:tint val="75000"/>
+                  </a:schemeClr>
+                </a:solidFill>
+              </a:defRPr>
             </a:lvl7pPr>
             <a:lvl8pPr marL="3200400" indent="0" algn="ctr">
               <a:buNone/>
-              <a:defRPr sz="1600"/>
+              <a:defRPr>
+                <a:solidFill>
+                  <a:schemeClr val="tx1">
+                    <a:tint val="75000"/>
+                  </a:schemeClr>
+                </a:solidFill>
+              </a:defRPr>
             </a:lvl8pPr>
             <a:lvl9pPr marL="3657600" indent="0" algn="ctr">
               <a:buNone/>
-              <a:defRPr sz="1600"/>
+              <a:defRPr>
+                <a:solidFill>
+                  <a:schemeClr val="tx1">
+                    <a:tint val="75000"/>
+                  </a:schemeClr>
+                </a:solidFill>
+              </a:defRPr>
             </a:lvl9pPr>
           </a:lstStyle>
           <a:p>
             <a:r>
-              <a:rPr lang="zh-CN" altLang="en-US"/>
-              <a:t>单击此处编辑母版副标题样式</a:t>
-            </a:r>
-            <a:endParaRPr lang="zh-CN" altLang="en-US"/>
-          </a:p>
-        </p:txBody>
-      </p:sp>
-      <p:sp>
-        <p:nvSpPr>
-          <p:cNvPr id="4" name="日期占位符 3"/>
+              <a:rPr lang="en-US" smtClean="0"/>
+              <a:t>Click to edit Master subtitle style</a:t>
+            </a:r>
+            <a:endParaRPr lang="en-US"/>
+          </a:p>
+        </p:txBody>
+      </p:sp>
+      <p:sp>
+        <p:nvSpPr>
+          <p:cNvPr id="4" name="Date Placeholder 3"/>
           <p:cNvSpPr>
             <a:spLocks noGrp="1"/>
           </p:cNvSpPr>
@@ -592,16 +660,16 @@
           <a:bodyPr/>
           <a:lstStyle/>
           <a:p>
-            <a:fld id="{16E9A678-BBB1-4DAE-A4A8-85C4F1D11E10}" type="datetimeFigureOut">
-              <a:rPr lang="zh-CN" altLang="en-US" smtClean="0"/>
+            <a:fld id="{5BCAD085-E8A6-8845-BD4E-CB4CCA059FC4}" type="datetimeFigureOut">
+              <a:rPr lang="en-US" smtClean="0"/>
             </a:fld>
-            <a:endParaRPr lang="zh-CN" altLang="en-US"/>
-          </a:p>
-        </p:txBody>
-      </p:sp>
-      <p:sp>
-        <p:nvSpPr>
-          <p:cNvPr id="5" name="页脚占位符 4"/>
+            <a:endParaRPr lang="en-US"/>
+          </a:p>
+        </p:txBody>
+      </p:sp>
+      <p:sp>
+        <p:nvSpPr>
+          <p:cNvPr id="5" name="Footer Placeholder 4"/>
           <p:cNvSpPr>
             <a:spLocks noGrp="1"/>
           </p:cNvSpPr>
@@ -614,13 +682,13 @@
           <a:bodyPr/>
           <a:lstStyle/>
           <a:p>
-            <a:endParaRPr lang="zh-CN" altLang="en-US"/>
-          </a:p>
-        </p:txBody>
-      </p:sp>
-      <p:sp>
-        <p:nvSpPr>
-          <p:cNvPr id="6" name="灯片编号占位符 5"/>
+            <a:endParaRPr lang="en-US"/>
+          </a:p>
+        </p:txBody>
+      </p:sp>
+      <p:sp>
+        <p:nvSpPr>
+          <p:cNvPr id="6" name="Slide Number Placeholder 5"/>
           <p:cNvSpPr>
             <a:spLocks noGrp="1"/>
           </p:cNvSpPr>
@@ -633,13 +701,188 @@
           <a:bodyPr/>
           <a:lstStyle/>
           <a:p>
-            <a:fld id="{032B40A8-2161-43AC-A6D2-65EE23344C4A}" type="slidenum">
-              <a:rPr lang="zh-CN" altLang="en-US" smtClean="0"/>
+            <a:fld id="{C1FF6DA9-008F-8B48-92A6-B652298478BF}" type="slidenum">
+              <a:rPr lang="en-US" smtClean="0"/>
             </a:fld>
-            <a:endParaRPr lang="zh-CN" altLang="en-US"/>
-          </a:p>
-        </p:txBody>
-      </p:sp>
+            <a:endParaRPr lang="en-US"/>
+          </a:p>
+        </p:txBody>
+      </p:sp>
+      <p:pic>
+        <p:nvPicPr>
+          <p:cNvPr id="8" name="图片 7" descr="图片包含 游戏机, 画&#10;&#10;描述已自动生成"/>
+          <p:cNvPicPr>
+            <a:picLocks noChangeAspect="1"/>
+          </p:cNvPicPr>
+          <p:nvPr userDrawn="1"/>
+        </p:nvPicPr>
+        <p:blipFill>
+          <a:blip r:embed="rId3">
+            <a:extLst>
+              <a:ext uri="{28A0092B-C50C-407E-A947-70E740481C1C}">
+                <a14:useLocalDpi xmlns:a14="http://schemas.microsoft.com/office/drawing/2010/main" val="0"/>
+              </a:ext>
+            </a:extLst>
+          </a:blip>
+          <a:stretch>
+            <a:fillRect/>
+          </a:stretch>
+        </p:blipFill>
+        <p:spPr>
+          <a:xfrm>
+            <a:off x="424673" y="366196"/>
+            <a:ext cx="1404103" cy="623000"/>
+          </a:xfrm>
+          <a:prstGeom prst="rect">
+            <a:avLst/>
+          </a:prstGeom>
+        </p:spPr>
+      </p:pic>
+      <p:grpSp>
+        <p:nvGrpSpPr>
+          <p:cNvPr id="9" name="组合 8"/>
+          <p:cNvGrpSpPr/>
+          <p:nvPr userDrawn="1"/>
+        </p:nvGrpSpPr>
+        <p:grpSpPr>
+          <a:xfrm>
+            <a:off x="-1" y="6011147"/>
+            <a:ext cx="12192001" cy="846853"/>
+            <a:chOff x="-101600" y="6011147"/>
+            <a:chExt cx="12375363" cy="1024653"/>
+          </a:xfrm>
+        </p:grpSpPr>
+        <p:sp>
+          <p:nvSpPr>
+            <p:cNvPr id="10" name="矩形 9"/>
+            <p:cNvSpPr/>
+            <p:nvPr/>
+          </p:nvSpPr>
+          <p:spPr>
+            <a:xfrm>
+              <a:off x="-101600" y="6096000"/>
+              <a:ext cx="12375363" cy="939800"/>
+            </a:xfrm>
+            <a:prstGeom prst="rect">
+              <a:avLst/>
+            </a:prstGeom>
+            <a:solidFill>
+              <a:srgbClr val="BAE2F0"/>
+            </a:solidFill>
+            <a:ln>
+              <a:solidFill>
+                <a:srgbClr val="BAE2F0"/>
+              </a:solidFill>
+            </a:ln>
+          </p:spPr>
+          <p:style>
+            <a:lnRef idx="2">
+              <a:schemeClr val="accent1">
+                <a:shade val="50000"/>
+              </a:schemeClr>
+            </a:lnRef>
+            <a:fillRef idx="1">
+              <a:schemeClr val="accent1"/>
+            </a:fillRef>
+            <a:effectRef idx="0">
+              <a:schemeClr val="accent1"/>
+            </a:effectRef>
+            <a:fontRef idx="minor">
+              <a:schemeClr val="lt1"/>
+            </a:fontRef>
+          </p:style>
+          <p:txBody>
+            <a:bodyPr rtlCol="0" anchor="ctr"/>
+            <a:p>
+              <a:pPr algn="ctr"/>
+              <a:endParaRPr lang="zh-CN" altLang="en-US">
+                <a:cs typeface="+mn-ea"/>
+                <a:sym typeface="+mn-lt"/>
+              </a:endParaRPr>
+            </a:p>
+          </p:txBody>
+        </p:sp>
+        <p:sp>
+          <p:nvSpPr>
+            <p:cNvPr id="11" name="矩形 10"/>
+            <p:cNvSpPr/>
+            <p:nvPr/>
+          </p:nvSpPr>
+          <p:spPr>
+            <a:xfrm>
+              <a:off x="-101600" y="6011147"/>
+              <a:ext cx="12375363" cy="76200"/>
+            </a:xfrm>
+            <a:prstGeom prst="rect">
+              <a:avLst/>
+            </a:prstGeom>
+            <a:solidFill>
+              <a:srgbClr val="E6000F"/>
+            </a:solidFill>
+            <a:ln>
+              <a:solidFill>
+                <a:srgbClr val="E6000F"/>
+              </a:solidFill>
+            </a:ln>
+          </p:spPr>
+          <p:style>
+            <a:lnRef idx="2">
+              <a:schemeClr val="accent1">
+                <a:shade val="50000"/>
+              </a:schemeClr>
+            </a:lnRef>
+            <a:fillRef idx="1">
+              <a:schemeClr val="accent1"/>
+            </a:fillRef>
+            <a:effectRef idx="0">
+              <a:schemeClr val="accent1"/>
+            </a:effectRef>
+            <a:fontRef idx="minor">
+              <a:schemeClr val="lt1"/>
+            </a:fontRef>
+          </p:style>
+          <p:txBody>
+            <a:bodyPr rtlCol="0" anchor="ctr"/>
+            <a:p>
+              <a:pPr algn="ctr"/>
+              <a:endParaRPr lang="zh-CN" altLang="en-US">
+                <a:cs typeface="+mn-ea"/>
+                <a:sym typeface="+mn-lt"/>
+              </a:endParaRPr>
+            </a:p>
+          </p:txBody>
+        </p:sp>
+      </p:grpSp>
+      <p:pic>
+        <p:nvPicPr>
+          <p:cNvPr id="12" name="图片 11"/>
+          <p:cNvPicPr>
+            <a:picLocks noChangeAspect="1"/>
+          </p:cNvPicPr>
+          <p:nvPr userDrawn="1"/>
+        </p:nvPicPr>
+        <p:blipFill>
+          <a:blip r:embed="rId4">
+            <a:extLst>
+              <a:ext uri="{28A0092B-C50C-407E-A947-70E740481C1C}">
+                <a14:useLocalDpi xmlns:a14="http://schemas.microsoft.com/office/drawing/2010/main" val="0"/>
+              </a:ext>
+            </a:extLst>
+          </a:blip>
+          <a:stretch>
+            <a:fillRect/>
+          </a:stretch>
+        </p:blipFill>
+        <p:spPr>
+          <a:xfrm>
+            <a:off x="10134600" y="5562600"/>
+            <a:ext cx="1691540" cy="251985"/>
+          </a:xfrm>
+          <a:prstGeom prst="rect">
+            <a:avLst/>
+          </a:prstGeom>
+        </p:spPr>
+      </p:pic>
     </p:spTree>
   </p:cSld>
   <p:clrMapOvr>
@@ -650,7 +893,7 @@
 
 <file path=ppt/slideLayouts/slideLayout10.xml><?xml version="1.0" encoding="utf-8"?>
 <p:sldLayout xmlns:a="http://schemas.openxmlformats.org/drawingml/2006/main" xmlns:r="http://schemas.openxmlformats.org/officeDocument/2006/relationships" xmlns:p="http://schemas.openxmlformats.org/presentationml/2006/main" type="vertTx" preserve="1">
-  <p:cSld name="标题和竖排文字">
+  <p:cSld name="Title and Vertical Text">
     <p:spTree>
       <p:nvGrpSpPr>
         <p:cNvPr id="1" name=""/>
@@ -667,12 +910,105 @@
       </p:grpSpPr>
       <p:sp>
         <p:nvSpPr>
-          <p:cNvPr id="2" name="标题 1"/>
+          <p:cNvPr id="2" name="Title 1"/>
           <p:cNvSpPr>
             <a:spLocks noGrp="1"/>
           </p:cNvSpPr>
           <p:nvPr>
             <p:ph type="title"/>
+          </p:nvPr>
+        </p:nvSpPr>
+        <p:spPr>
+          <a:xfrm>
+            <a:off x="315595" y="136525"/>
+            <a:ext cx="10972800" cy="699770"/>
+          </a:xfrm>
+        </p:spPr>
+        <p:txBody>
+          <a:bodyPr/>
+          <a:lstStyle>
+            <a:lvl1pPr algn="l">
+              <a:defRPr sz="2800"/>
+            </a:lvl1pPr>
+          </a:lstStyle>
+          <a:p>
+            <a:r>
+              <a:rPr lang="en-US" smtClean="0"/>
+              <a:t>Click to edit Master title style</a:t>
+            </a:r>
+            <a:endParaRPr lang="en-US"/>
+          </a:p>
+        </p:txBody>
+      </p:sp>
+      <p:sp>
+        <p:nvSpPr>
+          <p:cNvPr id="3" name="Vertical Text Placeholder 2"/>
+          <p:cNvSpPr>
+            <a:spLocks noGrp="1"/>
+          </p:cNvSpPr>
+          <p:nvPr>
+            <p:ph type="body" orient="vert" idx="1"/>
+          </p:nvPr>
+        </p:nvSpPr>
+        <p:spPr>
+          <a:xfrm>
+            <a:off x="609600" y="1056005"/>
+            <a:ext cx="10972800" cy="5070475"/>
+          </a:xfrm>
+        </p:spPr>
+        <p:txBody>
+          <a:bodyPr vert="eaVert"/>
+          <a:lstStyle/>
+          <a:p>
+            <a:pPr lvl="0"/>
+            <a:r>
+              <a:rPr lang="en-US" smtClean="0"/>
+              <a:t>Click to edit Master text styles</a:t>
+            </a:r>
+            <a:endParaRPr lang="en-US" smtClean="0"/>
+          </a:p>
+          <a:p>
+            <a:pPr lvl="1"/>
+            <a:r>
+              <a:rPr lang="en-US" smtClean="0"/>
+              <a:t>Second level</a:t>
+            </a:r>
+            <a:endParaRPr lang="en-US" smtClean="0"/>
+          </a:p>
+          <a:p>
+            <a:pPr lvl="2"/>
+            <a:r>
+              <a:rPr lang="en-US" smtClean="0"/>
+              <a:t>Third level</a:t>
+            </a:r>
+            <a:endParaRPr lang="en-US" smtClean="0"/>
+          </a:p>
+          <a:p>
+            <a:pPr lvl="3"/>
+            <a:r>
+              <a:rPr lang="en-US" smtClean="0"/>
+              <a:t>Fourth level</a:t>
+            </a:r>
+            <a:endParaRPr lang="en-US" smtClean="0"/>
+          </a:p>
+          <a:p>
+            <a:pPr lvl="4"/>
+            <a:r>
+              <a:rPr lang="en-US" smtClean="0"/>
+              <a:t>Fifth level</a:t>
+            </a:r>
+            <a:endParaRPr lang="en-US"/>
+          </a:p>
+        </p:txBody>
+      </p:sp>
+      <p:sp>
+        <p:nvSpPr>
+          <p:cNvPr id="4" name="Date Placeholder 3"/>
+          <p:cNvSpPr>
+            <a:spLocks noGrp="1"/>
+          </p:cNvSpPr>
+          <p:nvPr>
+            <p:ph type="dt" sz="half" idx="10"/>
           </p:nvPr>
         </p:nvSpPr>
         <p:spPr/>
@@ -680,78 +1016,21 @@
           <a:bodyPr/>
           <a:lstStyle/>
           <a:p>
-            <a:r>
-              <a:rPr lang="zh-CN" altLang="en-US"/>
-              <a:t>单击此处编辑母版标题样式</a:t>
-            </a:r>
-            <a:endParaRPr lang="zh-CN" altLang="en-US"/>
-          </a:p>
-        </p:txBody>
-      </p:sp>
-      <p:sp>
-        <p:nvSpPr>
-          <p:cNvPr id="3" name="竖排文字占位符 2"/>
-          <p:cNvSpPr>
-            <a:spLocks noGrp="1"/>
-          </p:cNvSpPr>
-          <p:nvPr>
-            <p:ph type="body" orient="vert" idx="1" hasCustomPrompt="1"/>
-          </p:nvPr>
-        </p:nvSpPr>
-        <p:spPr/>
-        <p:txBody>
-          <a:bodyPr vert="eaVert"/>
-          <a:lstStyle/>
-          <a:p>
-            <a:pPr lvl="0"/>
-            <a:r>
-              <a:rPr lang="zh-CN" altLang="en-US"/>
-              <a:t>编辑母版文本样式</a:t>
-            </a:r>
-            <a:endParaRPr lang="zh-CN" altLang="en-US"/>
-          </a:p>
-          <a:p>
-            <a:pPr lvl="1"/>
-            <a:r>
-              <a:rPr lang="zh-CN" altLang="en-US"/>
-              <a:t>第二级</a:t>
-            </a:r>
-            <a:endParaRPr lang="zh-CN" altLang="en-US"/>
-          </a:p>
-          <a:p>
-            <a:pPr lvl="2"/>
-            <a:r>
-              <a:rPr lang="zh-CN" altLang="en-US"/>
-              <a:t>第三级</a:t>
-            </a:r>
-            <a:endParaRPr lang="zh-CN" altLang="en-US"/>
-          </a:p>
-          <a:p>
-            <a:pPr lvl="3"/>
-            <a:r>
-              <a:rPr lang="zh-CN" altLang="en-US"/>
-              <a:t>第四级</a:t>
-            </a:r>
-            <a:endParaRPr lang="zh-CN" altLang="en-US"/>
-          </a:p>
-          <a:p>
-            <a:pPr lvl="4"/>
-            <a:r>
-              <a:rPr lang="zh-CN" altLang="en-US"/>
-              <a:t>第五级</a:t>
-            </a:r>
-            <a:endParaRPr lang="zh-CN" altLang="en-US"/>
-          </a:p>
-        </p:txBody>
-      </p:sp>
-      <p:sp>
-        <p:nvSpPr>
-          <p:cNvPr id="4" name="日期占位符 3"/>
-          <p:cNvSpPr>
-            <a:spLocks noGrp="1"/>
-          </p:cNvSpPr>
-          <p:nvPr>
-            <p:ph type="dt" sz="half" idx="10"/>
+            <a:fld id="{5BCAD085-E8A6-8845-BD4E-CB4CCA059FC4}" type="datetimeFigureOut">
+              <a:rPr lang="en-US" smtClean="0"/>
+            </a:fld>
+            <a:endParaRPr lang="en-US"/>
+          </a:p>
+        </p:txBody>
+      </p:sp>
+      <p:sp>
+        <p:nvSpPr>
+          <p:cNvPr id="5" name="Footer Placeholder 4"/>
+          <p:cNvSpPr>
+            <a:spLocks noGrp="1"/>
+          </p:cNvSpPr>
+          <p:nvPr>
+            <p:ph type="ftr" sz="quarter" idx="11"/>
           </p:nvPr>
         </p:nvSpPr>
         <p:spPr/>
@@ -759,21 +1038,18 @@
           <a:bodyPr/>
           <a:lstStyle/>
           <a:p>
-            <a:fld id="{16E9A678-BBB1-4DAE-A4A8-85C4F1D11E10}" type="datetimeFigureOut">
-              <a:rPr lang="zh-CN" altLang="en-US" smtClean="0"/>
-            </a:fld>
-            <a:endParaRPr lang="zh-CN" altLang="en-US"/>
-          </a:p>
-        </p:txBody>
-      </p:sp>
-      <p:sp>
-        <p:nvSpPr>
-          <p:cNvPr id="5" name="页脚占位符 4"/>
-          <p:cNvSpPr>
-            <a:spLocks noGrp="1"/>
-          </p:cNvSpPr>
-          <p:nvPr>
-            <p:ph type="ftr" sz="quarter" idx="11"/>
+            <a:endParaRPr lang="en-US"/>
+          </a:p>
+        </p:txBody>
+      </p:sp>
+      <p:sp>
+        <p:nvSpPr>
+          <p:cNvPr id="6" name="Slide Number Placeholder 5"/>
+          <p:cNvSpPr>
+            <a:spLocks noGrp="1"/>
+          </p:cNvSpPr>
+          <p:nvPr>
+            <p:ph type="sldNum" sz="quarter" idx="12"/>
           </p:nvPr>
         </p:nvSpPr>
         <p:spPr/>
@@ -781,32 +1057,68 @@
           <a:bodyPr/>
           <a:lstStyle/>
           <a:p>
-            <a:endParaRPr lang="zh-CN" altLang="en-US"/>
-          </a:p>
-        </p:txBody>
-      </p:sp>
-      <p:sp>
-        <p:nvSpPr>
-          <p:cNvPr id="6" name="灯片编号占位符 5"/>
-          <p:cNvSpPr>
-            <a:spLocks noGrp="1"/>
-          </p:cNvSpPr>
-          <p:nvPr>
-            <p:ph type="sldNum" sz="quarter" idx="12"/>
-          </p:nvPr>
-        </p:nvSpPr>
-        <p:spPr/>
-        <p:txBody>
-          <a:bodyPr/>
-          <a:lstStyle/>
-          <a:p>
-            <a:fld id="{032B40A8-2161-43AC-A6D2-65EE23344C4A}" type="slidenum">
-              <a:rPr lang="zh-CN" altLang="en-US" smtClean="0"/>
+            <a:fld id="{C1FF6DA9-008F-8B48-92A6-B652298478BF}" type="slidenum">
+              <a:rPr lang="en-US" smtClean="0"/>
             </a:fld>
-            <a:endParaRPr lang="zh-CN" altLang="en-US"/>
-          </a:p>
-        </p:txBody>
-      </p:sp>
+            <a:endParaRPr lang="en-US"/>
+          </a:p>
+        </p:txBody>
+      </p:sp>
+      <p:cxnSp>
+        <p:nvCxnSpPr>
+          <p:cNvPr id="11" name="直接连接符 10"/>
+          <p:cNvCxnSpPr/>
+          <p:nvPr userDrawn="1"/>
+        </p:nvCxnSpPr>
+        <p:spPr>
+          <a:xfrm>
+            <a:off x="315310" y="744220"/>
+            <a:ext cx="11581465" cy="0"/>
+          </a:xfrm>
+          <a:prstGeom prst="line">
+            <a:avLst/>
+          </a:prstGeom>
+          <a:ln w="19050">
+            <a:solidFill>
+              <a:schemeClr val="bg1">
+                <a:lumMod val="85000"/>
+              </a:schemeClr>
+            </a:solidFill>
+            <a:prstDash val="solid"/>
+            <a:miter/>
+          </a:ln>
+        </p:spPr>
+      </p:cxnSp>
+      <p:pic>
+        <p:nvPicPr>
+          <p:cNvPr id="8" name="图片 7" descr="图片包含 游戏机, 画&#10;&#10;描述已自动生成"/>
+          <p:cNvPicPr>
+            <a:picLocks noChangeAspect="1"/>
+          </p:cNvPicPr>
+          <p:nvPr userDrawn="1"/>
+        </p:nvPicPr>
+        <p:blipFill>
+          <a:blip r:embed="rId2">
+            <a:extLst>
+              <a:ext uri="{28A0092B-C50C-407E-A947-70E740481C1C}">
+                <a14:useLocalDpi xmlns:a14="http://schemas.microsoft.com/office/drawing/2010/main" val="0"/>
+              </a:ext>
+            </a:extLst>
+          </a:blip>
+          <a:stretch>
+            <a:fillRect/>
+          </a:stretch>
+        </p:blipFill>
+        <p:spPr>
+          <a:xfrm>
+            <a:off x="10697210" y="127635"/>
+            <a:ext cx="1104265" cy="490220"/>
+          </a:xfrm>
+          <a:prstGeom prst="rect">
+            <a:avLst/>
+          </a:prstGeom>
+        </p:spPr>
+      </p:pic>
     </p:spTree>
   </p:cSld>
   <p:clrMapOvr>
@@ -817,7 +1129,7 @@
 
 <file path=ppt/slideLayouts/slideLayout11.xml><?xml version="1.0" encoding="utf-8"?>
 <p:sldLayout xmlns:a="http://schemas.openxmlformats.org/drawingml/2006/main" xmlns:r="http://schemas.openxmlformats.org/officeDocument/2006/relationships" xmlns:p="http://schemas.openxmlformats.org/presentationml/2006/main" type="vertTitleAndTx" preserve="1">
-  <p:cSld name="竖排标题与文本">
+  <p:cSld name="Vertical Title and Text">
     <p:spTree>
       <p:nvGrpSpPr>
         <p:cNvPr id="1" name=""/>
@@ -834,7 +1146,7 @@
       </p:grpSpPr>
       <p:sp>
         <p:nvSpPr>
-          <p:cNvPr id="2" name="竖排标题 1"/>
+          <p:cNvPr id="2" name="Vertical Title 1"/>
           <p:cNvSpPr>
             <a:spLocks noGrp="1"/>
           </p:cNvSpPr>
@@ -844,8 +1156,8 @@
         </p:nvSpPr>
         <p:spPr>
           <a:xfrm>
-            <a:off x="8724900" y="365125"/>
-            <a:ext cx="2628900" cy="5811838"/>
+            <a:off x="8839200" y="877570"/>
+            <a:ext cx="2743200" cy="5248910"/>
           </a:xfrm>
         </p:spPr>
         <p:txBody>
@@ -853,27 +1165,27 @@
           <a:lstStyle/>
           <a:p>
             <a:r>
-              <a:rPr lang="zh-CN" altLang="en-US"/>
-              <a:t>单击此处编辑母版标题样式</a:t>
-            </a:r>
-            <a:endParaRPr lang="zh-CN" altLang="en-US"/>
-          </a:p>
-        </p:txBody>
-      </p:sp>
-      <p:sp>
-        <p:nvSpPr>
-          <p:cNvPr id="3" name="竖排文字占位符 2"/>
-          <p:cNvSpPr>
-            <a:spLocks noGrp="1"/>
-          </p:cNvSpPr>
-          <p:nvPr>
-            <p:ph type="body" orient="vert" idx="1" hasCustomPrompt="1"/>
-          </p:nvPr>
-        </p:nvSpPr>
-        <p:spPr>
-          <a:xfrm>
-            <a:off x="838200" y="365125"/>
-            <a:ext cx="7734300" cy="5811838"/>
+              <a:rPr lang="en-US" smtClean="0"/>
+              <a:t>Click to edit Master title style</a:t>
+            </a:r>
+            <a:endParaRPr lang="en-US"/>
+          </a:p>
+        </p:txBody>
+      </p:sp>
+      <p:sp>
+        <p:nvSpPr>
+          <p:cNvPr id="3" name="Vertical Text Placeholder 2"/>
+          <p:cNvSpPr>
+            <a:spLocks noGrp="1"/>
+          </p:cNvSpPr>
+          <p:nvPr>
+            <p:ph type="body" orient="vert" idx="1"/>
+          </p:nvPr>
+        </p:nvSpPr>
+        <p:spPr>
+          <a:xfrm>
+            <a:off x="609600" y="895985"/>
+            <a:ext cx="8026400" cy="5230495"/>
           </a:xfrm>
         </p:spPr>
         <p:txBody>
@@ -882,48 +1194,48 @@
           <a:p>
             <a:pPr lvl="0"/>
             <a:r>
-              <a:rPr lang="zh-CN" altLang="en-US"/>
-              <a:t>编辑母版文本样式</a:t>
-            </a:r>
-            <a:endParaRPr lang="zh-CN" altLang="en-US"/>
+              <a:rPr lang="en-US" smtClean="0"/>
+              <a:t>Click to edit Master text styles</a:t>
+            </a:r>
+            <a:endParaRPr lang="en-US" smtClean="0"/>
           </a:p>
           <a:p>
             <a:pPr lvl="1"/>
             <a:r>
-              <a:rPr lang="zh-CN" altLang="en-US"/>
-              <a:t>第二级</a:t>
-            </a:r>
-            <a:endParaRPr lang="zh-CN" altLang="en-US"/>
+              <a:rPr lang="en-US" smtClean="0"/>
+              <a:t>Second level</a:t>
+            </a:r>
+            <a:endParaRPr lang="en-US" smtClean="0"/>
           </a:p>
           <a:p>
             <a:pPr lvl="2"/>
             <a:r>
-              <a:rPr lang="zh-CN" altLang="en-US"/>
-              <a:t>第三级</a:t>
-            </a:r>
-            <a:endParaRPr lang="zh-CN" altLang="en-US"/>
+              <a:rPr lang="en-US" smtClean="0"/>
+              <a:t>Third level</a:t>
+            </a:r>
+            <a:endParaRPr lang="en-US" smtClean="0"/>
           </a:p>
           <a:p>
             <a:pPr lvl="3"/>
             <a:r>
-              <a:rPr lang="zh-CN" altLang="en-US"/>
-              <a:t>第四级</a:t>
-            </a:r>
-            <a:endParaRPr lang="zh-CN" altLang="en-US"/>
+              <a:rPr lang="en-US" smtClean="0"/>
+              <a:t>Fourth level</a:t>
+            </a:r>
+            <a:endParaRPr lang="en-US" smtClean="0"/>
           </a:p>
           <a:p>
             <a:pPr lvl="4"/>
             <a:r>
-              <a:rPr lang="zh-CN" altLang="en-US"/>
-              <a:t>第五级</a:t>
-            </a:r>
-            <a:endParaRPr lang="zh-CN" altLang="en-US"/>
-          </a:p>
-        </p:txBody>
-      </p:sp>
-      <p:sp>
-        <p:nvSpPr>
-          <p:cNvPr id="4" name="日期占位符 3"/>
+              <a:rPr lang="en-US" smtClean="0"/>
+              <a:t>Fifth level</a:t>
+            </a:r>
+            <a:endParaRPr lang="en-US"/>
+          </a:p>
+        </p:txBody>
+      </p:sp>
+      <p:sp>
+        <p:nvSpPr>
+          <p:cNvPr id="4" name="Date Placeholder 3"/>
           <p:cNvSpPr>
             <a:spLocks noGrp="1"/>
           </p:cNvSpPr>
@@ -936,16 +1248,16 @@
           <a:bodyPr/>
           <a:lstStyle/>
           <a:p>
-            <a:fld id="{16E9A678-BBB1-4DAE-A4A8-85C4F1D11E10}" type="datetimeFigureOut">
-              <a:rPr lang="zh-CN" altLang="en-US" smtClean="0"/>
+            <a:fld id="{5BCAD085-E8A6-8845-BD4E-CB4CCA059FC4}" type="datetimeFigureOut">
+              <a:rPr lang="en-US" smtClean="0"/>
             </a:fld>
-            <a:endParaRPr lang="zh-CN" altLang="en-US"/>
-          </a:p>
-        </p:txBody>
-      </p:sp>
-      <p:sp>
-        <p:nvSpPr>
-          <p:cNvPr id="5" name="页脚占位符 4"/>
+            <a:endParaRPr lang="en-US"/>
+          </a:p>
+        </p:txBody>
+      </p:sp>
+      <p:sp>
+        <p:nvSpPr>
+          <p:cNvPr id="5" name="Footer Placeholder 4"/>
           <p:cNvSpPr>
             <a:spLocks noGrp="1"/>
           </p:cNvSpPr>
@@ -958,13 +1270,13 @@
           <a:bodyPr/>
           <a:lstStyle/>
           <a:p>
-            <a:endParaRPr lang="zh-CN" altLang="en-US"/>
-          </a:p>
-        </p:txBody>
-      </p:sp>
-      <p:sp>
-        <p:nvSpPr>
-          <p:cNvPr id="6" name="灯片编号占位符 5"/>
+            <a:endParaRPr lang="en-US"/>
+          </a:p>
+        </p:txBody>
+      </p:sp>
+      <p:sp>
+        <p:nvSpPr>
+          <p:cNvPr id="6" name="Slide Number Placeholder 5"/>
           <p:cNvSpPr>
             <a:spLocks noGrp="1"/>
           </p:cNvSpPr>
@@ -977,13 +1289,68 @@
           <a:bodyPr/>
           <a:lstStyle/>
           <a:p>
-            <a:fld id="{032B40A8-2161-43AC-A6D2-65EE23344C4A}" type="slidenum">
-              <a:rPr lang="zh-CN" altLang="en-US" smtClean="0"/>
+            <a:fld id="{C1FF6DA9-008F-8B48-92A6-B652298478BF}" type="slidenum">
+              <a:rPr lang="en-US" smtClean="0"/>
             </a:fld>
-            <a:endParaRPr lang="zh-CN" altLang="en-US"/>
-          </a:p>
-        </p:txBody>
-      </p:sp>
+            <a:endParaRPr lang="en-US"/>
+          </a:p>
+        </p:txBody>
+      </p:sp>
+      <p:cxnSp>
+        <p:nvCxnSpPr>
+          <p:cNvPr id="11" name="直接连接符 10"/>
+          <p:cNvCxnSpPr/>
+          <p:nvPr userDrawn="1"/>
+        </p:nvCxnSpPr>
+        <p:spPr>
+          <a:xfrm>
+            <a:off x="315310" y="744220"/>
+            <a:ext cx="11581465" cy="0"/>
+          </a:xfrm>
+          <a:prstGeom prst="line">
+            <a:avLst/>
+          </a:prstGeom>
+          <a:ln w="19050">
+            <a:solidFill>
+              <a:schemeClr val="bg1">
+                <a:lumMod val="85000"/>
+              </a:schemeClr>
+            </a:solidFill>
+            <a:prstDash val="solid"/>
+            <a:miter/>
+          </a:ln>
+        </p:spPr>
+      </p:cxnSp>
+      <p:pic>
+        <p:nvPicPr>
+          <p:cNvPr id="8" name="图片 7" descr="图片包含 游戏机, 画&#10;&#10;描述已自动生成"/>
+          <p:cNvPicPr>
+            <a:picLocks noChangeAspect="1"/>
+          </p:cNvPicPr>
+          <p:nvPr userDrawn="1"/>
+        </p:nvPicPr>
+        <p:blipFill>
+          <a:blip r:embed="rId2">
+            <a:extLst>
+              <a:ext uri="{28A0092B-C50C-407E-A947-70E740481C1C}">
+                <a14:useLocalDpi xmlns:a14="http://schemas.microsoft.com/office/drawing/2010/main" val="0"/>
+              </a:ext>
+            </a:extLst>
+          </a:blip>
+          <a:stretch>
+            <a:fillRect/>
+          </a:stretch>
+        </p:blipFill>
+        <p:spPr>
+          <a:xfrm>
+            <a:off x="10697210" y="127635"/>
+            <a:ext cx="1104265" cy="490220"/>
+          </a:xfrm>
+          <a:prstGeom prst="rect">
+            <a:avLst/>
+          </a:prstGeom>
+        </p:spPr>
+      </p:pic>
     </p:spTree>
   </p:cSld>
   <p:clrMapOvr>
@@ -994,7 +1361,7 @@
 
 <file path=ppt/slideLayouts/slideLayout2.xml><?xml version="1.0" encoding="utf-8"?>
 <p:sldLayout xmlns:a="http://schemas.openxmlformats.org/drawingml/2006/main" xmlns:r="http://schemas.openxmlformats.org/officeDocument/2006/relationships" xmlns:p="http://schemas.openxmlformats.org/presentationml/2006/main" type="obj" preserve="1">
-  <p:cSld name="标题和内容">
+  <p:cSld name="Title and Content">
     <p:spTree>
       <p:nvGrpSpPr>
         <p:cNvPr id="1" name=""/>
@@ -1011,12 +1378,139 @@
       </p:grpSpPr>
       <p:sp>
         <p:nvSpPr>
-          <p:cNvPr id="2" name="标题 1"/>
+          <p:cNvPr id="2" name="Title 1"/>
           <p:cNvSpPr>
             <a:spLocks noGrp="1"/>
           </p:cNvSpPr>
           <p:nvPr>
             <p:ph type="title"/>
+          </p:nvPr>
+        </p:nvSpPr>
+        <p:spPr>
+          <a:xfrm>
+            <a:off x="315595" y="127635"/>
+            <a:ext cx="10972800" cy="582295"/>
+          </a:xfrm>
+        </p:spPr>
+        <p:txBody>
+          <a:bodyPr/>
+          <a:lstStyle>
+            <a:lvl1pPr algn="l">
+              <a:defRPr sz="2800">
+                <a:latin typeface="微软雅黑" panose="020B0503020204020204" charset="-122"/>
+                <a:ea typeface="微软雅黑" panose="020B0503020204020204" charset="-122"/>
+              </a:defRPr>
+            </a:lvl1pPr>
+          </a:lstStyle>
+          <a:p>
+            <a:r>
+              <a:rPr lang="en-US" smtClean="0"/>
+              <a:t>Click to edit Master title style</a:t>
+            </a:r>
+            <a:endParaRPr lang="en-US"/>
+          </a:p>
+        </p:txBody>
+      </p:sp>
+      <p:sp>
+        <p:nvSpPr>
+          <p:cNvPr id="3" name="Content Placeholder 2"/>
+          <p:cNvSpPr>
+            <a:spLocks noGrp="1"/>
+          </p:cNvSpPr>
+          <p:nvPr>
+            <p:ph idx="1"/>
+          </p:nvPr>
+        </p:nvSpPr>
+        <p:spPr>
+          <a:xfrm>
+            <a:off x="353060" y="1009650"/>
+            <a:ext cx="10972800" cy="4525963"/>
+          </a:xfrm>
+        </p:spPr>
+        <p:txBody>
+          <a:bodyPr/>
+          <a:lstStyle>
+            <a:lvl1pPr>
+              <a:defRPr>
+                <a:latin typeface="微软雅黑" panose="020B0503020204020204" charset="-122"/>
+                <a:ea typeface="微软雅黑" panose="020B0503020204020204" charset="-122"/>
+              </a:defRPr>
+            </a:lvl1pPr>
+            <a:lvl2pPr>
+              <a:defRPr>
+                <a:latin typeface="微软雅黑" panose="020B0503020204020204" charset="-122"/>
+                <a:ea typeface="微软雅黑" panose="020B0503020204020204" charset="-122"/>
+              </a:defRPr>
+            </a:lvl2pPr>
+            <a:lvl3pPr>
+              <a:defRPr>
+                <a:latin typeface="微软雅黑" panose="020B0503020204020204" charset="-122"/>
+                <a:ea typeface="微软雅黑" panose="020B0503020204020204" charset="-122"/>
+              </a:defRPr>
+            </a:lvl3pPr>
+            <a:lvl4pPr>
+              <a:defRPr>
+                <a:latin typeface="微软雅黑" panose="020B0503020204020204" charset="-122"/>
+                <a:ea typeface="微软雅黑" panose="020B0503020204020204" charset="-122"/>
+              </a:defRPr>
+            </a:lvl4pPr>
+            <a:lvl5pPr>
+              <a:defRPr>
+                <a:latin typeface="微软雅黑" panose="020B0503020204020204" charset="-122"/>
+                <a:ea typeface="微软雅黑" panose="020B0503020204020204" charset="-122"/>
+              </a:defRPr>
+            </a:lvl5pPr>
+          </a:lstStyle>
+          <a:p>
+            <a:pPr lvl="0"/>
+            <a:r>
+              <a:rPr lang="en-US" smtClean="0"/>
+              <a:t>Click to edit Master text styles</a:t>
+            </a:r>
+            <a:endParaRPr lang="en-US" smtClean="0"/>
+          </a:p>
+          <a:p>
+            <a:pPr lvl="1"/>
+            <a:r>
+              <a:rPr lang="en-US" smtClean="0"/>
+              <a:t>Second level</a:t>
+            </a:r>
+            <a:endParaRPr lang="en-US" smtClean="0"/>
+          </a:p>
+          <a:p>
+            <a:pPr lvl="2"/>
+            <a:r>
+              <a:rPr lang="en-US" smtClean="0"/>
+              <a:t>Third level</a:t>
+            </a:r>
+            <a:endParaRPr lang="en-US" smtClean="0"/>
+          </a:p>
+          <a:p>
+            <a:pPr lvl="3"/>
+            <a:r>
+              <a:rPr lang="en-US" smtClean="0"/>
+              <a:t>Fourth level</a:t>
+            </a:r>
+            <a:endParaRPr lang="en-US" smtClean="0"/>
+          </a:p>
+          <a:p>
+            <a:pPr lvl="4"/>
+            <a:r>
+              <a:rPr lang="en-US" smtClean="0"/>
+              <a:t>Fifth level</a:t>
+            </a:r>
+            <a:endParaRPr lang="en-US"/>
+          </a:p>
+        </p:txBody>
+      </p:sp>
+      <p:sp>
+        <p:nvSpPr>
+          <p:cNvPr id="4" name="Date Placeholder 3"/>
+          <p:cNvSpPr>
+            <a:spLocks noGrp="1"/>
+          </p:cNvSpPr>
+          <p:nvPr>
+            <p:ph type="dt" sz="half" idx="10"/>
           </p:nvPr>
         </p:nvSpPr>
         <p:spPr/>
@@ -1024,22 +1518,21 @@
           <a:bodyPr/>
           <a:lstStyle/>
           <a:p>
-            <a:r>
-              <a:rPr lang="zh-CN" altLang="en-US"/>
-              <a:t>单击此处编辑母版标题样式</a:t>
-            </a:r>
-            <a:endParaRPr lang="zh-CN" altLang="en-US"/>
-          </a:p>
-        </p:txBody>
-      </p:sp>
-      <p:sp>
-        <p:nvSpPr>
-          <p:cNvPr id="3" name="内容占位符 2"/>
-          <p:cNvSpPr>
-            <a:spLocks noGrp="1"/>
-          </p:cNvSpPr>
-          <p:nvPr>
-            <p:ph idx="1" hasCustomPrompt="1"/>
+            <a:fld id="{5BCAD085-E8A6-8845-BD4E-CB4CCA059FC4}" type="datetimeFigureOut">
+              <a:rPr lang="en-US" smtClean="0"/>
+            </a:fld>
+            <a:endParaRPr lang="en-US"/>
+          </a:p>
+        </p:txBody>
+      </p:sp>
+      <p:sp>
+        <p:nvSpPr>
+          <p:cNvPr id="5" name="Footer Placeholder 4"/>
+          <p:cNvSpPr>
+            <a:spLocks noGrp="1"/>
+          </p:cNvSpPr>
+          <p:nvPr>
+            <p:ph type="ftr" sz="quarter" idx="11"/>
           </p:nvPr>
         </p:nvSpPr>
         <p:spPr/>
@@ -1047,55 +1540,18 @@
           <a:bodyPr/>
           <a:lstStyle/>
           <a:p>
-            <a:pPr lvl="0"/>
-            <a:r>
-              <a:rPr lang="zh-CN" altLang="en-US"/>
-              <a:t>编辑母版文本样式</a:t>
-            </a:r>
-            <a:endParaRPr lang="zh-CN" altLang="en-US"/>
-          </a:p>
-          <a:p>
-            <a:pPr lvl="1"/>
-            <a:r>
-              <a:rPr lang="zh-CN" altLang="en-US"/>
-              <a:t>第二级</a:t>
-            </a:r>
-            <a:endParaRPr lang="zh-CN" altLang="en-US"/>
-          </a:p>
-          <a:p>
-            <a:pPr lvl="2"/>
-            <a:r>
-              <a:rPr lang="zh-CN" altLang="en-US"/>
-              <a:t>第三级</a:t>
-            </a:r>
-            <a:endParaRPr lang="zh-CN" altLang="en-US"/>
-          </a:p>
-          <a:p>
-            <a:pPr lvl="3"/>
-            <a:r>
-              <a:rPr lang="zh-CN" altLang="en-US"/>
-              <a:t>第四级</a:t>
-            </a:r>
-            <a:endParaRPr lang="zh-CN" altLang="en-US"/>
-          </a:p>
-          <a:p>
-            <a:pPr lvl="4"/>
-            <a:r>
-              <a:rPr lang="zh-CN" altLang="en-US"/>
-              <a:t>第五级</a:t>
-            </a:r>
-            <a:endParaRPr lang="zh-CN" altLang="en-US"/>
-          </a:p>
-        </p:txBody>
-      </p:sp>
-      <p:sp>
-        <p:nvSpPr>
-          <p:cNvPr id="4" name="日期占位符 3"/>
-          <p:cNvSpPr>
-            <a:spLocks noGrp="1"/>
-          </p:cNvSpPr>
-          <p:nvPr>
-            <p:ph type="dt" sz="half" idx="10"/>
+            <a:endParaRPr lang="en-US"/>
+          </a:p>
+        </p:txBody>
+      </p:sp>
+      <p:sp>
+        <p:nvSpPr>
+          <p:cNvPr id="6" name="Slide Number Placeholder 5"/>
+          <p:cNvSpPr>
+            <a:spLocks noGrp="1"/>
+          </p:cNvSpPr>
+          <p:nvPr>
+            <p:ph type="sldNum" sz="quarter" idx="12"/>
           </p:nvPr>
         </p:nvSpPr>
         <p:spPr/>
@@ -1103,54 +1559,68 @@
           <a:bodyPr/>
           <a:lstStyle/>
           <a:p>
-            <a:fld id="{16E9A678-BBB1-4DAE-A4A8-85C4F1D11E10}" type="datetimeFigureOut">
-              <a:rPr lang="zh-CN" altLang="en-US" smtClean="0"/>
+            <a:fld id="{C1FF6DA9-008F-8B48-92A6-B652298478BF}" type="slidenum">
+              <a:rPr lang="en-US" smtClean="0"/>
             </a:fld>
-            <a:endParaRPr lang="zh-CN" altLang="en-US"/>
-          </a:p>
-        </p:txBody>
-      </p:sp>
-      <p:sp>
-        <p:nvSpPr>
-          <p:cNvPr id="5" name="页脚占位符 4"/>
-          <p:cNvSpPr>
-            <a:spLocks noGrp="1"/>
-          </p:cNvSpPr>
-          <p:nvPr>
-            <p:ph type="ftr" sz="quarter" idx="11"/>
-          </p:nvPr>
-        </p:nvSpPr>
-        <p:spPr/>
-        <p:txBody>
-          <a:bodyPr/>
-          <a:lstStyle/>
-          <a:p>
-            <a:endParaRPr lang="zh-CN" altLang="en-US"/>
-          </a:p>
-        </p:txBody>
-      </p:sp>
-      <p:sp>
-        <p:nvSpPr>
-          <p:cNvPr id="6" name="灯片编号占位符 5"/>
-          <p:cNvSpPr>
-            <a:spLocks noGrp="1"/>
-          </p:cNvSpPr>
-          <p:nvPr>
-            <p:ph type="sldNum" sz="quarter" idx="12"/>
-          </p:nvPr>
-        </p:nvSpPr>
-        <p:spPr/>
-        <p:txBody>
-          <a:bodyPr/>
-          <a:lstStyle/>
-          <a:p>
-            <a:fld id="{032B40A8-2161-43AC-A6D2-65EE23344C4A}" type="slidenum">
-              <a:rPr lang="zh-CN" altLang="en-US" smtClean="0"/>
-            </a:fld>
-            <a:endParaRPr lang="zh-CN" altLang="en-US"/>
-          </a:p>
-        </p:txBody>
-      </p:sp>
+            <a:endParaRPr lang="en-US"/>
+          </a:p>
+        </p:txBody>
+      </p:sp>
+      <p:cxnSp>
+        <p:nvCxnSpPr>
+          <p:cNvPr id="11" name="直接连接符 10"/>
+          <p:cNvCxnSpPr/>
+          <p:nvPr userDrawn="1"/>
+        </p:nvCxnSpPr>
+        <p:spPr>
+          <a:xfrm>
+            <a:off x="315310" y="744220"/>
+            <a:ext cx="11581465" cy="0"/>
+          </a:xfrm>
+          <a:prstGeom prst="line">
+            <a:avLst/>
+          </a:prstGeom>
+          <a:ln w="19050">
+            <a:solidFill>
+              <a:schemeClr val="bg1">
+                <a:lumMod val="85000"/>
+              </a:schemeClr>
+            </a:solidFill>
+            <a:prstDash val="solid"/>
+            <a:miter/>
+          </a:ln>
+        </p:spPr>
+      </p:cxnSp>
+      <p:pic>
+        <p:nvPicPr>
+          <p:cNvPr id="8" name="图片 7" descr="图片包含 游戏机, 画&#10;&#10;描述已自动生成"/>
+          <p:cNvPicPr>
+            <a:picLocks noChangeAspect="1"/>
+          </p:cNvPicPr>
+          <p:nvPr userDrawn="1"/>
+        </p:nvPicPr>
+        <p:blipFill>
+          <a:blip r:embed="rId2">
+            <a:extLst>
+              <a:ext uri="{28A0092B-C50C-407E-A947-70E740481C1C}">
+                <a14:useLocalDpi xmlns:a14="http://schemas.microsoft.com/office/drawing/2010/main" val="0"/>
+              </a:ext>
+            </a:extLst>
+          </a:blip>
+          <a:stretch>
+            <a:fillRect/>
+          </a:stretch>
+        </p:blipFill>
+        <p:spPr>
+          <a:xfrm>
+            <a:off x="10697210" y="127635"/>
+            <a:ext cx="1104265" cy="490220"/>
+          </a:xfrm>
+          <a:prstGeom prst="rect">
+            <a:avLst/>
+          </a:prstGeom>
+        </p:spPr>
+      </p:pic>
     </p:spTree>
   </p:cSld>
   <p:clrMapOvr>
@@ -1161,7 +1631,7 @@
 
 <file path=ppt/slideLayouts/slideLayout3.xml><?xml version="1.0" encoding="utf-8"?>
 <p:sldLayout xmlns:a="http://schemas.openxmlformats.org/drawingml/2006/main" xmlns:r="http://schemas.openxmlformats.org/officeDocument/2006/relationships" xmlns:p="http://schemas.openxmlformats.org/presentationml/2006/main" type="secHead" preserve="1">
-  <p:cSld name="节标题">
+  <p:cSld name="Section Header">
     <p:spTree>
       <p:nvGrpSpPr>
         <p:cNvPr id="1" name=""/>
@@ -1178,7 +1648,7 @@
       </p:grpSpPr>
       <p:sp>
         <p:nvSpPr>
-          <p:cNvPr id="2" name="标题 1"/>
+          <p:cNvPr id="2" name="Title 1"/>
           <p:cNvSpPr>
             <a:spLocks noGrp="1"/>
           </p:cNvSpPr>
@@ -1188,48 +1658,48 @@
         </p:nvSpPr>
         <p:spPr>
           <a:xfrm>
-            <a:off x="831850" y="1709738"/>
-            <a:ext cx="10515600" cy="2852737"/>
+            <a:off x="963084" y="4406900"/>
+            <a:ext cx="10363200" cy="1362075"/>
+          </a:xfrm>
+        </p:spPr>
+        <p:txBody>
+          <a:bodyPr anchor="t"/>
+          <a:lstStyle>
+            <a:lvl1pPr algn="l">
+              <a:defRPr sz="4000" b="1" cap="all"/>
+            </a:lvl1pPr>
+          </a:lstStyle>
+          <a:p>
+            <a:r>
+              <a:rPr lang="en-US" smtClean="0"/>
+              <a:t>Click to edit Master title style</a:t>
+            </a:r>
+            <a:endParaRPr lang="en-US"/>
+          </a:p>
+        </p:txBody>
+      </p:sp>
+      <p:sp>
+        <p:nvSpPr>
+          <p:cNvPr id="3" name="Text Placeholder 2"/>
+          <p:cNvSpPr>
+            <a:spLocks noGrp="1"/>
+          </p:cNvSpPr>
+          <p:nvPr>
+            <p:ph type="body" idx="1"/>
+          </p:nvPr>
+        </p:nvSpPr>
+        <p:spPr>
+          <a:xfrm>
+            <a:off x="963084" y="2906713"/>
+            <a:ext cx="10363200" cy="1500187"/>
           </a:xfrm>
         </p:spPr>
         <p:txBody>
           <a:bodyPr anchor="b"/>
           <a:lstStyle>
-            <a:lvl1pPr>
-              <a:defRPr sz="6000"/>
-            </a:lvl1pPr>
-          </a:lstStyle>
-          <a:p>
-            <a:r>
-              <a:rPr lang="zh-CN" altLang="en-US"/>
-              <a:t>单击此处编辑母版标题样式</a:t>
-            </a:r>
-            <a:endParaRPr lang="zh-CN" altLang="en-US"/>
-          </a:p>
-        </p:txBody>
-      </p:sp>
-      <p:sp>
-        <p:nvSpPr>
-          <p:cNvPr id="3" name="文本占位符 2"/>
-          <p:cNvSpPr>
-            <a:spLocks noGrp="1"/>
-          </p:cNvSpPr>
-          <p:nvPr>
-            <p:ph type="body" idx="1" hasCustomPrompt="1"/>
-          </p:nvPr>
-        </p:nvSpPr>
-        <p:spPr>
-          <a:xfrm>
-            <a:off x="831850" y="4589463"/>
-            <a:ext cx="10515600" cy="1500187"/>
-          </a:xfrm>
-        </p:spPr>
-        <p:txBody>
-          <a:bodyPr/>
-          <a:lstStyle>
             <a:lvl1pPr marL="0" indent="0">
               <a:buNone/>
-              <a:defRPr sz="2400">
+              <a:defRPr sz="2000">
                 <a:solidFill>
                   <a:schemeClr val="tx1">
                     <a:tint val="75000"/>
@@ -1239,7 +1709,7 @@
             </a:lvl1pPr>
             <a:lvl2pPr marL="457200" indent="0">
               <a:buNone/>
-              <a:defRPr sz="2000">
+              <a:defRPr sz="1800">
                 <a:solidFill>
                   <a:schemeClr val="tx1">
                     <a:tint val="75000"/>
@@ -1249,7 +1719,7 @@
             </a:lvl2pPr>
             <a:lvl3pPr marL="914400" indent="0">
               <a:buNone/>
-              <a:defRPr sz="1800">
+              <a:defRPr sz="1600">
                 <a:solidFill>
                   <a:schemeClr val="tx1">
                     <a:tint val="75000"/>
@@ -1259,7 +1729,7 @@
             </a:lvl3pPr>
             <a:lvl4pPr marL="1371600" indent="0">
               <a:buNone/>
-              <a:defRPr sz="1600">
+              <a:defRPr sz="1400">
                 <a:solidFill>
                   <a:schemeClr val="tx1">
                     <a:tint val="75000"/>
@@ -1269,7 +1739,7 @@
             </a:lvl4pPr>
             <a:lvl5pPr marL="1828800" indent="0">
               <a:buNone/>
-              <a:defRPr sz="1600">
+              <a:defRPr sz="1400">
                 <a:solidFill>
                   <a:schemeClr val="tx1">
                     <a:tint val="75000"/>
@@ -1279,7 +1749,7 @@
             </a:lvl5pPr>
             <a:lvl6pPr marL="2286000" indent="0">
               <a:buNone/>
-              <a:defRPr sz="1600">
+              <a:defRPr sz="1400">
                 <a:solidFill>
                   <a:schemeClr val="tx1">
                     <a:tint val="75000"/>
@@ -1289,7 +1759,7 @@
             </a:lvl6pPr>
             <a:lvl7pPr marL="2743200" indent="0">
               <a:buNone/>
-              <a:defRPr sz="1600">
+              <a:defRPr sz="1400">
                 <a:solidFill>
                   <a:schemeClr val="tx1">
                     <a:tint val="75000"/>
@@ -1299,7 +1769,7 @@
             </a:lvl7pPr>
             <a:lvl8pPr marL="3200400" indent="0">
               <a:buNone/>
-              <a:defRPr sz="1600">
+              <a:defRPr sz="1400">
                 <a:solidFill>
                   <a:schemeClr val="tx1">
                     <a:tint val="75000"/>
@@ -1309,7 +1779,7 @@
             </a:lvl8pPr>
             <a:lvl9pPr marL="3657600" indent="0">
               <a:buNone/>
-              <a:defRPr sz="1600">
+              <a:defRPr sz="1400">
                 <a:solidFill>
                   <a:schemeClr val="tx1">
                     <a:tint val="75000"/>
@@ -1321,16 +1791,16 @@
           <a:p>
             <a:pPr lvl="0"/>
             <a:r>
-              <a:rPr lang="zh-CN" altLang="en-US"/>
-              <a:t>编辑母版文本样式</a:t>
-            </a:r>
-            <a:endParaRPr lang="zh-CN" altLang="en-US"/>
-          </a:p>
-        </p:txBody>
-      </p:sp>
-      <p:sp>
-        <p:nvSpPr>
-          <p:cNvPr id="4" name="日期占位符 3"/>
+              <a:rPr lang="en-US" smtClean="0"/>
+              <a:t>Click to edit Master text styles</a:t>
+            </a:r>
+            <a:endParaRPr lang="en-US" smtClean="0"/>
+          </a:p>
+        </p:txBody>
+      </p:sp>
+      <p:sp>
+        <p:nvSpPr>
+          <p:cNvPr id="4" name="Date Placeholder 3"/>
           <p:cNvSpPr>
             <a:spLocks noGrp="1"/>
           </p:cNvSpPr>
@@ -1343,16 +1813,16 @@
           <a:bodyPr/>
           <a:lstStyle/>
           <a:p>
-            <a:fld id="{16E9A678-BBB1-4DAE-A4A8-85C4F1D11E10}" type="datetimeFigureOut">
-              <a:rPr lang="zh-CN" altLang="en-US" smtClean="0"/>
+            <a:fld id="{5BCAD085-E8A6-8845-BD4E-CB4CCA059FC4}" type="datetimeFigureOut">
+              <a:rPr lang="en-US" smtClean="0"/>
             </a:fld>
-            <a:endParaRPr lang="zh-CN" altLang="en-US"/>
-          </a:p>
-        </p:txBody>
-      </p:sp>
-      <p:sp>
-        <p:nvSpPr>
-          <p:cNvPr id="5" name="页脚占位符 4"/>
+            <a:endParaRPr lang="en-US"/>
+          </a:p>
+        </p:txBody>
+      </p:sp>
+      <p:sp>
+        <p:nvSpPr>
+          <p:cNvPr id="5" name="Footer Placeholder 4"/>
           <p:cNvSpPr>
             <a:spLocks noGrp="1"/>
           </p:cNvSpPr>
@@ -1365,13 +1835,13 @@
           <a:bodyPr/>
           <a:lstStyle/>
           <a:p>
-            <a:endParaRPr lang="zh-CN" altLang="en-US"/>
-          </a:p>
-        </p:txBody>
-      </p:sp>
-      <p:sp>
-        <p:nvSpPr>
-          <p:cNvPr id="6" name="灯片编号占位符 5"/>
+            <a:endParaRPr lang="en-US"/>
+          </a:p>
+        </p:txBody>
+      </p:sp>
+      <p:sp>
+        <p:nvSpPr>
+          <p:cNvPr id="6" name="Slide Number Placeholder 5"/>
           <p:cNvSpPr>
             <a:spLocks noGrp="1"/>
           </p:cNvSpPr>
@@ -1384,13 +1854,68 @@
           <a:bodyPr/>
           <a:lstStyle/>
           <a:p>
-            <a:fld id="{032B40A8-2161-43AC-A6D2-65EE23344C4A}" type="slidenum">
-              <a:rPr lang="zh-CN" altLang="en-US" smtClean="0"/>
+            <a:fld id="{C1FF6DA9-008F-8B48-92A6-B652298478BF}" type="slidenum">
+              <a:rPr lang="en-US" smtClean="0"/>
             </a:fld>
-            <a:endParaRPr lang="zh-CN" altLang="en-US"/>
-          </a:p>
-        </p:txBody>
-      </p:sp>
+            <a:endParaRPr lang="en-US"/>
+          </a:p>
+        </p:txBody>
+      </p:sp>
+      <p:cxnSp>
+        <p:nvCxnSpPr>
+          <p:cNvPr id="11" name="直接连接符 10"/>
+          <p:cNvCxnSpPr/>
+          <p:nvPr userDrawn="1"/>
+        </p:nvCxnSpPr>
+        <p:spPr>
+          <a:xfrm>
+            <a:off x="315310" y="744220"/>
+            <a:ext cx="11581465" cy="0"/>
+          </a:xfrm>
+          <a:prstGeom prst="line">
+            <a:avLst/>
+          </a:prstGeom>
+          <a:ln w="19050">
+            <a:solidFill>
+              <a:schemeClr val="bg1">
+                <a:lumMod val="85000"/>
+              </a:schemeClr>
+            </a:solidFill>
+            <a:prstDash val="solid"/>
+            <a:miter/>
+          </a:ln>
+        </p:spPr>
+      </p:cxnSp>
+      <p:pic>
+        <p:nvPicPr>
+          <p:cNvPr id="8" name="图片 7" descr="图片包含 游戏机, 画&#10;&#10;描述已自动生成"/>
+          <p:cNvPicPr>
+            <a:picLocks noChangeAspect="1"/>
+          </p:cNvPicPr>
+          <p:nvPr userDrawn="1"/>
+        </p:nvPicPr>
+        <p:blipFill>
+          <a:blip r:embed="rId2">
+            <a:extLst>
+              <a:ext uri="{28A0092B-C50C-407E-A947-70E740481C1C}">
+                <a14:useLocalDpi xmlns:a14="http://schemas.microsoft.com/office/drawing/2010/main" val="0"/>
+              </a:ext>
+            </a:extLst>
+          </a:blip>
+          <a:stretch>
+            <a:fillRect/>
+          </a:stretch>
+        </p:blipFill>
+        <p:spPr>
+          <a:xfrm>
+            <a:off x="10697210" y="127635"/>
+            <a:ext cx="1104265" cy="490220"/>
+          </a:xfrm>
+          <a:prstGeom prst="rect">
+            <a:avLst/>
+          </a:prstGeom>
+        </p:spPr>
+      </p:pic>
     </p:spTree>
   </p:cSld>
   <p:clrMapOvr>
@@ -1401,7 +1926,7 @@
 
 <file path=ppt/slideLayouts/slideLayout4.xml><?xml version="1.0" encoding="utf-8"?>
 <p:sldLayout xmlns:a="http://schemas.openxmlformats.org/drawingml/2006/main" xmlns:r="http://schemas.openxmlformats.org/officeDocument/2006/relationships" xmlns:p="http://schemas.openxmlformats.org/presentationml/2006/main" type="twoObj" preserve="1">
-  <p:cSld name="两栏内容">
+  <p:cSld name="Two Content">
     <p:spTree>
       <p:nvGrpSpPr>
         <p:cNvPr id="1" name=""/>
@@ -1418,12 +1943,222 @@
       </p:grpSpPr>
       <p:sp>
         <p:nvSpPr>
-          <p:cNvPr id="2" name="标题 1"/>
+          <p:cNvPr id="2" name="Title 1"/>
           <p:cNvSpPr>
             <a:spLocks noGrp="1"/>
           </p:cNvSpPr>
           <p:nvPr>
             <p:ph type="title"/>
+          </p:nvPr>
+        </p:nvSpPr>
+        <p:spPr>
+          <a:xfrm>
+            <a:off x="315595" y="130810"/>
+            <a:ext cx="8639810" cy="613410"/>
+          </a:xfrm>
+        </p:spPr>
+        <p:txBody>
+          <a:bodyPr/>
+          <a:lstStyle>
+            <a:lvl1pPr algn="l">
+              <a:defRPr sz="2800"/>
+            </a:lvl1pPr>
+          </a:lstStyle>
+          <a:p>
+            <a:r>
+              <a:rPr lang="en-US" smtClean="0"/>
+              <a:t>Click to edit Master title style</a:t>
+            </a:r>
+            <a:endParaRPr lang="en-US"/>
+          </a:p>
+        </p:txBody>
+      </p:sp>
+      <p:sp>
+        <p:nvSpPr>
+          <p:cNvPr id="3" name="Content Placeholder 2"/>
+          <p:cNvSpPr>
+            <a:spLocks noGrp="1"/>
+          </p:cNvSpPr>
+          <p:nvPr>
+            <p:ph sz="half" idx="1"/>
+          </p:nvPr>
+        </p:nvSpPr>
+        <p:spPr>
+          <a:xfrm>
+            <a:off x="609600" y="1600200"/>
+            <a:ext cx="5384800" cy="4525963"/>
+          </a:xfrm>
+        </p:spPr>
+        <p:txBody>
+          <a:bodyPr/>
+          <a:lstStyle>
+            <a:lvl1pPr>
+              <a:defRPr sz="2800"/>
+            </a:lvl1pPr>
+            <a:lvl2pPr>
+              <a:defRPr sz="2400"/>
+            </a:lvl2pPr>
+            <a:lvl3pPr>
+              <a:defRPr sz="2000"/>
+            </a:lvl3pPr>
+            <a:lvl4pPr>
+              <a:defRPr sz="1800"/>
+            </a:lvl4pPr>
+            <a:lvl5pPr>
+              <a:defRPr sz="1800"/>
+            </a:lvl5pPr>
+            <a:lvl6pPr>
+              <a:defRPr sz="1800"/>
+            </a:lvl6pPr>
+            <a:lvl7pPr>
+              <a:defRPr sz="1800"/>
+            </a:lvl7pPr>
+            <a:lvl8pPr>
+              <a:defRPr sz="1800"/>
+            </a:lvl8pPr>
+            <a:lvl9pPr>
+              <a:defRPr sz="1800"/>
+            </a:lvl9pPr>
+          </a:lstStyle>
+          <a:p>
+            <a:pPr lvl="0"/>
+            <a:r>
+              <a:rPr lang="en-US" smtClean="0"/>
+              <a:t>Click to edit Master text styles</a:t>
+            </a:r>
+            <a:endParaRPr lang="en-US" smtClean="0"/>
+          </a:p>
+          <a:p>
+            <a:pPr lvl="1"/>
+            <a:r>
+              <a:rPr lang="en-US" smtClean="0"/>
+              <a:t>Second level</a:t>
+            </a:r>
+            <a:endParaRPr lang="en-US" smtClean="0"/>
+          </a:p>
+          <a:p>
+            <a:pPr lvl="2"/>
+            <a:r>
+              <a:rPr lang="en-US" smtClean="0"/>
+              <a:t>Third level</a:t>
+            </a:r>
+            <a:endParaRPr lang="en-US" smtClean="0"/>
+          </a:p>
+          <a:p>
+            <a:pPr lvl="3"/>
+            <a:r>
+              <a:rPr lang="en-US" smtClean="0"/>
+              <a:t>Fourth level</a:t>
+            </a:r>
+            <a:endParaRPr lang="en-US" smtClean="0"/>
+          </a:p>
+          <a:p>
+            <a:pPr lvl="4"/>
+            <a:r>
+              <a:rPr lang="en-US" smtClean="0"/>
+              <a:t>Fifth level</a:t>
+            </a:r>
+            <a:endParaRPr lang="en-US"/>
+          </a:p>
+        </p:txBody>
+      </p:sp>
+      <p:sp>
+        <p:nvSpPr>
+          <p:cNvPr id="4" name="Content Placeholder 3"/>
+          <p:cNvSpPr>
+            <a:spLocks noGrp="1"/>
+          </p:cNvSpPr>
+          <p:nvPr>
+            <p:ph sz="half" idx="2"/>
+          </p:nvPr>
+        </p:nvSpPr>
+        <p:spPr>
+          <a:xfrm>
+            <a:off x="6197600" y="1600200"/>
+            <a:ext cx="5384800" cy="4525963"/>
+          </a:xfrm>
+        </p:spPr>
+        <p:txBody>
+          <a:bodyPr/>
+          <a:lstStyle>
+            <a:lvl1pPr>
+              <a:defRPr sz="2800"/>
+            </a:lvl1pPr>
+            <a:lvl2pPr>
+              <a:defRPr sz="2400"/>
+            </a:lvl2pPr>
+            <a:lvl3pPr>
+              <a:defRPr sz="2000"/>
+            </a:lvl3pPr>
+            <a:lvl4pPr>
+              <a:defRPr sz="1800"/>
+            </a:lvl4pPr>
+            <a:lvl5pPr>
+              <a:defRPr sz="1800"/>
+            </a:lvl5pPr>
+            <a:lvl6pPr>
+              <a:defRPr sz="1800"/>
+            </a:lvl6pPr>
+            <a:lvl7pPr>
+              <a:defRPr sz="1800"/>
+            </a:lvl7pPr>
+            <a:lvl8pPr>
+              <a:defRPr sz="1800"/>
+            </a:lvl8pPr>
+            <a:lvl9pPr>
+              <a:defRPr sz="1800"/>
+            </a:lvl9pPr>
+          </a:lstStyle>
+          <a:p>
+            <a:pPr lvl="0"/>
+            <a:r>
+              <a:rPr lang="en-US" smtClean="0"/>
+              <a:t>Click to edit Master text styles</a:t>
+            </a:r>
+            <a:endParaRPr lang="en-US" smtClean="0"/>
+          </a:p>
+          <a:p>
+            <a:pPr lvl="1"/>
+            <a:r>
+              <a:rPr lang="en-US" smtClean="0"/>
+              <a:t>Second level</a:t>
+            </a:r>
+            <a:endParaRPr lang="en-US" smtClean="0"/>
+          </a:p>
+          <a:p>
+            <a:pPr lvl="2"/>
+            <a:r>
+              <a:rPr lang="en-US" smtClean="0"/>
+              <a:t>Third level</a:t>
+            </a:r>
+            <a:endParaRPr lang="en-US" smtClean="0"/>
+          </a:p>
+          <a:p>
+            <a:pPr lvl="3"/>
+            <a:r>
+              <a:rPr lang="en-US" smtClean="0"/>
+              <a:t>Fourth level</a:t>
+            </a:r>
+            <a:endParaRPr lang="en-US" smtClean="0"/>
+          </a:p>
+          <a:p>
+            <a:pPr lvl="4"/>
+            <a:r>
+              <a:rPr lang="en-US" smtClean="0"/>
+              <a:t>Fifth level</a:t>
+            </a:r>
+            <a:endParaRPr lang="en-US"/>
+          </a:p>
+        </p:txBody>
+      </p:sp>
+      <p:sp>
+        <p:nvSpPr>
+          <p:cNvPr id="5" name="Date Placeholder 4"/>
+          <p:cNvSpPr>
+            <a:spLocks noGrp="1"/>
+          </p:cNvSpPr>
+          <p:nvPr>
+            <p:ph type="dt" sz="half" idx="10"/>
           </p:nvPr>
         </p:nvSpPr>
         <p:spPr/>
@@ -1431,199 +2166,109 @@
           <a:bodyPr/>
           <a:lstStyle/>
           <a:p>
-            <a:r>
-              <a:rPr lang="zh-CN" altLang="en-US"/>
-              <a:t>单击此处编辑母版标题样式</a:t>
-            </a:r>
-            <a:endParaRPr lang="zh-CN" altLang="en-US"/>
-          </a:p>
-        </p:txBody>
-      </p:sp>
-      <p:sp>
-        <p:nvSpPr>
-          <p:cNvPr id="3" name="内容占位符 2"/>
-          <p:cNvSpPr>
-            <a:spLocks noGrp="1"/>
-          </p:cNvSpPr>
-          <p:nvPr>
-            <p:ph sz="half" idx="1" hasCustomPrompt="1"/>
-          </p:nvPr>
-        </p:nvSpPr>
-        <p:spPr>
-          <a:xfrm>
-            <a:off x="838200" y="1825625"/>
-            <a:ext cx="5181600" cy="4351338"/>
-          </a:xfrm>
-        </p:spPr>
+            <a:fld id="{5BCAD085-E8A6-8845-BD4E-CB4CCA059FC4}" type="datetimeFigureOut">
+              <a:rPr lang="en-US" smtClean="0"/>
+            </a:fld>
+            <a:endParaRPr lang="en-US"/>
+          </a:p>
+        </p:txBody>
+      </p:sp>
+      <p:sp>
+        <p:nvSpPr>
+          <p:cNvPr id="6" name="Footer Placeholder 5"/>
+          <p:cNvSpPr>
+            <a:spLocks noGrp="1"/>
+          </p:cNvSpPr>
+          <p:nvPr>
+            <p:ph type="ftr" sz="quarter" idx="11"/>
+          </p:nvPr>
+        </p:nvSpPr>
+        <p:spPr/>
         <p:txBody>
           <a:bodyPr/>
           <a:lstStyle/>
           <a:p>
-            <a:pPr lvl="0"/>
-            <a:r>
-              <a:rPr lang="zh-CN" altLang="en-US"/>
-              <a:t>编辑母版文本样式</a:t>
-            </a:r>
-            <a:endParaRPr lang="zh-CN" altLang="en-US"/>
-          </a:p>
-          <a:p>
-            <a:pPr lvl="1"/>
-            <a:r>
-              <a:rPr lang="zh-CN" altLang="en-US"/>
-              <a:t>第二级</a:t>
-            </a:r>
-            <a:endParaRPr lang="zh-CN" altLang="en-US"/>
-          </a:p>
-          <a:p>
-            <a:pPr lvl="2"/>
-            <a:r>
-              <a:rPr lang="zh-CN" altLang="en-US"/>
-              <a:t>第三级</a:t>
-            </a:r>
-            <a:endParaRPr lang="zh-CN" altLang="en-US"/>
-          </a:p>
-          <a:p>
-            <a:pPr lvl="3"/>
-            <a:r>
-              <a:rPr lang="zh-CN" altLang="en-US"/>
-              <a:t>第四级</a:t>
-            </a:r>
-            <a:endParaRPr lang="zh-CN" altLang="en-US"/>
-          </a:p>
-          <a:p>
-            <a:pPr lvl="4"/>
-            <a:r>
-              <a:rPr lang="zh-CN" altLang="en-US"/>
-              <a:t>第五级</a:t>
-            </a:r>
-            <a:endParaRPr lang="zh-CN" altLang="en-US"/>
-          </a:p>
-        </p:txBody>
-      </p:sp>
-      <p:sp>
-        <p:nvSpPr>
-          <p:cNvPr id="4" name="内容占位符 3"/>
-          <p:cNvSpPr>
-            <a:spLocks noGrp="1"/>
-          </p:cNvSpPr>
-          <p:nvPr>
-            <p:ph sz="half" idx="2" hasCustomPrompt="1"/>
-          </p:nvPr>
-        </p:nvSpPr>
-        <p:spPr>
-          <a:xfrm>
-            <a:off x="6172200" y="1825625"/>
-            <a:ext cx="5181600" cy="4351338"/>
-          </a:xfrm>
-        </p:spPr>
+            <a:endParaRPr lang="en-US"/>
+          </a:p>
+        </p:txBody>
+      </p:sp>
+      <p:sp>
+        <p:nvSpPr>
+          <p:cNvPr id="7" name="Slide Number Placeholder 6"/>
+          <p:cNvSpPr>
+            <a:spLocks noGrp="1"/>
+          </p:cNvSpPr>
+          <p:nvPr>
+            <p:ph type="sldNum" sz="quarter" idx="12"/>
+          </p:nvPr>
+        </p:nvSpPr>
+        <p:spPr/>
         <p:txBody>
           <a:bodyPr/>
           <a:lstStyle/>
           <a:p>
-            <a:pPr lvl="0"/>
-            <a:r>
-              <a:rPr lang="zh-CN" altLang="en-US"/>
-              <a:t>编辑母版文本样式</a:t>
-            </a:r>
-            <a:endParaRPr lang="zh-CN" altLang="en-US"/>
-          </a:p>
-          <a:p>
-            <a:pPr lvl="1"/>
-            <a:r>
-              <a:rPr lang="zh-CN" altLang="en-US"/>
-              <a:t>第二级</a:t>
-            </a:r>
-            <a:endParaRPr lang="zh-CN" altLang="en-US"/>
-          </a:p>
-          <a:p>
-            <a:pPr lvl="2"/>
-            <a:r>
-              <a:rPr lang="zh-CN" altLang="en-US"/>
-              <a:t>第三级</a:t>
-            </a:r>
-            <a:endParaRPr lang="zh-CN" altLang="en-US"/>
-          </a:p>
-          <a:p>
-            <a:pPr lvl="3"/>
-            <a:r>
-              <a:rPr lang="zh-CN" altLang="en-US"/>
-              <a:t>第四级</a:t>
-            </a:r>
-            <a:endParaRPr lang="zh-CN" altLang="en-US"/>
-          </a:p>
-          <a:p>
-            <a:pPr lvl="4"/>
-            <a:r>
-              <a:rPr lang="zh-CN" altLang="en-US"/>
-              <a:t>第五级</a:t>
-            </a:r>
-            <a:endParaRPr lang="zh-CN" altLang="en-US"/>
-          </a:p>
-        </p:txBody>
-      </p:sp>
-      <p:sp>
-        <p:nvSpPr>
-          <p:cNvPr id="5" name="日期占位符 4"/>
-          <p:cNvSpPr>
-            <a:spLocks noGrp="1"/>
-          </p:cNvSpPr>
-          <p:nvPr>
-            <p:ph type="dt" sz="half" idx="10"/>
-          </p:nvPr>
-        </p:nvSpPr>
-        <p:spPr/>
-        <p:txBody>
-          <a:bodyPr/>
-          <a:lstStyle/>
-          <a:p>
-            <a:fld id="{16E9A678-BBB1-4DAE-A4A8-85C4F1D11E10}" type="datetimeFigureOut">
-              <a:rPr lang="zh-CN" altLang="en-US" smtClean="0"/>
+            <a:fld id="{C1FF6DA9-008F-8B48-92A6-B652298478BF}" type="slidenum">
+              <a:rPr lang="en-US" smtClean="0"/>
             </a:fld>
-            <a:endParaRPr lang="zh-CN" altLang="en-US"/>
-          </a:p>
-        </p:txBody>
-      </p:sp>
-      <p:sp>
-        <p:nvSpPr>
-          <p:cNvPr id="6" name="页脚占位符 5"/>
-          <p:cNvSpPr>
-            <a:spLocks noGrp="1"/>
-          </p:cNvSpPr>
-          <p:nvPr>
-            <p:ph type="ftr" sz="quarter" idx="11"/>
-          </p:nvPr>
-        </p:nvSpPr>
-        <p:spPr/>
-        <p:txBody>
-          <a:bodyPr/>
-          <a:lstStyle/>
-          <a:p>
-            <a:endParaRPr lang="zh-CN" altLang="en-US"/>
-          </a:p>
-        </p:txBody>
-      </p:sp>
-      <p:sp>
-        <p:nvSpPr>
-          <p:cNvPr id="7" name="灯片编号占位符 6"/>
-          <p:cNvSpPr>
-            <a:spLocks noGrp="1"/>
-          </p:cNvSpPr>
-          <p:nvPr>
-            <p:ph type="sldNum" sz="quarter" idx="12"/>
-          </p:nvPr>
-        </p:nvSpPr>
-        <p:spPr/>
-        <p:txBody>
-          <a:bodyPr/>
-          <a:lstStyle/>
-          <a:p>
-            <a:fld id="{032B40A8-2161-43AC-A6D2-65EE23344C4A}" type="slidenum">
-              <a:rPr lang="zh-CN" altLang="en-US" smtClean="0"/>
-            </a:fld>
-            <a:endParaRPr lang="zh-CN" altLang="en-US"/>
-          </a:p>
-        </p:txBody>
-      </p:sp>
+            <a:endParaRPr lang="en-US"/>
+          </a:p>
+        </p:txBody>
+      </p:sp>
+      <p:cxnSp>
+        <p:nvCxnSpPr>
+          <p:cNvPr id="11" name="直接连接符 10"/>
+          <p:cNvCxnSpPr/>
+          <p:nvPr userDrawn="1"/>
+        </p:nvCxnSpPr>
+        <p:spPr>
+          <a:xfrm>
+            <a:off x="315310" y="744220"/>
+            <a:ext cx="11581465" cy="0"/>
+          </a:xfrm>
+          <a:prstGeom prst="line">
+            <a:avLst/>
+          </a:prstGeom>
+          <a:ln w="19050">
+            <a:solidFill>
+              <a:schemeClr val="bg1">
+                <a:lumMod val="85000"/>
+              </a:schemeClr>
+            </a:solidFill>
+            <a:prstDash val="solid"/>
+            <a:miter/>
+          </a:ln>
+        </p:spPr>
+      </p:cxnSp>
+      <p:pic>
+        <p:nvPicPr>
+          <p:cNvPr id="8" name="图片 7" descr="图片包含 游戏机, 画&#10;&#10;描述已自动生成"/>
+          <p:cNvPicPr>
+            <a:picLocks noChangeAspect="1"/>
+          </p:cNvPicPr>
+          <p:nvPr userDrawn="1"/>
+        </p:nvPicPr>
+        <p:blipFill>
+          <a:blip r:embed="rId2">
+            <a:extLst>
+              <a:ext uri="{28A0092B-C50C-407E-A947-70E740481C1C}">
+                <a14:useLocalDpi xmlns:a14="http://schemas.microsoft.com/office/drawing/2010/main" val="0"/>
+              </a:ext>
+            </a:extLst>
+          </a:blip>
+          <a:stretch>
+            <a:fillRect/>
+          </a:stretch>
+        </p:blipFill>
+        <p:spPr>
+          <a:xfrm>
+            <a:off x="10697210" y="127635"/>
+            <a:ext cx="1104265" cy="490220"/>
+          </a:xfrm>
+          <a:prstGeom prst="rect">
+            <a:avLst/>
+          </a:prstGeom>
+        </p:spPr>
+      </p:pic>
     </p:spTree>
   </p:cSld>
   <p:clrMapOvr>
@@ -1634,7 +2279,7 @@
 
 <file path=ppt/slideLayouts/slideLayout5.xml><?xml version="1.0" encoding="utf-8"?>
 <p:sldLayout xmlns:a="http://schemas.openxmlformats.org/drawingml/2006/main" xmlns:r="http://schemas.openxmlformats.org/officeDocument/2006/relationships" xmlns:p="http://schemas.openxmlformats.org/presentationml/2006/main" type="twoTxTwoObj" preserve="1">
-  <p:cSld name="比较">
+  <p:cSld name="Comparison">
     <p:spTree>
       <p:nvGrpSpPr>
         <p:cNvPr id="1" name=""/>
@@ -1651,7 +2296,7 @@
       </p:grpSpPr>
       <p:sp>
         <p:nvSpPr>
-          <p:cNvPr id="2" name="标题 1"/>
+          <p:cNvPr id="2" name="Title 1"/>
           <p:cNvSpPr>
             <a:spLocks noGrp="1"/>
           </p:cNvSpPr>
@@ -1661,36 +2306,40 @@
         </p:nvSpPr>
         <p:spPr>
           <a:xfrm>
-            <a:off x="839788" y="365125"/>
-            <a:ext cx="10515600" cy="1325563"/>
+            <a:off x="315595" y="130810"/>
+            <a:ext cx="10972800" cy="613410"/>
           </a:xfrm>
         </p:spPr>
         <p:txBody>
           <a:bodyPr/>
-          <a:lstStyle/>
-          <a:p>
-            <a:r>
-              <a:rPr lang="zh-CN" altLang="en-US"/>
-              <a:t>单击此处编辑母版标题样式</a:t>
-            </a:r>
-            <a:endParaRPr lang="zh-CN" altLang="en-US"/>
-          </a:p>
-        </p:txBody>
-      </p:sp>
-      <p:sp>
-        <p:nvSpPr>
-          <p:cNvPr id="3" name="文本占位符 2"/>
-          <p:cNvSpPr>
-            <a:spLocks noGrp="1"/>
-          </p:cNvSpPr>
-          <p:nvPr>
-            <p:ph type="body" idx="1" hasCustomPrompt="1"/>
-          </p:nvPr>
-        </p:nvSpPr>
-        <p:spPr>
-          <a:xfrm>
-            <a:off x="839788" y="1681163"/>
-            <a:ext cx="5157787" cy="823912"/>
+          <a:lstStyle>
+            <a:lvl1pPr algn="l">
+              <a:defRPr sz="2800"/>
+            </a:lvl1pPr>
+          </a:lstStyle>
+          <a:p>
+            <a:r>
+              <a:rPr lang="en-US" smtClean="0"/>
+              <a:t>Click to edit Master title style</a:t>
+            </a:r>
+            <a:endParaRPr lang="en-US"/>
+          </a:p>
+        </p:txBody>
+      </p:sp>
+      <p:sp>
+        <p:nvSpPr>
+          <p:cNvPr id="3" name="Text Placeholder 2"/>
+          <p:cNvSpPr>
+            <a:spLocks noGrp="1"/>
+          </p:cNvSpPr>
+          <p:nvPr>
+            <p:ph type="body" idx="1"/>
+          </p:nvPr>
+        </p:nvSpPr>
+        <p:spPr>
+          <a:xfrm>
+            <a:off x="609600" y="1535113"/>
+            <a:ext cx="5386917" cy="639762"/>
           </a:xfrm>
         </p:spPr>
         <p:txBody>
@@ -1736,88 +2385,116 @@
           <a:p>
             <a:pPr lvl="0"/>
             <a:r>
-              <a:rPr lang="zh-CN" altLang="en-US"/>
-              <a:t>编辑母版文本样式</a:t>
-            </a:r>
-            <a:endParaRPr lang="zh-CN" altLang="en-US"/>
-          </a:p>
-        </p:txBody>
-      </p:sp>
-      <p:sp>
-        <p:nvSpPr>
-          <p:cNvPr id="4" name="内容占位符 3"/>
-          <p:cNvSpPr>
-            <a:spLocks noGrp="1"/>
-          </p:cNvSpPr>
-          <p:nvPr>
-            <p:ph sz="half" idx="2" hasCustomPrompt="1"/>
-          </p:nvPr>
-        </p:nvSpPr>
-        <p:spPr>
-          <a:xfrm>
-            <a:off x="839788" y="2505075"/>
-            <a:ext cx="5157787" cy="3684588"/>
+              <a:rPr lang="en-US" smtClean="0"/>
+              <a:t>Click to edit Master text styles</a:t>
+            </a:r>
+            <a:endParaRPr lang="en-US" smtClean="0"/>
+          </a:p>
+        </p:txBody>
+      </p:sp>
+      <p:sp>
+        <p:nvSpPr>
+          <p:cNvPr id="4" name="Content Placeholder 3"/>
+          <p:cNvSpPr>
+            <a:spLocks noGrp="1"/>
+          </p:cNvSpPr>
+          <p:nvPr>
+            <p:ph sz="half" idx="2"/>
+          </p:nvPr>
+        </p:nvSpPr>
+        <p:spPr>
+          <a:xfrm>
+            <a:off x="609600" y="2174875"/>
+            <a:ext cx="5386917" cy="3951288"/>
           </a:xfrm>
         </p:spPr>
         <p:txBody>
           <a:bodyPr/>
-          <a:lstStyle/>
+          <a:lstStyle>
+            <a:lvl1pPr>
+              <a:defRPr sz="2400"/>
+            </a:lvl1pPr>
+            <a:lvl2pPr>
+              <a:defRPr sz="2000"/>
+            </a:lvl2pPr>
+            <a:lvl3pPr>
+              <a:defRPr sz="1800"/>
+            </a:lvl3pPr>
+            <a:lvl4pPr>
+              <a:defRPr sz="1600"/>
+            </a:lvl4pPr>
+            <a:lvl5pPr>
+              <a:defRPr sz="1600"/>
+            </a:lvl5pPr>
+            <a:lvl6pPr>
+              <a:defRPr sz="1600"/>
+            </a:lvl6pPr>
+            <a:lvl7pPr>
+              <a:defRPr sz="1600"/>
+            </a:lvl7pPr>
+            <a:lvl8pPr>
+              <a:defRPr sz="1600"/>
+            </a:lvl8pPr>
+            <a:lvl9pPr>
+              <a:defRPr sz="1600"/>
+            </a:lvl9pPr>
+          </a:lstStyle>
           <a:p>
             <a:pPr lvl="0"/>
             <a:r>
-              <a:rPr lang="zh-CN" altLang="en-US"/>
-              <a:t>编辑母版文本样式</a:t>
-            </a:r>
-            <a:endParaRPr lang="zh-CN" altLang="en-US"/>
+              <a:rPr lang="en-US" smtClean="0"/>
+              <a:t>Click to edit Master text styles</a:t>
+            </a:r>
+            <a:endParaRPr lang="en-US" smtClean="0"/>
           </a:p>
           <a:p>
             <a:pPr lvl="1"/>
             <a:r>
-              <a:rPr lang="zh-CN" altLang="en-US"/>
-              <a:t>第二级</a:t>
-            </a:r>
-            <a:endParaRPr lang="zh-CN" altLang="en-US"/>
+              <a:rPr lang="en-US" smtClean="0"/>
+              <a:t>Second level</a:t>
+            </a:r>
+            <a:endParaRPr lang="en-US" smtClean="0"/>
           </a:p>
           <a:p>
             <a:pPr lvl="2"/>
             <a:r>
-              <a:rPr lang="zh-CN" altLang="en-US"/>
-              <a:t>第三级</a:t>
-            </a:r>
-            <a:endParaRPr lang="zh-CN" altLang="en-US"/>
+              <a:rPr lang="en-US" smtClean="0"/>
+              <a:t>Third level</a:t>
+            </a:r>
+            <a:endParaRPr lang="en-US" smtClean="0"/>
           </a:p>
           <a:p>
             <a:pPr lvl="3"/>
             <a:r>
-              <a:rPr lang="zh-CN" altLang="en-US"/>
-              <a:t>第四级</a:t>
-            </a:r>
-            <a:endParaRPr lang="zh-CN" altLang="en-US"/>
+              <a:rPr lang="en-US" smtClean="0"/>
+              <a:t>Fourth level</a:t>
+            </a:r>
+            <a:endParaRPr lang="en-US" smtClean="0"/>
           </a:p>
           <a:p>
             <a:pPr lvl="4"/>
             <a:r>
-              <a:rPr lang="zh-CN" altLang="en-US"/>
-              <a:t>第五级</a:t>
-            </a:r>
-            <a:endParaRPr lang="zh-CN" altLang="en-US"/>
-          </a:p>
-        </p:txBody>
-      </p:sp>
-      <p:sp>
-        <p:nvSpPr>
-          <p:cNvPr id="5" name="文本占位符 4"/>
-          <p:cNvSpPr>
-            <a:spLocks noGrp="1"/>
-          </p:cNvSpPr>
-          <p:nvPr>
-            <p:ph type="body" sz="quarter" idx="3" hasCustomPrompt="1"/>
-          </p:nvPr>
-        </p:nvSpPr>
-        <p:spPr>
-          <a:xfrm>
-            <a:off x="6172200" y="1681163"/>
-            <a:ext cx="5183188" cy="823912"/>
+              <a:rPr lang="en-US" smtClean="0"/>
+              <a:t>Fifth level</a:t>
+            </a:r>
+            <a:endParaRPr lang="en-US"/>
+          </a:p>
+        </p:txBody>
+      </p:sp>
+      <p:sp>
+        <p:nvSpPr>
+          <p:cNvPr id="5" name="Text Placeholder 4"/>
+          <p:cNvSpPr>
+            <a:spLocks noGrp="1"/>
+          </p:cNvSpPr>
+          <p:nvPr>
+            <p:ph type="body" sz="quarter" idx="3"/>
+          </p:nvPr>
+        </p:nvSpPr>
+        <p:spPr>
+          <a:xfrm>
+            <a:off x="6193367" y="1535113"/>
+            <a:ext cx="5389033" cy="639762"/>
           </a:xfrm>
         </p:spPr>
         <p:txBody>
@@ -1863,82 +2540,132 @@
           <a:p>
             <a:pPr lvl="0"/>
             <a:r>
-              <a:rPr lang="zh-CN" altLang="en-US"/>
-              <a:t>编辑母版文本样式</a:t>
-            </a:r>
-            <a:endParaRPr lang="zh-CN" altLang="en-US"/>
-          </a:p>
-        </p:txBody>
-      </p:sp>
-      <p:sp>
-        <p:nvSpPr>
-          <p:cNvPr id="6" name="内容占位符 5"/>
-          <p:cNvSpPr>
-            <a:spLocks noGrp="1"/>
-          </p:cNvSpPr>
-          <p:nvPr>
-            <p:ph sz="quarter" idx="4" hasCustomPrompt="1"/>
-          </p:nvPr>
-        </p:nvSpPr>
-        <p:spPr>
-          <a:xfrm>
-            <a:off x="6172200" y="2505075"/>
-            <a:ext cx="5183188" cy="3684588"/>
-          </a:xfrm>
-        </p:spPr>
+              <a:rPr lang="en-US" smtClean="0"/>
+              <a:t>Click to edit Master text styles</a:t>
+            </a:r>
+            <a:endParaRPr lang="en-US" smtClean="0"/>
+          </a:p>
+        </p:txBody>
+      </p:sp>
+      <p:sp>
+        <p:nvSpPr>
+          <p:cNvPr id="6" name="Content Placeholder 5"/>
+          <p:cNvSpPr>
+            <a:spLocks noGrp="1"/>
+          </p:cNvSpPr>
+          <p:nvPr>
+            <p:ph sz="quarter" idx="4"/>
+          </p:nvPr>
+        </p:nvSpPr>
+        <p:spPr>
+          <a:xfrm>
+            <a:off x="6193367" y="2174875"/>
+            <a:ext cx="5389033" cy="3951288"/>
+          </a:xfrm>
+        </p:spPr>
+        <p:txBody>
+          <a:bodyPr/>
+          <a:lstStyle>
+            <a:lvl1pPr>
+              <a:defRPr sz="2400"/>
+            </a:lvl1pPr>
+            <a:lvl2pPr>
+              <a:defRPr sz="2000"/>
+            </a:lvl2pPr>
+            <a:lvl3pPr>
+              <a:defRPr sz="1800"/>
+            </a:lvl3pPr>
+            <a:lvl4pPr>
+              <a:defRPr sz="1600"/>
+            </a:lvl4pPr>
+            <a:lvl5pPr>
+              <a:defRPr sz="1600"/>
+            </a:lvl5pPr>
+            <a:lvl6pPr>
+              <a:defRPr sz="1600"/>
+            </a:lvl6pPr>
+            <a:lvl7pPr>
+              <a:defRPr sz="1600"/>
+            </a:lvl7pPr>
+            <a:lvl8pPr>
+              <a:defRPr sz="1600"/>
+            </a:lvl8pPr>
+            <a:lvl9pPr>
+              <a:defRPr sz="1600"/>
+            </a:lvl9pPr>
+          </a:lstStyle>
+          <a:p>
+            <a:pPr lvl="0"/>
+            <a:r>
+              <a:rPr lang="en-US" smtClean="0"/>
+              <a:t>Click to edit Master text styles</a:t>
+            </a:r>
+            <a:endParaRPr lang="en-US" smtClean="0"/>
+          </a:p>
+          <a:p>
+            <a:pPr lvl="1"/>
+            <a:r>
+              <a:rPr lang="en-US" smtClean="0"/>
+              <a:t>Second level</a:t>
+            </a:r>
+            <a:endParaRPr lang="en-US" smtClean="0"/>
+          </a:p>
+          <a:p>
+            <a:pPr lvl="2"/>
+            <a:r>
+              <a:rPr lang="en-US" smtClean="0"/>
+              <a:t>Third level</a:t>
+            </a:r>
+            <a:endParaRPr lang="en-US" smtClean="0"/>
+          </a:p>
+          <a:p>
+            <a:pPr lvl="3"/>
+            <a:r>
+              <a:rPr lang="en-US" smtClean="0"/>
+              <a:t>Fourth level</a:t>
+            </a:r>
+            <a:endParaRPr lang="en-US" smtClean="0"/>
+          </a:p>
+          <a:p>
+            <a:pPr lvl="4"/>
+            <a:r>
+              <a:rPr lang="en-US" smtClean="0"/>
+              <a:t>Fifth level</a:t>
+            </a:r>
+            <a:endParaRPr lang="en-US"/>
+          </a:p>
+        </p:txBody>
+      </p:sp>
+      <p:sp>
+        <p:nvSpPr>
+          <p:cNvPr id="7" name="Date Placeholder 6"/>
+          <p:cNvSpPr>
+            <a:spLocks noGrp="1"/>
+          </p:cNvSpPr>
+          <p:nvPr>
+            <p:ph type="dt" sz="half" idx="10"/>
+          </p:nvPr>
+        </p:nvSpPr>
+        <p:spPr/>
         <p:txBody>
           <a:bodyPr/>
           <a:lstStyle/>
           <a:p>
-            <a:pPr lvl="0"/>
-            <a:r>
-              <a:rPr lang="zh-CN" altLang="en-US"/>
-              <a:t>编辑母版文本样式</a:t>
-            </a:r>
-            <a:endParaRPr lang="zh-CN" altLang="en-US"/>
-          </a:p>
-          <a:p>
-            <a:pPr lvl="1"/>
-            <a:r>
-              <a:rPr lang="zh-CN" altLang="en-US"/>
-              <a:t>第二级</a:t>
-            </a:r>
-            <a:endParaRPr lang="zh-CN" altLang="en-US"/>
-          </a:p>
-          <a:p>
-            <a:pPr lvl="2"/>
-            <a:r>
-              <a:rPr lang="zh-CN" altLang="en-US"/>
-              <a:t>第三级</a:t>
-            </a:r>
-            <a:endParaRPr lang="zh-CN" altLang="en-US"/>
-          </a:p>
-          <a:p>
-            <a:pPr lvl="3"/>
-            <a:r>
-              <a:rPr lang="zh-CN" altLang="en-US"/>
-              <a:t>第四级</a:t>
-            </a:r>
-            <a:endParaRPr lang="zh-CN" altLang="en-US"/>
-          </a:p>
-          <a:p>
-            <a:pPr lvl="4"/>
-            <a:r>
-              <a:rPr lang="zh-CN" altLang="en-US"/>
-              <a:t>第五级</a:t>
-            </a:r>
-            <a:endParaRPr lang="zh-CN" altLang="en-US"/>
-          </a:p>
-        </p:txBody>
-      </p:sp>
-      <p:sp>
-        <p:nvSpPr>
-          <p:cNvPr id="7" name="日期占位符 6"/>
-          <p:cNvSpPr>
-            <a:spLocks noGrp="1"/>
-          </p:cNvSpPr>
-          <p:nvPr>
-            <p:ph type="dt" sz="half" idx="10"/>
+            <a:fld id="{5BCAD085-E8A6-8845-BD4E-CB4CCA059FC4}" type="datetimeFigureOut">
+              <a:rPr lang="en-US" smtClean="0"/>
+            </a:fld>
+            <a:endParaRPr lang="en-US"/>
+          </a:p>
+        </p:txBody>
+      </p:sp>
+      <p:sp>
+        <p:nvSpPr>
+          <p:cNvPr id="8" name="Footer Placeholder 7"/>
+          <p:cNvSpPr>
+            <a:spLocks noGrp="1"/>
+          </p:cNvSpPr>
+          <p:nvPr>
+            <p:ph type="ftr" sz="quarter" idx="11"/>
           </p:nvPr>
         </p:nvSpPr>
         <p:spPr/>
@@ -1946,21 +2673,18 @@
           <a:bodyPr/>
           <a:lstStyle/>
           <a:p>
-            <a:fld id="{16E9A678-BBB1-4DAE-A4A8-85C4F1D11E10}" type="datetimeFigureOut">
-              <a:rPr lang="zh-CN" altLang="en-US" smtClean="0"/>
-            </a:fld>
-            <a:endParaRPr lang="zh-CN" altLang="en-US"/>
-          </a:p>
-        </p:txBody>
-      </p:sp>
-      <p:sp>
-        <p:nvSpPr>
-          <p:cNvPr id="8" name="页脚占位符 7"/>
-          <p:cNvSpPr>
-            <a:spLocks noGrp="1"/>
-          </p:cNvSpPr>
-          <p:nvPr>
-            <p:ph type="ftr" sz="quarter" idx="11"/>
+            <a:endParaRPr lang="en-US"/>
+          </a:p>
+        </p:txBody>
+      </p:sp>
+      <p:sp>
+        <p:nvSpPr>
+          <p:cNvPr id="9" name="Slide Number Placeholder 8"/>
+          <p:cNvSpPr>
+            <a:spLocks noGrp="1"/>
+          </p:cNvSpPr>
+          <p:nvPr>
+            <p:ph type="sldNum" sz="quarter" idx="12"/>
           </p:nvPr>
         </p:nvSpPr>
         <p:spPr/>
@@ -1968,32 +2692,68 @@
           <a:bodyPr/>
           <a:lstStyle/>
           <a:p>
-            <a:endParaRPr lang="zh-CN" altLang="en-US"/>
-          </a:p>
-        </p:txBody>
-      </p:sp>
-      <p:sp>
-        <p:nvSpPr>
-          <p:cNvPr id="9" name="灯片编号占位符 8"/>
-          <p:cNvSpPr>
-            <a:spLocks noGrp="1"/>
-          </p:cNvSpPr>
-          <p:nvPr>
-            <p:ph type="sldNum" sz="quarter" idx="12"/>
-          </p:nvPr>
-        </p:nvSpPr>
-        <p:spPr/>
-        <p:txBody>
-          <a:bodyPr/>
-          <a:lstStyle/>
-          <a:p>
-            <a:fld id="{032B40A8-2161-43AC-A6D2-65EE23344C4A}" type="slidenum">
-              <a:rPr lang="zh-CN" altLang="en-US" smtClean="0"/>
+            <a:fld id="{C1FF6DA9-008F-8B48-92A6-B652298478BF}" type="slidenum">
+              <a:rPr lang="en-US" smtClean="0"/>
             </a:fld>
-            <a:endParaRPr lang="zh-CN" altLang="en-US"/>
-          </a:p>
-        </p:txBody>
-      </p:sp>
+            <a:endParaRPr lang="en-US"/>
+          </a:p>
+        </p:txBody>
+      </p:sp>
+      <p:cxnSp>
+        <p:nvCxnSpPr>
+          <p:cNvPr id="11" name="直接连接符 10"/>
+          <p:cNvCxnSpPr/>
+          <p:nvPr userDrawn="1"/>
+        </p:nvCxnSpPr>
+        <p:spPr>
+          <a:xfrm>
+            <a:off x="315310" y="744220"/>
+            <a:ext cx="11581465" cy="0"/>
+          </a:xfrm>
+          <a:prstGeom prst="line">
+            <a:avLst/>
+          </a:prstGeom>
+          <a:ln w="19050">
+            <a:solidFill>
+              <a:schemeClr val="bg1">
+                <a:lumMod val="85000"/>
+              </a:schemeClr>
+            </a:solidFill>
+            <a:prstDash val="solid"/>
+            <a:miter/>
+          </a:ln>
+        </p:spPr>
+      </p:cxnSp>
+      <p:pic>
+        <p:nvPicPr>
+          <p:cNvPr id="12" name="图片 11" descr="图片包含 游戏机, 画&#10;&#10;描述已自动生成"/>
+          <p:cNvPicPr>
+            <a:picLocks noChangeAspect="1"/>
+          </p:cNvPicPr>
+          <p:nvPr userDrawn="1"/>
+        </p:nvPicPr>
+        <p:blipFill>
+          <a:blip r:embed="rId2">
+            <a:extLst>
+              <a:ext uri="{28A0092B-C50C-407E-A947-70E740481C1C}">
+                <a14:useLocalDpi xmlns:a14="http://schemas.microsoft.com/office/drawing/2010/main" val="0"/>
+              </a:ext>
+            </a:extLst>
+          </a:blip>
+          <a:stretch>
+            <a:fillRect/>
+          </a:stretch>
+        </p:blipFill>
+        <p:spPr>
+          <a:xfrm>
+            <a:off x="10697210" y="127635"/>
+            <a:ext cx="1104265" cy="490220"/>
+          </a:xfrm>
+          <a:prstGeom prst="rect">
+            <a:avLst/>
+          </a:prstGeom>
+        </p:spPr>
+      </p:pic>
     </p:spTree>
   </p:cSld>
   <p:clrMapOvr>
@@ -2004,7 +2764,7 @@
 
 <file path=ppt/slideLayouts/slideLayout6.xml><?xml version="1.0" encoding="utf-8"?>
 <p:sldLayout xmlns:a="http://schemas.openxmlformats.org/drawingml/2006/main" xmlns:r="http://schemas.openxmlformats.org/officeDocument/2006/relationships" xmlns:p="http://schemas.openxmlformats.org/presentationml/2006/main" type="titleOnly" preserve="1">
-  <p:cSld name="仅标题">
+  <p:cSld name="Title Only">
     <p:spTree>
       <p:nvGrpSpPr>
         <p:cNvPr id="1" name=""/>
@@ -2021,12 +2781,44 @@
       </p:grpSpPr>
       <p:sp>
         <p:nvSpPr>
-          <p:cNvPr id="2" name="标题 1"/>
+          <p:cNvPr id="2" name="Title 1"/>
           <p:cNvSpPr>
             <a:spLocks noGrp="1"/>
           </p:cNvSpPr>
           <p:nvPr>
             <p:ph type="title"/>
+          </p:nvPr>
+        </p:nvSpPr>
+        <p:spPr>
+          <a:xfrm>
+            <a:off x="287655" y="150495"/>
+            <a:ext cx="10972800" cy="593725"/>
+          </a:xfrm>
+        </p:spPr>
+        <p:txBody>
+          <a:bodyPr/>
+          <a:lstStyle>
+            <a:lvl1pPr algn="l">
+              <a:defRPr sz="2800"/>
+            </a:lvl1pPr>
+          </a:lstStyle>
+          <a:p>
+            <a:r>
+              <a:rPr lang="en-US" smtClean="0"/>
+              <a:t>Click to edit Master title style</a:t>
+            </a:r>
+            <a:endParaRPr lang="en-US"/>
+          </a:p>
+        </p:txBody>
+      </p:sp>
+      <p:sp>
+        <p:nvSpPr>
+          <p:cNvPr id="3" name="Date Placeholder 2"/>
+          <p:cNvSpPr>
+            <a:spLocks noGrp="1"/>
+          </p:cNvSpPr>
+          <p:nvPr>
+            <p:ph type="dt" sz="half" idx="10"/>
           </p:nvPr>
         </p:nvSpPr>
         <p:spPr/>
@@ -2034,22 +2826,21 @@
           <a:bodyPr/>
           <a:lstStyle/>
           <a:p>
-            <a:r>
-              <a:rPr lang="zh-CN" altLang="en-US"/>
-              <a:t>单击此处编辑母版标题样式</a:t>
-            </a:r>
-            <a:endParaRPr lang="zh-CN" altLang="en-US"/>
-          </a:p>
-        </p:txBody>
-      </p:sp>
-      <p:sp>
-        <p:nvSpPr>
-          <p:cNvPr id="3" name="日期占位符 2"/>
-          <p:cNvSpPr>
-            <a:spLocks noGrp="1"/>
-          </p:cNvSpPr>
-          <p:nvPr>
-            <p:ph type="dt" sz="half" idx="10"/>
+            <a:fld id="{5BCAD085-E8A6-8845-BD4E-CB4CCA059FC4}" type="datetimeFigureOut">
+              <a:rPr lang="en-US" smtClean="0"/>
+            </a:fld>
+            <a:endParaRPr lang="en-US"/>
+          </a:p>
+        </p:txBody>
+      </p:sp>
+      <p:sp>
+        <p:nvSpPr>
+          <p:cNvPr id="4" name="Footer Placeholder 3"/>
+          <p:cNvSpPr>
+            <a:spLocks noGrp="1"/>
+          </p:cNvSpPr>
+          <p:nvPr>
+            <p:ph type="ftr" sz="quarter" idx="11"/>
           </p:nvPr>
         </p:nvSpPr>
         <p:spPr/>
@@ -2057,21 +2848,18 @@
           <a:bodyPr/>
           <a:lstStyle/>
           <a:p>
-            <a:fld id="{16E9A678-BBB1-4DAE-A4A8-85C4F1D11E10}" type="datetimeFigureOut">
-              <a:rPr lang="zh-CN" altLang="en-US" smtClean="0"/>
-            </a:fld>
-            <a:endParaRPr lang="zh-CN" altLang="en-US"/>
-          </a:p>
-        </p:txBody>
-      </p:sp>
-      <p:sp>
-        <p:nvSpPr>
-          <p:cNvPr id="4" name="页脚占位符 3"/>
-          <p:cNvSpPr>
-            <a:spLocks noGrp="1"/>
-          </p:cNvSpPr>
-          <p:nvPr>
-            <p:ph type="ftr" sz="quarter" idx="11"/>
+            <a:endParaRPr lang="en-US"/>
+          </a:p>
+        </p:txBody>
+      </p:sp>
+      <p:sp>
+        <p:nvSpPr>
+          <p:cNvPr id="5" name="Slide Number Placeholder 4"/>
+          <p:cNvSpPr>
+            <a:spLocks noGrp="1"/>
+          </p:cNvSpPr>
+          <p:nvPr>
+            <p:ph type="sldNum" sz="quarter" idx="12"/>
           </p:nvPr>
         </p:nvSpPr>
         <p:spPr/>
@@ -2079,32 +2867,68 @@
           <a:bodyPr/>
           <a:lstStyle/>
           <a:p>
-            <a:endParaRPr lang="zh-CN" altLang="en-US"/>
-          </a:p>
-        </p:txBody>
-      </p:sp>
-      <p:sp>
-        <p:nvSpPr>
-          <p:cNvPr id="5" name="灯片编号占位符 4"/>
-          <p:cNvSpPr>
-            <a:spLocks noGrp="1"/>
-          </p:cNvSpPr>
-          <p:nvPr>
-            <p:ph type="sldNum" sz="quarter" idx="12"/>
-          </p:nvPr>
-        </p:nvSpPr>
-        <p:spPr/>
-        <p:txBody>
-          <a:bodyPr/>
-          <a:lstStyle/>
-          <a:p>
-            <a:fld id="{032B40A8-2161-43AC-A6D2-65EE23344C4A}" type="slidenum">
-              <a:rPr lang="zh-CN" altLang="en-US" smtClean="0"/>
+            <a:fld id="{C1FF6DA9-008F-8B48-92A6-B652298478BF}" type="slidenum">
+              <a:rPr lang="en-US" smtClean="0"/>
             </a:fld>
-            <a:endParaRPr lang="zh-CN" altLang="en-US"/>
-          </a:p>
-        </p:txBody>
-      </p:sp>
+            <a:endParaRPr lang="en-US"/>
+          </a:p>
+        </p:txBody>
+      </p:sp>
+      <p:cxnSp>
+        <p:nvCxnSpPr>
+          <p:cNvPr id="11" name="直接连接符 10"/>
+          <p:cNvCxnSpPr/>
+          <p:nvPr userDrawn="1"/>
+        </p:nvCxnSpPr>
+        <p:spPr>
+          <a:xfrm>
+            <a:off x="315310" y="744220"/>
+            <a:ext cx="11581465" cy="0"/>
+          </a:xfrm>
+          <a:prstGeom prst="line">
+            <a:avLst/>
+          </a:prstGeom>
+          <a:ln w="19050">
+            <a:solidFill>
+              <a:schemeClr val="bg1">
+                <a:lumMod val="85000"/>
+              </a:schemeClr>
+            </a:solidFill>
+            <a:prstDash val="solid"/>
+            <a:miter/>
+          </a:ln>
+        </p:spPr>
+      </p:cxnSp>
+      <p:pic>
+        <p:nvPicPr>
+          <p:cNvPr id="8" name="图片 7" descr="图片包含 游戏机, 画&#10;&#10;描述已自动生成"/>
+          <p:cNvPicPr>
+            <a:picLocks noChangeAspect="1"/>
+          </p:cNvPicPr>
+          <p:nvPr userDrawn="1"/>
+        </p:nvPicPr>
+        <p:blipFill>
+          <a:blip r:embed="rId2">
+            <a:extLst>
+              <a:ext uri="{28A0092B-C50C-407E-A947-70E740481C1C}">
+                <a14:useLocalDpi xmlns:a14="http://schemas.microsoft.com/office/drawing/2010/main" val="0"/>
+              </a:ext>
+            </a:extLst>
+          </a:blip>
+          <a:stretch>
+            <a:fillRect/>
+          </a:stretch>
+        </p:blipFill>
+        <p:spPr>
+          <a:xfrm>
+            <a:off x="10697210" y="127635"/>
+            <a:ext cx="1104265" cy="490220"/>
+          </a:xfrm>
+          <a:prstGeom prst="rect">
+            <a:avLst/>
+          </a:prstGeom>
+        </p:spPr>
+      </p:pic>
     </p:spTree>
   </p:cSld>
   <p:clrMapOvr>
@@ -2115,7 +2939,7 @@
 
 <file path=ppt/slideLayouts/slideLayout7.xml><?xml version="1.0" encoding="utf-8"?>
 <p:sldLayout xmlns:a="http://schemas.openxmlformats.org/drawingml/2006/main" xmlns:r="http://schemas.openxmlformats.org/officeDocument/2006/relationships" xmlns:p="http://schemas.openxmlformats.org/presentationml/2006/main" type="blank" preserve="1">
-  <p:cSld name="空白">
+  <p:cSld name="Blank">
     <p:spTree>
       <p:nvGrpSpPr>
         <p:cNvPr id="1" name=""/>
@@ -2132,7 +2956,7 @@
       </p:grpSpPr>
       <p:sp>
         <p:nvSpPr>
-          <p:cNvPr id="2" name="日期占位符 1"/>
+          <p:cNvPr id="2" name="Date Placeholder 1"/>
           <p:cNvSpPr>
             <a:spLocks noGrp="1"/>
           </p:cNvSpPr>
@@ -2145,16 +2969,16 @@
           <a:bodyPr/>
           <a:lstStyle/>
           <a:p>
-            <a:fld id="{16E9A678-BBB1-4DAE-A4A8-85C4F1D11E10}" type="datetimeFigureOut">
-              <a:rPr lang="zh-CN" altLang="en-US" smtClean="0"/>
+            <a:fld id="{5BCAD085-E8A6-8845-BD4E-CB4CCA059FC4}" type="datetimeFigureOut">
+              <a:rPr lang="en-US" smtClean="0"/>
             </a:fld>
-            <a:endParaRPr lang="zh-CN" altLang="en-US"/>
-          </a:p>
-        </p:txBody>
-      </p:sp>
-      <p:sp>
-        <p:nvSpPr>
-          <p:cNvPr id="3" name="页脚占位符 2"/>
+            <a:endParaRPr lang="en-US"/>
+          </a:p>
+        </p:txBody>
+      </p:sp>
+      <p:sp>
+        <p:nvSpPr>
+          <p:cNvPr id="3" name="Footer Placeholder 2"/>
           <p:cNvSpPr>
             <a:spLocks noGrp="1"/>
           </p:cNvSpPr>
@@ -2167,13 +2991,13 @@
           <a:bodyPr/>
           <a:lstStyle/>
           <a:p>
-            <a:endParaRPr lang="zh-CN" altLang="en-US"/>
-          </a:p>
-        </p:txBody>
-      </p:sp>
-      <p:sp>
-        <p:nvSpPr>
-          <p:cNvPr id="4" name="灯片编号占位符 3"/>
+            <a:endParaRPr lang="en-US"/>
+          </a:p>
+        </p:txBody>
+      </p:sp>
+      <p:sp>
+        <p:nvSpPr>
+          <p:cNvPr id="4" name="Slide Number Placeholder 3"/>
           <p:cNvSpPr>
             <a:spLocks noGrp="1"/>
           </p:cNvSpPr>
@@ -2186,13 +3010,68 @@
           <a:bodyPr/>
           <a:lstStyle/>
           <a:p>
-            <a:fld id="{032B40A8-2161-43AC-A6D2-65EE23344C4A}" type="slidenum">
-              <a:rPr lang="zh-CN" altLang="en-US" smtClean="0"/>
+            <a:fld id="{C1FF6DA9-008F-8B48-92A6-B652298478BF}" type="slidenum">
+              <a:rPr lang="en-US" smtClean="0"/>
             </a:fld>
-            <a:endParaRPr lang="zh-CN" altLang="en-US"/>
-          </a:p>
-        </p:txBody>
-      </p:sp>
+            <a:endParaRPr lang="en-US"/>
+          </a:p>
+        </p:txBody>
+      </p:sp>
+      <p:cxnSp>
+        <p:nvCxnSpPr>
+          <p:cNvPr id="11" name="直接连接符 10"/>
+          <p:cNvCxnSpPr/>
+          <p:nvPr userDrawn="1"/>
+        </p:nvCxnSpPr>
+        <p:spPr>
+          <a:xfrm>
+            <a:off x="315310" y="744220"/>
+            <a:ext cx="11581465" cy="0"/>
+          </a:xfrm>
+          <a:prstGeom prst="line">
+            <a:avLst/>
+          </a:prstGeom>
+          <a:ln w="19050">
+            <a:solidFill>
+              <a:schemeClr val="bg1">
+                <a:lumMod val="85000"/>
+              </a:schemeClr>
+            </a:solidFill>
+            <a:prstDash val="solid"/>
+            <a:miter/>
+          </a:ln>
+        </p:spPr>
+      </p:cxnSp>
+      <p:pic>
+        <p:nvPicPr>
+          <p:cNvPr id="8" name="图片 7" descr="图片包含 游戏机, 画&#10;&#10;描述已自动生成"/>
+          <p:cNvPicPr>
+            <a:picLocks noChangeAspect="1"/>
+          </p:cNvPicPr>
+          <p:nvPr userDrawn="1"/>
+        </p:nvPicPr>
+        <p:blipFill>
+          <a:blip r:embed="rId2">
+            <a:extLst>
+              <a:ext uri="{28A0092B-C50C-407E-A947-70E740481C1C}">
+                <a14:useLocalDpi xmlns:a14="http://schemas.microsoft.com/office/drawing/2010/main" val="0"/>
+              </a:ext>
+            </a:extLst>
+          </a:blip>
+          <a:stretch>
+            <a:fillRect/>
+          </a:stretch>
+        </p:blipFill>
+        <p:spPr>
+          <a:xfrm>
+            <a:off x="10697210" y="127635"/>
+            <a:ext cx="1104265" cy="490220"/>
+          </a:xfrm>
+          <a:prstGeom prst="rect">
+            <a:avLst/>
+          </a:prstGeom>
+        </p:spPr>
+      </p:pic>
     </p:spTree>
   </p:cSld>
   <p:clrMapOvr>
@@ -2203,7 +3082,7 @@
 
 <file path=ppt/slideLayouts/slideLayout8.xml><?xml version="1.0" encoding="utf-8"?>
 <p:sldLayout xmlns:a="http://schemas.openxmlformats.org/drawingml/2006/main" xmlns:r="http://schemas.openxmlformats.org/officeDocument/2006/relationships" xmlns:p="http://schemas.openxmlformats.org/presentationml/2006/main" type="objTx" preserve="1">
-  <p:cSld name="内容与标题">
+  <p:cSld name="Content with Caption">
     <p:spTree>
       <p:nvGrpSpPr>
         <p:cNvPr id="1" name=""/>
@@ -2220,7 +3099,7 @@
       </p:grpSpPr>
       <p:sp>
         <p:nvSpPr>
-          <p:cNvPr id="2" name="标题 1"/>
+          <p:cNvPr id="2" name="Title 1"/>
           <p:cNvSpPr>
             <a:spLocks noGrp="1"/>
           </p:cNvSpPr>
@@ -2230,59 +3109,77 @@
         </p:nvSpPr>
         <p:spPr>
           <a:xfrm>
-            <a:off x="839788" y="457200"/>
-            <a:ext cx="3932237" cy="1600200"/>
+            <a:off x="609600" y="716915"/>
+            <a:ext cx="4011295" cy="718185"/>
           </a:xfrm>
         </p:spPr>
         <p:txBody>
           <a:bodyPr anchor="b"/>
           <a:lstStyle>
-            <a:lvl1pPr>
-              <a:defRPr sz="3200"/>
+            <a:lvl1pPr algn="l">
+              <a:defRPr sz="2000" b="1">
+                <a:latin typeface="微软雅黑" panose="020B0503020204020204" charset="-122"/>
+                <a:ea typeface="微软雅黑" panose="020B0503020204020204" charset="-122"/>
+              </a:defRPr>
             </a:lvl1pPr>
           </a:lstStyle>
           <a:p>
             <a:r>
-              <a:rPr lang="zh-CN" altLang="en-US"/>
-              <a:t>单击此处编辑母版标题样式</a:t>
-            </a:r>
-            <a:endParaRPr lang="zh-CN" altLang="en-US"/>
-          </a:p>
-        </p:txBody>
-      </p:sp>
-      <p:sp>
-        <p:nvSpPr>
-          <p:cNvPr id="3" name="内容占位符 2"/>
-          <p:cNvSpPr>
-            <a:spLocks noGrp="1"/>
-          </p:cNvSpPr>
-          <p:nvPr>
-            <p:ph idx="1" hasCustomPrompt="1"/>
-          </p:nvPr>
-        </p:nvSpPr>
-        <p:spPr>
-          <a:xfrm>
-            <a:off x="5183188" y="987425"/>
-            <a:ext cx="6172200" cy="4873625"/>
+              <a:rPr lang="en-US" smtClean="0"/>
+              <a:t>Click to edit Master title style</a:t>
+            </a:r>
+            <a:endParaRPr lang="en-US"/>
+          </a:p>
+        </p:txBody>
+      </p:sp>
+      <p:sp>
+        <p:nvSpPr>
+          <p:cNvPr id="3" name="Content Placeholder 2"/>
+          <p:cNvSpPr>
+            <a:spLocks noGrp="1"/>
+          </p:cNvSpPr>
+          <p:nvPr>
+            <p:ph idx="1"/>
+          </p:nvPr>
+        </p:nvSpPr>
+        <p:spPr>
+          <a:xfrm>
+            <a:off x="4766945" y="940435"/>
+            <a:ext cx="6815455" cy="5186045"/>
           </a:xfrm>
         </p:spPr>
         <p:txBody>
           <a:bodyPr/>
           <a:lstStyle>
             <a:lvl1pPr>
-              <a:defRPr sz="3200"/>
+              <a:defRPr sz="3200">
+                <a:latin typeface="微软雅黑" panose="020B0503020204020204" charset="-122"/>
+                <a:ea typeface="微软雅黑" panose="020B0503020204020204" charset="-122"/>
+              </a:defRPr>
             </a:lvl1pPr>
             <a:lvl2pPr>
-              <a:defRPr sz="2800"/>
+              <a:defRPr sz="2800">
+                <a:latin typeface="微软雅黑" panose="020B0503020204020204" charset="-122"/>
+                <a:ea typeface="微软雅黑" panose="020B0503020204020204" charset="-122"/>
+              </a:defRPr>
             </a:lvl2pPr>
             <a:lvl3pPr>
-              <a:defRPr sz="2400"/>
+              <a:defRPr sz="2400">
+                <a:latin typeface="微软雅黑" panose="020B0503020204020204" charset="-122"/>
+                <a:ea typeface="微软雅黑" panose="020B0503020204020204" charset="-122"/>
+              </a:defRPr>
             </a:lvl3pPr>
             <a:lvl4pPr>
-              <a:defRPr sz="2000"/>
+              <a:defRPr sz="2000">
+                <a:latin typeface="微软雅黑" panose="020B0503020204020204" charset="-122"/>
+                <a:ea typeface="微软雅黑" panose="020B0503020204020204" charset="-122"/>
+              </a:defRPr>
             </a:lvl4pPr>
             <a:lvl5pPr>
-              <a:defRPr sz="2000"/>
+              <a:defRPr sz="2000">
+                <a:latin typeface="微软雅黑" panose="020B0503020204020204" charset="-122"/>
+                <a:ea typeface="微软雅黑" panose="020B0503020204020204" charset="-122"/>
+              </a:defRPr>
             </a:lvl5pPr>
             <a:lvl6pPr>
               <a:defRPr sz="2000"/>
@@ -2300,59 +3197,59 @@
           <a:p>
             <a:pPr lvl="0"/>
             <a:r>
-              <a:rPr lang="zh-CN" altLang="en-US"/>
-              <a:t>编辑母版文本样式</a:t>
-            </a:r>
-            <a:endParaRPr lang="zh-CN" altLang="en-US"/>
+              <a:rPr lang="en-US" smtClean="0"/>
+              <a:t>Click to edit Master text styles</a:t>
+            </a:r>
+            <a:endParaRPr lang="en-US" smtClean="0"/>
           </a:p>
           <a:p>
             <a:pPr lvl="1"/>
             <a:r>
-              <a:rPr lang="zh-CN" altLang="en-US"/>
-              <a:t>第二级</a:t>
-            </a:r>
-            <a:endParaRPr lang="zh-CN" altLang="en-US"/>
+              <a:rPr lang="en-US" smtClean="0"/>
+              <a:t>Second level</a:t>
+            </a:r>
+            <a:endParaRPr lang="en-US" smtClean="0"/>
           </a:p>
           <a:p>
             <a:pPr lvl="2"/>
             <a:r>
-              <a:rPr lang="zh-CN" altLang="en-US"/>
-              <a:t>第三级</a:t>
-            </a:r>
-            <a:endParaRPr lang="zh-CN" altLang="en-US"/>
+              <a:rPr lang="en-US" smtClean="0"/>
+              <a:t>Third level</a:t>
+            </a:r>
+            <a:endParaRPr lang="en-US" smtClean="0"/>
           </a:p>
           <a:p>
             <a:pPr lvl="3"/>
             <a:r>
-              <a:rPr lang="zh-CN" altLang="en-US"/>
-              <a:t>第四级</a:t>
-            </a:r>
-            <a:endParaRPr lang="zh-CN" altLang="en-US"/>
+              <a:rPr lang="en-US" smtClean="0"/>
+              <a:t>Fourth level</a:t>
+            </a:r>
+            <a:endParaRPr lang="en-US" smtClean="0"/>
           </a:p>
           <a:p>
             <a:pPr lvl="4"/>
             <a:r>
-              <a:rPr lang="zh-CN" altLang="en-US"/>
-              <a:t>第五级</a:t>
-            </a:r>
-            <a:endParaRPr lang="zh-CN" altLang="en-US"/>
-          </a:p>
-        </p:txBody>
-      </p:sp>
-      <p:sp>
-        <p:nvSpPr>
-          <p:cNvPr id="4" name="文本占位符 3"/>
-          <p:cNvSpPr>
-            <a:spLocks noGrp="1"/>
-          </p:cNvSpPr>
-          <p:nvPr>
-            <p:ph type="body" sz="half" idx="2" hasCustomPrompt="1"/>
-          </p:nvPr>
-        </p:nvSpPr>
-        <p:spPr>
-          <a:xfrm>
-            <a:off x="839788" y="2057400"/>
-            <a:ext cx="3932237" cy="3811588"/>
+              <a:rPr lang="en-US" smtClean="0"/>
+              <a:t>Fifth level</a:t>
+            </a:r>
+            <a:endParaRPr lang="en-US"/>
+          </a:p>
+        </p:txBody>
+      </p:sp>
+      <p:sp>
+        <p:nvSpPr>
+          <p:cNvPr id="4" name="Text Placeholder 3"/>
+          <p:cNvSpPr>
+            <a:spLocks noGrp="1"/>
+          </p:cNvSpPr>
+          <p:nvPr>
+            <p:ph type="body" sz="half" idx="2"/>
+          </p:nvPr>
+        </p:nvSpPr>
+        <p:spPr>
+          <a:xfrm>
+            <a:off x="609600" y="1435100"/>
+            <a:ext cx="4011084" cy="4691063"/>
           </a:xfrm>
         </p:spPr>
         <p:txBody>
@@ -2360,54 +3257,57 @@
           <a:lstStyle>
             <a:lvl1pPr marL="0" indent="0">
               <a:buNone/>
-              <a:defRPr sz="1600"/>
+              <a:defRPr sz="1400">
+                <a:latin typeface="微软雅黑" panose="020B0503020204020204" charset="-122"/>
+                <a:ea typeface="微软雅黑" panose="020B0503020204020204" charset="-122"/>
+              </a:defRPr>
             </a:lvl1pPr>
             <a:lvl2pPr marL="457200" indent="0">
               <a:buNone/>
-              <a:defRPr sz="1400"/>
+              <a:defRPr sz="1200"/>
             </a:lvl2pPr>
             <a:lvl3pPr marL="914400" indent="0">
               <a:buNone/>
-              <a:defRPr sz="1200"/>
+              <a:defRPr sz="1000"/>
             </a:lvl3pPr>
             <a:lvl4pPr marL="1371600" indent="0">
               <a:buNone/>
-              <a:defRPr sz="1000"/>
+              <a:defRPr sz="900"/>
             </a:lvl4pPr>
             <a:lvl5pPr marL="1828800" indent="0">
               <a:buNone/>
-              <a:defRPr sz="1000"/>
+              <a:defRPr sz="900"/>
             </a:lvl5pPr>
             <a:lvl6pPr marL="2286000" indent="0">
               <a:buNone/>
-              <a:defRPr sz="1000"/>
+              <a:defRPr sz="900"/>
             </a:lvl6pPr>
             <a:lvl7pPr marL="2743200" indent="0">
               <a:buNone/>
-              <a:defRPr sz="1000"/>
+              <a:defRPr sz="900"/>
             </a:lvl7pPr>
             <a:lvl8pPr marL="3200400" indent="0">
               <a:buNone/>
-              <a:defRPr sz="1000"/>
+              <a:defRPr sz="900"/>
             </a:lvl8pPr>
             <a:lvl9pPr marL="3657600" indent="0">
               <a:buNone/>
-              <a:defRPr sz="1000"/>
+              <a:defRPr sz="900"/>
             </a:lvl9pPr>
           </a:lstStyle>
           <a:p>
             <a:pPr lvl="0"/>
             <a:r>
-              <a:rPr lang="zh-CN" altLang="en-US"/>
-              <a:t>编辑母版文本样式</a:t>
-            </a:r>
-            <a:endParaRPr lang="zh-CN" altLang="en-US"/>
-          </a:p>
-        </p:txBody>
-      </p:sp>
-      <p:sp>
-        <p:nvSpPr>
-          <p:cNvPr id="5" name="日期占位符 4"/>
+              <a:rPr lang="en-US" smtClean="0"/>
+              <a:t>Click to edit Master text styles</a:t>
+            </a:r>
+            <a:endParaRPr lang="en-US" smtClean="0"/>
+          </a:p>
+        </p:txBody>
+      </p:sp>
+      <p:sp>
+        <p:nvSpPr>
+          <p:cNvPr id="5" name="Date Placeholder 4"/>
           <p:cNvSpPr>
             <a:spLocks noGrp="1"/>
           </p:cNvSpPr>
@@ -2420,16 +3320,16 @@
           <a:bodyPr/>
           <a:lstStyle/>
           <a:p>
-            <a:fld id="{16E9A678-BBB1-4DAE-A4A8-85C4F1D11E10}" type="datetimeFigureOut">
-              <a:rPr lang="zh-CN" altLang="en-US" smtClean="0"/>
+            <a:fld id="{5BCAD085-E8A6-8845-BD4E-CB4CCA059FC4}" type="datetimeFigureOut">
+              <a:rPr lang="en-US" smtClean="0"/>
             </a:fld>
-            <a:endParaRPr lang="zh-CN" altLang="en-US"/>
-          </a:p>
-        </p:txBody>
-      </p:sp>
-      <p:sp>
-        <p:nvSpPr>
-          <p:cNvPr id="6" name="页脚占位符 5"/>
+            <a:endParaRPr lang="en-US"/>
+          </a:p>
+        </p:txBody>
+      </p:sp>
+      <p:sp>
+        <p:nvSpPr>
+          <p:cNvPr id="6" name="Footer Placeholder 5"/>
           <p:cNvSpPr>
             <a:spLocks noGrp="1"/>
           </p:cNvSpPr>
@@ -2442,13 +3342,13 @@
           <a:bodyPr/>
           <a:lstStyle/>
           <a:p>
-            <a:endParaRPr lang="zh-CN" altLang="en-US"/>
-          </a:p>
-        </p:txBody>
-      </p:sp>
-      <p:sp>
-        <p:nvSpPr>
-          <p:cNvPr id="7" name="灯片编号占位符 6"/>
+            <a:endParaRPr lang="en-US"/>
+          </a:p>
+        </p:txBody>
+      </p:sp>
+      <p:sp>
+        <p:nvSpPr>
+          <p:cNvPr id="7" name="Slide Number Placeholder 6"/>
           <p:cNvSpPr>
             <a:spLocks noGrp="1"/>
           </p:cNvSpPr>
@@ -2461,13 +3361,68 @@
           <a:bodyPr/>
           <a:lstStyle/>
           <a:p>
-            <a:fld id="{032B40A8-2161-43AC-A6D2-65EE23344C4A}" type="slidenum">
-              <a:rPr lang="zh-CN" altLang="en-US" smtClean="0"/>
+            <a:fld id="{C1FF6DA9-008F-8B48-92A6-B652298478BF}" type="slidenum">
+              <a:rPr lang="en-US" smtClean="0"/>
             </a:fld>
-            <a:endParaRPr lang="zh-CN" altLang="en-US"/>
-          </a:p>
-        </p:txBody>
-      </p:sp>
+            <a:endParaRPr lang="en-US"/>
+          </a:p>
+        </p:txBody>
+      </p:sp>
+      <p:cxnSp>
+        <p:nvCxnSpPr>
+          <p:cNvPr id="11" name="直接连接符 10"/>
+          <p:cNvCxnSpPr/>
+          <p:nvPr userDrawn="1"/>
+        </p:nvCxnSpPr>
+        <p:spPr>
+          <a:xfrm>
+            <a:off x="315310" y="744220"/>
+            <a:ext cx="11581465" cy="0"/>
+          </a:xfrm>
+          <a:prstGeom prst="line">
+            <a:avLst/>
+          </a:prstGeom>
+          <a:ln w="19050">
+            <a:solidFill>
+              <a:schemeClr val="bg1">
+                <a:lumMod val="85000"/>
+              </a:schemeClr>
+            </a:solidFill>
+            <a:prstDash val="solid"/>
+            <a:miter/>
+          </a:ln>
+        </p:spPr>
+      </p:cxnSp>
+      <p:pic>
+        <p:nvPicPr>
+          <p:cNvPr id="8" name="图片 7" descr="图片包含 游戏机, 画&#10;&#10;描述已自动生成"/>
+          <p:cNvPicPr>
+            <a:picLocks noChangeAspect="1"/>
+          </p:cNvPicPr>
+          <p:nvPr userDrawn="1"/>
+        </p:nvPicPr>
+        <p:blipFill>
+          <a:blip r:embed="rId2">
+            <a:extLst>
+              <a:ext uri="{28A0092B-C50C-407E-A947-70E740481C1C}">
+                <a14:useLocalDpi xmlns:a14="http://schemas.microsoft.com/office/drawing/2010/main" val="0"/>
+              </a:ext>
+            </a:extLst>
+          </a:blip>
+          <a:stretch>
+            <a:fillRect/>
+          </a:stretch>
+        </p:blipFill>
+        <p:spPr>
+          <a:xfrm>
+            <a:off x="10697210" y="127635"/>
+            <a:ext cx="1104265" cy="490220"/>
+          </a:xfrm>
+          <a:prstGeom prst="rect">
+            <a:avLst/>
+          </a:prstGeom>
+        </p:spPr>
+      </p:pic>
     </p:spTree>
   </p:cSld>
   <p:clrMapOvr>
@@ -2478,7 +3433,7 @@
 
 <file path=ppt/slideLayouts/slideLayout9.xml><?xml version="1.0" encoding="utf-8"?>
 <p:sldLayout xmlns:a="http://schemas.openxmlformats.org/drawingml/2006/main" xmlns:r="http://schemas.openxmlformats.org/officeDocument/2006/relationships" xmlns:p="http://schemas.openxmlformats.org/presentationml/2006/main" type="picTx" preserve="1">
-  <p:cSld name="图片与标题">
+  <p:cSld name="Picture with Caption">
     <p:spTree>
       <p:nvGrpSpPr>
         <p:cNvPr id="1" name=""/>
@@ -2495,7 +3450,7 @@
       </p:grpSpPr>
       <p:sp>
         <p:nvSpPr>
-          <p:cNvPr id="2" name="标题 1"/>
+          <p:cNvPr id="2" name="Title 1"/>
           <p:cNvSpPr>
             <a:spLocks noGrp="1"/>
           </p:cNvSpPr>
@@ -2505,29 +3460,29 @@
         </p:nvSpPr>
         <p:spPr>
           <a:xfrm>
-            <a:off x="839788" y="457200"/>
-            <a:ext cx="3932237" cy="1600200"/>
+            <a:off x="2389717" y="4800600"/>
+            <a:ext cx="7315200" cy="566738"/>
           </a:xfrm>
         </p:spPr>
         <p:txBody>
           <a:bodyPr anchor="b"/>
           <a:lstStyle>
-            <a:lvl1pPr>
-              <a:defRPr sz="3200"/>
+            <a:lvl1pPr algn="l">
+              <a:defRPr sz="2000" b="1"/>
             </a:lvl1pPr>
           </a:lstStyle>
           <a:p>
             <a:r>
-              <a:rPr lang="zh-CN" altLang="en-US"/>
-              <a:t>单击此处编辑母版标题样式</a:t>
-            </a:r>
-            <a:endParaRPr lang="zh-CN" altLang="en-US"/>
-          </a:p>
-        </p:txBody>
-      </p:sp>
-      <p:sp>
-        <p:nvSpPr>
-          <p:cNvPr id="3" name="图片占位符 2"/>
+              <a:rPr lang="en-US" smtClean="0"/>
+              <a:t>Click to edit Master title style</a:t>
+            </a:r>
+            <a:endParaRPr lang="en-US"/>
+          </a:p>
+        </p:txBody>
+      </p:sp>
+      <p:sp>
+        <p:nvSpPr>
+          <p:cNvPr id="3" name="Picture Placeholder 2"/>
           <p:cNvSpPr>
             <a:spLocks noGrp="1"/>
           </p:cNvSpPr>
@@ -2537,8 +3492,8 @@
         </p:nvSpPr>
         <p:spPr>
           <a:xfrm>
-            <a:off x="5183188" y="987425"/>
-            <a:ext cx="6172200" cy="4873625"/>
+            <a:off x="2389505" y="896620"/>
+            <a:ext cx="7315200" cy="3830955"/>
           </a:xfrm>
         </p:spPr>
         <p:txBody>
@@ -2582,24 +3537,24 @@
             </a:lvl9pPr>
           </a:lstStyle>
           <a:p>
-            <a:endParaRPr lang="zh-CN" altLang="en-US"/>
-          </a:p>
-        </p:txBody>
-      </p:sp>
-      <p:sp>
-        <p:nvSpPr>
-          <p:cNvPr id="4" name="文本占位符 3"/>
-          <p:cNvSpPr>
-            <a:spLocks noGrp="1"/>
-          </p:cNvSpPr>
-          <p:nvPr>
-            <p:ph type="body" sz="half" idx="2" hasCustomPrompt="1"/>
-          </p:nvPr>
-        </p:nvSpPr>
-        <p:spPr>
-          <a:xfrm>
-            <a:off x="839788" y="2057400"/>
-            <a:ext cx="3932237" cy="3811588"/>
+            <a:endParaRPr lang="en-US"/>
+          </a:p>
+        </p:txBody>
+      </p:sp>
+      <p:sp>
+        <p:nvSpPr>
+          <p:cNvPr id="4" name="Text Placeholder 3"/>
+          <p:cNvSpPr>
+            <a:spLocks noGrp="1"/>
+          </p:cNvSpPr>
+          <p:nvPr>
+            <p:ph type="body" sz="half" idx="2"/>
+          </p:nvPr>
+        </p:nvSpPr>
+        <p:spPr>
+          <a:xfrm>
+            <a:off x="2389717" y="5367338"/>
+            <a:ext cx="7315200" cy="804862"/>
           </a:xfrm>
         </p:spPr>
         <p:txBody>
@@ -2607,54 +3562,54 @@
           <a:lstStyle>
             <a:lvl1pPr marL="0" indent="0">
               <a:buNone/>
-              <a:defRPr sz="1600"/>
+              <a:defRPr sz="1400"/>
             </a:lvl1pPr>
             <a:lvl2pPr marL="457200" indent="0">
               <a:buNone/>
-              <a:defRPr sz="1400"/>
+              <a:defRPr sz="1200"/>
             </a:lvl2pPr>
             <a:lvl3pPr marL="914400" indent="0">
               <a:buNone/>
-              <a:defRPr sz="1200"/>
+              <a:defRPr sz="1000"/>
             </a:lvl3pPr>
             <a:lvl4pPr marL="1371600" indent="0">
               <a:buNone/>
-              <a:defRPr sz="1000"/>
+              <a:defRPr sz="900"/>
             </a:lvl4pPr>
             <a:lvl5pPr marL="1828800" indent="0">
               <a:buNone/>
-              <a:defRPr sz="1000"/>
+              <a:defRPr sz="900"/>
             </a:lvl5pPr>
             <a:lvl6pPr marL="2286000" indent="0">
               <a:buNone/>
-              <a:defRPr sz="1000"/>
+              <a:defRPr sz="900"/>
             </a:lvl6pPr>
             <a:lvl7pPr marL="2743200" indent="0">
               <a:buNone/>
-              <a:defRPr sz="1000"/>
+              <a:defRPr sz="900"/>
             </a:lvl7pPr>
             <a:lvl8pPr marL="3200400" indent="0">
               <a:buNone/>
-              <a:defRPr sz="1000"/>
+              <a:defRPr sz="900"/>
             </a:lvl8pPr>
             <a:lvl9pPr marL="3657600" indent="0">
               <a:buNone/>
-              <a:defRPr sz="1000"/>
+              <a:defRPr sz="900"/>
             </a:lvl9pPr>
           </a:lstStyle>
           <a:p>
             <a:pPr lvl="0"/>
             <a:r>
-              <a:rPr lang="zh-CN" altLang="en-US"/>
-              <a:t>编辑母版文本样式</a:t>
-            </a:r>
-            <a:endParaRPr lang="zh-CN" altLang="en-US"/>
-          </a:p>
-        </p:txBody>
-      </p:sp>
-      <p:sp>
-        <p:nvSpPr>
-          <p:cNvPr id="5" name="日期占位符 4"/>
+              <a:rPr lang="en-US" smtClean="0"/>
+              <a:t>Click to edit Master text styles</a:t>
+            </a:r>
+            <a:endParaRPr lang="en-US" smtClean="0"/>
+          </a:p>
+        </p:txBody>
+      </p:sp>
+      <p:sp>
+        <p:nvSpPr>
+          <p:cNvPr id="5" name="Date Placeholder 4"/>
           <p:cNvSpPr>
             <a:spLocks noGrp="1"/>
           </p:cNvSpPr>
@@ -2667,16 +3622,16 @@
           <a:bodyPr/>
           <a:lstStyle/>
           <a:p>
-            <a:fld id="{16E9A678-BBB1-4DAE-A4A8-85C4F1D11E10}" type="datetimeFigureOut">
-              <a:rPr lang="zh-CN" altLang="en-US" smtClean="0"/>
+            <a:fld id="{5BCAD085-E8A6-8845-BD4E-CB4CCA059FC4}" type="datetimeFigureOut">
+              <a:rPr lang="en-US" smtClean="0"/>
             </a:fld>
-            <a:endParaRPr lang="zh-CN" altLang="en-US"/>
-          </a:p>
-        </p:txBody>
-      </p:sp>
-      <p:sp>
-        <p:nvSpPr>
-          <p:cNvPr id="6" name="页脚占位符 5"/>
+            <a:endParaRPr lang="en-US"/>
+          </a:p>
+        </p:txBody>
+      </p:sp>
+      <p:sp>
+        <p:nvSpPr>
+          <p:cNvPr id="6" name="Footer Placeholder 5"/>
           <p:cNvSpPr>
             <a:spLocks noGrp="1"/>
           </p:cNvSpPr>
@@ -2689,13 +3644,13 @@
           <a:bodyPr/>
           <a:lstStyle/>
           <a:p>
-            <a:endParaRPr lang="zh-CN" altLang="en-US"/>
-          </a:p>
-        </p:txBody>
-      </p:sp>
-      <p:sp>
-        <p:nvSpPr>
-          <p:cNvPr id="7" name="灯片编号占位符 6"/>
+            <a:endParaRPr lang="en-US"/>
+          </a:p>
+        </p:txBody>
+      </p:sp>
+      <p:sp>
+        <p:nvSpPr>
+          <p:cNvPr id="7" name="Slide Number Placeholder 6"/>
           <p:cNvSpPr>
             <a:spLocks noGrp="1"/>
           </p:cNvSpPr>
@@ -2708,13 +3663,68 @@
           <a:bodyPr/>
           <a:lstStyle/>
           <a:p>
-            <a:fld id="{032B40A8-2161-43AC-A6D2-65EE23344C4A}" type="slidenum">
-              <a:rPr lang="zh-CN" altLang="en-US" smtClean="0"/>
+            <a:fld id="{C1FF6DA9-008F-8B48-92A6-B652298478BF}" type="slidenum">
+              <a:rPr lang="en-US" smtClean="0"/>
             </a:fld>
-            <a:endParaRPr lang="zh-CN" altLang="en-US"/>
-          </a:p>
-        </p:txBody>
-      </p:sp>
+            <a:endParaRPr lang="en-US"/>
+          </a:p>
+        </p:txBody>
+      </p:sp>
+      <p:cxnSp>
+        <p:nvCxnSpPr>
+          <p:cNvPr id="11" name="直接连接符 10"/>
+          <p:cNvCxnSpPr/>
+          <p:nvPr userDrawn="1"/>
+        </p:nvCxnSpPr>
+        <p:spPr>
+          <a:xfrm>
+            <a:off x="315310" y="744220"/>
+            <a:ext cx="11581465" cy="0"/>
+          </a:xfrm>
+          <a:prstGeom prst="line">
+            <a:avLst/>
+          </a:prstGeom>
+          <a:ln w="19050">
+            <a:solidFill>
+              <a:schemeClr val="bg1">
+                <a:lumMod val="85000"/>
+              </a:schemeClr>
+            </a:solidFill>
+            <a:prstDash val="solid"/>
+            <a:miter/>
+          </a:ln>
+        </p:spPr>
+      </p:cxnSp>
+      <p:pic>
+        <p:nvPicPr>
+          <p:cNvPr id="8" name="图片 7" descr="图片包含 游戏机, 画&#10;&#10;描述已自动生成"/>
+          <p:cNvPicPr>
+            <a:picLocks noChangeAspect="1"/>
+          </p:cNvPicPr>
+          <p:nvPr userDrawn="1"/>
+        </p:nvPicPr>
+        <p:blipFill>
+          <a:blip r:embed="rId2">
+            <a:extLst>
+              <a:ext uri="{28A0092B-C50C-407E-A947-70E740481C1C}">
+                <a14:useLocalDpi xmlns:a14="http://schemas.microsoft.com/office/drawing/2010/main" val="0"/>
+              </a:ext>
+            </a:extLst>
+          </a:blip>
+          <a:stretch>
+            <a:fillRect/>
+          </a:stretch>
+        </p:blipFill>
+        <p:spPr>
+          <a:xfrm>
+            <a:off x="10697210" y="127635"/>
+            <a:ext cx="1104265" cy="490220"/>
+          </a:xfrm>
+          <a:prstGeom prst="rect">
+            <a:avLst/>
+          </a:prstGeom>
+        </p:spPr>
+      </p:pic>
     </p:spTree>
   </p:cSld>
   <p:clrMapOvr>
@@ -2747,7 +3757,7 @@
       </p:grpSpPr>
       <p:sp>
         <p:nvSpPr>
-          <p:cNvPr id="2" name="标题占位符 1"/>
+          <p:cNvPr id="2" name="Title Placeholder 1"/>
           <p:cNvSpPr>
             <a:spLocks noGrp="1"/>
           </p:cNvSpPr>
@@ -2757,8 +3767,8 @@
         </p:nvSpPr>
         <p:spPr>
           <a:xfrm>
-            <a:off x="838200" y="365125"/>
-            <a:ext cx="10515600" cy="1325563"/>
+            <a:off x="609600" y="274638"/>
+            <a:ext cx="10972800" cy="1143000"/>
           </a:xfrm>
           <a:prstGeom prst="rect">
             <a:avLst/>
@@ -2771,16 +3781,16 @@
           <a:lstStyle/>
           <a:p>
             <a:r>
-              <a:rPr lang="zh-CN" altLang="en-US"/>
-              <a:t>单击此处编辑母版标题样式</a:t>
-            </a:r>
-            <a:endParaRPr lang="zh-CN" altLang="en-US"/>
-          </a:p>
-        </p:txBody>
-      </p:sp>
-      <p:sp>
-        <p:nvSpPr>
-          <p:cNvPr id="3" name="文本占位符 2"/>
+              <a:rPr lang="en-US" smtClean="0"/>
+              <a:t>Click to edit Master title style</a:t>
+            </a:r>
+            <a:endParaRPr lang="en-US"/>
+          </a:p>
+        </p:txBody>
+      </p:sp>
+      <p:sp>
+        <p:nvSpPr>
+          <p:cNvPr id="3" name="Text Placeholder 2"/>
           <p:cNvSpPr>
             <a:spLocks noGrp="1"/>
           </p:cNvSpPr>
@@ -2790,8 +3800,8 @@
         </p:nvSpPr>
         <p:spPr>
           <a:xfrm>
-            <a:off x="838200" y="1825625"/>
-            <a:ext cx="10515600" cy="4351338"/>
+            <a:off x="609600" y="1600200"/>
+            <a:ext cx="10972800" cy="4525963"/>
           </a:xfrm>
           <a:prstGeom prst="rect">
             <a:avLst/>
@@ -2805,48 +3815,48 @@
           <a:p>
             <a:pPr lvl="0"/>
             <a:r>
-              <a:rPr lang="zh-CN" altLang="en-US"/>
-              <a:t>编辑母版文本样式</a:t>
-            </a:r>
-            <a:endParaRPr lang="zh-CN" altLang="en-US"/>
+              <a:rPr lang="en-US" smtClean="0"/>
+              <a:t>Click to edit Master text styles</a:t>
+            </a:r>
+            <a:endParaRPr lang="en-US" smtClean="0"/>
           </a:p>
           <a:p>
             <a:pPr lvl="1"/>
             <a:r>
-              <a:rPr lang="zh-CN" altLang="en-US"/>
-              <a:t>第二级</a:t>
-            </a:r>
-            <a:endParaRPr lang="zh-CN" altLang="en-US"/>
+              <a:rPr lang="en-US" smtClean="0"/>
+              <a:t>Second level</a:t>
+            </a:r>
+            <a:endParaRPr lang="en-US" smtClean="0"/>
           </a:p>
           <a:p>
             <a:pPr lvl="2"/>
             <a:r>
-              <a:rPr lang="zh-CN" altLang="en-US"/>
-              <a:t>第三级</a:t>
-            </a:r>
-            <a:endParaRPr lang="zh-CN" altLang="en-US"/>
+              <a:rPr lang="en-US" smtClean="0"/>
+              <a:t>Third level</a:t>
+            </a:r>
+            <a:endParaRPr lang="en-US" smtClean="0"/>
           </a:p>
           <a:p>
             <a:pPr lvl="3"/>
             <a:r>
-              <a:rPr lang="zh-CN" altLang="en-US"/>
-              <a:t>第四级</a:t>
-            </a:r>
-            <a:endParaRPr lang="zh-CN" altLang="en-US"/>
+              <a:rPr lang="en-US" smtClean="0"/>
+              <a:t>Fourth level</a:t>
+            </a:r>
+            <a:endParaRPr lang="en-US" smtClean="0"/>
           </a:p>
           <a:p>
             <a:pPr lvl="4"/>
             <a:r>
-              <a:rPr lang="zh-CN" altLang="en-US"/>
-              <a:t>第五级</a:t>
-            </a:r>
-            <a:endParaRPr lang="zh-CN" altLang="en-US"/>
-          </a:p>
-        </p:txBody>
-      </p:sp>
-      <p:sp>
-        <p:nvSpPr>
-          <p:cNvPr id="4" name="日期占位符 3"/>
+              <a:rPr lang="en-US" smtClean="0"/>
+              <a:t>Fifth level</a:t>
+            </a:r>
+            <a:endParaRPr lang="en-US"/>
+          </a:p>
+        </p:txBody>
+      </p:sp>
+      <p:sp>
+        <p:nvSpPr>
+          <p:cNvPr id="4" name="Date Placeholder 3"/>
           <p:cNvSpPr>
             <a:spLocks noGrp="1"/>
           </p:cNvSpPr>
@@ -2856,8 +3866,8 @@
         </p:nvSpPr>
         <p:spPr>
           <a:xfrm>
-            <a:off x="838200" y="6356350"/>
-            <a:ext cx="2743200" cy="365125"/>
+            <a:off x="609600" y="6356350"/>
+            <a:ext cx="2844800" cy="365125"/>
           </a:xfrm>
           <a:prstGeom prst="rect">
             <a:avLst/>
@@ -2877,16 +3887,16 @@
             </a:lvl1pPr>
           </a:lstStyle>
           <a:p>
-            <a:fld id="{16E9A678-BBB1-4DAE-A4A8-85C4F1D11E10}" type="datetimeFigureOut">
-              <a:rPr lang="zh-CN" altLang="en-US" smtClean="0"/>
+            <a:fld id="{5BCAD085-E8A6-8845-BD4E-CB4CCA059FC4}" type="datetimeFigureOut">
+              <a:rPr lang="en-US" smtClean="0"/>
             </a:fld>
-            <a:endParaRPr lang="zh-CN" altLang="en-US"/>
-          </a:p>
-        </p:txBody>
-      </p:sp>
-      <p:sp>
-        <p:nvSpPr>
-          <p:cNvPr id="5" name="页脚占位符 4"/>
+            <a:endParaRPr lang="en-US"/>
+          </a:p>
+        </p:txBody>
+      </p:sp>
+      <p:sp>
+        <p:nvSpPr>
+          <p:cNvPr id="5" name="Footer Placeholder 4"/>
           <p:cNvSpPr>
             <a:spLocks noGrp="1"/>
           </p:cNvSpPr>
@@ -2896,8 +3906,8 @@
         </p:nvSpPr>
         <p:spPr>
           <a:xfrm>
-            <a:off x="4038600" y="6356350"/>
-            <a:ext cx="4114800" cy="365125"/>
+            <a:off x="4165600" y="6356350"/>
+            <a:ext cx="3860800" cy="365125"/>
           </a:xfrm>
           <a:prstGeom prst="rect">
             <a:avLst/>
@@ -2917,13 +3927,13 @@
             </a:lvl1pPr>
           </a:lstStyle>
           <a:p>
-            <a:endParaRPr lang="zh-CN" altLang="en-US"/>
-          </a:p>
-        </p:txBody>
-      </p:sp>
-      <p:sp>
-        <p:nvSpPr>
-          <p:cNvPr id="6" name="灯片编号占位符 5"/>
+            <a:endParaRPr lang="en-US"/>
+          </a:p>
+        </p:txBody>
+      </p:sp>
+      <p:sp>
+        <p:nvSpPr>
+          <p:cNvPr id="6" name="Slide Number Placeholder 5"/>
           <p:cNvSpPr>
             <a:spLocks noGrp="1"/>
           </p:cNvSpPr>
@@ -2933,8 +3943,8 @@
         </p:nvSpPr>
         <p:spPr>
           <a:xfrm>
-            <a:off x="8610600" y="6356350"/>
-            <a:ext cx="2743200" cy="365125"/>
+            <a:off x="8737600" y="6356350"/>
+            <a:ext cx="2844800" cy="365125"/>
           </a:xfrm>
           <a:prstGeom prst="rect">
             <a:avLst/>
@@ -2954,10 +3964,10 @@
             </a:lvl1pPr>
           </a:lstStyle>
           <a:p>
-            <a:fld id="{032B40A8-2161-43AC-A6D2-65EE23344C4A}" type="slidenum">
-              <a:rPr lang="zh-CN" altLang="en-US" smtClean="0"/>
+            <a:fld id="{C1FF6DA9-008F-8B48-92A6-B652298478BF}" type="slidenum">
+              <a:rPr lang="en-US" smtClean="0"/>
             </a:fld>
-            <a:endParaRPr lang="zh-CN" altLang="en-US"/>
+            <a:endParaRPr lang="en-US"/>
           </a:p>
         </p:txBody>
       </p:sp>
@@ -2979,10 +3989,7 @@
   </p:sldLayoutIdLst>
   <p:txStyles>
     <p:titleStyle>
-      <a:lvl1pPr algn="l" defTabSz="914400" rtl="0" eaLnBrk="1" latinLnBrk="0" hangingPunct="1">
-        <a:lnSpc>
-          <a:spcPct val="90000"/>
-        </a:lnSpc>
+      <a:lvl1pPr algn="ctr" defTabSz="457200" rtl="0" eaLnBrk="1" latinLnBrk="0" hangingPunct="1">
         <a:spcBef>
           <a:spcPct val="0"/>
         </a:spcBef>
@@ -2991,57 +3998,93 @@
           <a:solidFill>
             <a:schemeClr val="tx1"/>
           </a:solidFill>
-          <a:latin typeface="+mj-lt"/>
-          <a:ea typeface="+mj-ea"/>
+          <a:latin typeface="微软雅黑" panose="020B0503020204020204" charset="-122"/>
+          <a:ea typeface="微软雅黑" panose="020B0503020204020204" charset="-122"/>
           <a:cs typeface="+mj-cs"/>
         </a:defRPr>
       </a:lvl1pPr>
     </p:titleStyle>
     <p:bodyStyle>
-      <a:lvl1pPr marL="228600" indent="-228600" algn="l" defTabSz="914400" rtl="0" eaLnBrk="1" latinLnBrk="0" hangingPunct="1">
-        <a:lnSpc>
-          <a:spcPct val="90000"/>
-        </a:lnSpc>
+      <a:lvl1pPr marL="342900" indent="-342900" algn="l" defTabSz="457200" rtl="0" eaLnBrk="1" latinLnBrk="0" hangingPunct="1">
         <a:spcBef>
-          <a:spcPts val="1000"/>
+          <a:spcPct val="20000"/>
         </a:spcBef>
-        <a:buFont typeface="Arial" panose="020B0604020202090204" pitchFamily="34" charset="0"/>
+        <a:buFont typeface="Arial" panose="020B0604020202090204"/>
         <a:buChar char="•"/>
+        <a:defRPr sz="3200" kern="1200">
+          <a:solidFill>
+            <a:schemeClr val="tx1"/>
+          </a:solidFill>
+          <a:latin typeface="微软雅黑" panose="020B0503020204020204" charset="-122"/>
+          <a:ea typeface="微软雅黑" panose="020B0503020204020204" charset="-122"/>
+          <a:cs typeface="+mn-cs"/>
+        </a:defRPr>
+      </a:lvl1pPr>
+      <a:lvl2pPr marL="742950" indent="-285750" algn="l" defTabSz="457200" rtl="0" eaLnBrk="1" latinLnBrk="0" hangingPunct="1">
+        <a:spcBef>
+          <a:spcPct val="20000"/>
+        </a:spcBef>
+        <a:buFont typeface="Arial" panose="020B0604020202090204"/>
+        <a:buChar char="–"/>
         <a:defRPr sz="2800" kern="1200">
           <a:solidFill>
             <a:schemeClr val="tx1"/>
           </a:solidFill>
-          <a:latin typeface="+mn-lt"/>
-          <a:ea typeface="+mn-ea"/>
+          <a:latin typeface="微软雅黑" panose="020B0503020204020204" charset="-122"/>
+          <a:ea typeface="微软雅黑" panose="020B0503020204020204" charset="-122"/>
           <a:cs typeface="+mn-cs"/>
         </a:defRPr>
-      </a:lvl1pPr>
-      <a:lvl2pPr marL="685800" indent="-228600" algn="l" defTabSz="914400" rtl="0" eaLnBrk="1" latinLnBrk="0" hangingPunct="1">
-        <a:lnSpc>
-          <a:spcPct val="90000"/>
-        </a:lnSpc>
+      </a:lvl2pPr>
+      <a:lvl3pPr marL="1143000" indent="-228600" algn="l" defTabSz="457200" rtl="0" eaLnBrk="1" latinLnBrk="0" hangingPunct="1">
         <a:spcBef>
-          <a:spcPts val="500"/>
+          <a:spcPct val="20000"/>
         </a:spcBef>
-        <a:buFont typeface="Arial" panose="020B0604020202090204" pitchFamily="34" charset="0"/>
+        <a:buFont typeface="Arial" panose="020B0604020202090204"/>
         <a:buChar char="•"/>
         <a:defRPr sz="2400" kern="1200">
           <a:solidFill>
             <a:schemeClr val="tx1"/>
           </a:solidFill>
-          <a:latin typeface="+mn-lt"/>
-          <a:ea typeface="+mn-ea"/>
+          <a:latin typeface="微软雅黑" panose="020B0503020204020204" charset="-122"/>
+          <a:ea typeface="微软雅黑" panose="020B0503020204020204" charset="-122"/>
           <a:cs typeface="+mn-cs"/>
         </a:defRPr>
-      </a:lvl2pPr>
-      <a:lvl3pPr marL="1143000" indent="-228600" algn="l" defTabSz="914400" rtl="0" eaLnBrk="1" latinLnBrk="0" hangingPunct="1">
-        <a:lnSpc>
-          <a:spcPct val="90000"/>
-        </a:lnSpc>
+      </a:lvl3pPr>
+      <a:lvl4pPr marL="1600200" indent="-228600" algn="l" defTabSz="457200" rtl="0" eaLnBrk="1" latinLnBrk="0" hangingPunct="1">
         <a:spcBef>
-          <a:spcPts val="500"/>
+          <a:spcPct val="20000"/>
         </a:spcBef>
-        <a:buFont typeface="Arial" panose="020B0604020202090204" pitchFamily="34" charset="0"/>
+        <a:buFont typeface="Arial" panose="020B0604020202090204"/>
+        <a:buChar char="–"/>
+        <a:defRPr sz="2000" kern="1200">
+          <a:solidFill>
+            <a:schemeClr val="tx1"/>
+          </a:solidFill>
+          <a:latin typeface="微软雅黑" panose="020B0503020204020204" charset="-122"/>
+          <a:ea typeface="微软雅黑" panose="020B0503020204020204" charset="-122"/>
+          <a:cs typeface="+mn-cs"/>
+        </a:defRPr>
+      </a:lvl4pPr>
+      <a:lvl5pPr marL="2057400" indent="-228600" algn="l" defTabSz="457200" rtl="0" eaLnBrk="1" latinLnBrk="0" hangingPunct="1">
+        <a:spcBef>
+          <a:spcPct val="20000"/>
+        </a:spcBef>
+        <a:buFont typeface="Arial" panose="020B0604020202090204"/>
+        <a:buChar char="»"/>
+        <a:defRPr sz="2000" kern="1200">
+          <a:solidFill>
+            <a:schemeClr val="tx1"/>
+          </a:solidFill>
+          <a:latin typeface="微软雅黑" panose="020B0503020204020204" charset="-122"/>
+          <a:ea typeface="微软雅黑" panose="020B0503020204020204" charset="-122"/>
+          <a:cs typeface="+mn-cs"/>
+        </a:defRPr>
+      </a:lvl5pPr>
+      <a:lvl6pPr marL="2514600" indent="-228600" algn="l" defTabSz="457200" rtl="0" eaLnBrk="1" latinLnBrk="0" hangingPunct="1">
+        <a:spcBef>
+          <a:spcPct val="20000"/>
+        </a:spcBef>
+        <a:buFont typeface="Arial" panose="020B0604020202090204"/>
         <a:buChar char="•"/>
         <a:defRPr sz="2000" kern="1200">
           <a:solidFill>
@@ -3051,71 +4094,14 @@
           <a:ea typeface="+mn-ea"/>
           <a:cs typeface="+mn-cs"/>
         </a:defRPr>
-      </a:lvl3pPr>
-      <a:lvl4pPr marL="1600200" indent="-228600" algn="l" defTabSz="914400" rtl="0" eaLnBrk="1" latinLnBrk="0" hangingPunct="1">
-        <a:lnSpc>
-          <a:spcPct val="90000"/>
-        </a:lnSpc>
+      </a:lvl6pPr>
+      <a:lvl7pPr marL="2971800" indent="-228600" algn="l" defTabSz="457200" rtl="0" eaLnBrk="1" latinLnBrk="0" hangingPunct="1">
         <a:spcBef>
-          <a:spcPts val="500"/>
+          <a:spcPct val="20000"/>
         </a:spcBef>
-        <a:buFont typeface="Arial" panose="020B0604020202090204" pitchFamily="34" charset="0"/>
+        <a:buFont typeface="Arial" panose="020B0604020202090204"/>
         <a:buChar char="•"/>
-        <a:defRPr sz="1800" kern="1200">
-          <a:solidFill>
-            <a:schemeClr val="tx1"/>
-          </a:solidFill>
-          <a:latin typeface="+mn-lt"/>
-          <a:ea typeface="+mn-ea"/>
-          <a:cs typeface="+mn-cs"/>
-        </a:defRPr>
-      </a:lvl4pPr>
-      <a:lvl5pPr marL="2057400" indent="-228600" algn="l" defTabSz="914400" rtl="0" eaLnBrk="1" latinLnBrk="0" hangingPunct="1">
-        <a:lnSpc>
-          <a:spcPct val="90000"/>
-        </a:lnSpc>
-        <a:spcBef>
-          <a:spcPts val="500"/>
-        </a:spcBef>
-        <a:buFont typeface="Arial" panose="020B0604020202090204" pitchFamily="34" charset="0"/>
-        <a:buChar char="•"/>
-        <a:defRPr sz="1800" kern="1200">
-          <a:solidFill>
-            <a:schemeClr val="tx1"/>
-          </a:solidFill>
-          <a:latin typeface="+mn-lt"/>
-          <a:ea typeface="+mn-ea"/>
-          <a:cs typeface="+mn-cs"/>
-        </a:defRPr>
-      </a:lvl5pPr>
-      <a:lvl6pPr marL="2514600" indent="-228600" algn="l" defTabSz="914400" rtl="0" eaLnBrk="1" latinLnBrk="0" hangingPunct="1">
-        <a:lnSpc>
-          <a:spcPct val="90000"/>
-        </a:lnSpc>
-        <a:spcBef>
-          <a:spcPts val="500"/>
-        </a:spcBef>
-        <a:buFont typeface="Arial" panose="020B0604020202090204" pitchFamily="34" charset="0"/>
-        <a:buChar char="•"/>
-        <a:defRPr sz="1800" kern="1200">
-          <a:solidFill>
-            <a:schemeClr val="tx1"/>
-          </a:solidFill>
-          <a:latin typeface="+mn-lt"/>
-          <a:ea typeface="+mn-ea"/>
-          <a:cs typeface="+mn-cs"/>
-        </a:defRPr>
-      </a:lvl6pPr>
-      <a:lvl7pPr marL="2971800" indent="-228600" algn="l" defTabSz="914400" rtl="0" eaLnBrk="1" latinLnBrk="0" hangingPunct="1">
-        <a:lnSpc>
-          <a:spcPct val="90000"/>
-        </a:lnSpc>
-        <a:spcBef>
-          <a:spcPts val="500"/>
-        </a:spcBef>
-        <a:buFont typeface="Arial" panose="020B0604020202090204" pitchFamily="34" charset="0"/>
-        <a:buChar char="•"/>
-        <a:defRPr sz="1800" kern="1200">
+        <a:defRPr sz="2000" kern="1200">
           <a:solidFill>
             <a:schemeClr val="tx1"/>
           </a:solidFill>
@@ -3124,16 +4110,13 @@
           <a:cs typeface="+mn-cs"/>
         </a:defRPr>
       </a:lvl7pPr>
-      <a:lvl8pPr marL="3429000" indent="-228600" algn="l" defTabSz="914400" rtl="0" eaLnBrk="1" latinLnBrk="0" hangingPunct="1">
-        <a:lnSpc>
-          <a:spcPct val="90000"/>
-        </a:lnSpc>
+      <a:lvl8pPr marL="3429000" indent="-228600" algn="l" defTabSz="457200" rtl="0" eaLnBrk="1" latinLnBrk="0" hangingPunct="1">
         <a:spcBef>
-          <a:spcPts val="500"/>
+          <a:spcPct val="20000"/>
         </a:spcBef>
-        <a:buFont typeface="Arial" panose="020B0604020202090204" pitchFamily="34" charset="0"/>
+        <a:buFont typeface="Arial" panose="020B0604020202090204"/>
         <a:buChar char="•"/>
-        <a:defRPr sz="1800" kern="1200">
+        <a:defRPr sz="2000" kern="1200">
           <a:solidFill>
             <a:schemeClr val="tx1"/>
           </a:solidFill>
@@ -3142,16 +4125,13 @@
           <a:cs typeface="+mn-cs"/>
         </a:defRPr>
       </a:lvl8pPr>
-      <a:lvl9pPr marL="3886200" indent="-228600" algn="l" defTabSz="914400" rtl="0" eaLnBrk="1" latinLnBrk="0" hangingPunct="1">
-        <a:lnSpc>
-          <a:spcPct val="90000"/>
-        </a:lnSpc>
+      <a:lvl9pPr marL="3886200" indent="-228600" algn="l" defTabSz="457200" rtl="0" eaLnBrk="1" latinLnBrk="0" hangingPunct="1">
         <a:spcBef>
-          <a:spcPts val="500"/>
+          <a:spcPct val="20000"/>
         </a:spcBef>
-        <a:buFont typeface="Arial" panose="020B0604020202090204" pitchFamily="34" charset="0"/>
+        <a:buFont typeface="Arial" panose="020B0604020202090204"/>
         <a:buChar char="•"/>
-        <a:defRPr sz="1800" kern="1200">
+        <a:defRPr sz="2000" kern="1200">
           <a:solidFill>
             <a:schemeClr val="tx1"/>
           </a:solidFill>
@@ -3163,9 +4143,9 @@
     </p:bodyStyle>
     <p:otherStyle>
       <a:defPPr>
-        <a:defRPr lang="zh-CN"/>
+        <a:defRPr lang="en-US"/>
       </a:defPPr>
-      <a:lvl1pPr marL="0" algn="l" defTabSz="914400" rtl="0" eaLnBrk="1" latinLnBrk="0" hangingPunct="1">
+      <a:lvl1pPr marL="0" algn="l" defTabSz="457200" rtl="0" eaLnBrk="1" latinLnBrk="0" hangingPunct="1">
         <a:defRPr sz="1800" kern="1200">
           <a:solidFill>
             <a:schemeClr val="tx1"/>
@@ -3175,7 +4155,7 @@
           <a:cs typeface="+mn-cs"/>
         </a:defRPr>
       </a:lvl1pPr>
-      <a:lvl2pPr marL="457200" algn="l" defTabSz="914400" rtl="0" eaLnBrk="1" latinLnBrk="0" hangingPunct="1">
+      <a:lvl2pPr marL="457200" algn="l" defTabSz="457200" rtl="0" eaLnBrk="1" latinLnBrk="0" hangingPunct="1">
         <a:defRPr sz="1800" kern="1200">
           <a:solidFill>
             <a:schemeClr val="tx1"/>
@@ -3185,7 +4165,7 @@
           <a:cs typeface="+mn-cs"/>
         </a:defRPr>
       </a:lvl2pPr>
-      <a:lvl3pPr marL="914400" algn="l" defTabSz="914400" rtl="0" eaLnBrk="1" latinLnBrk="0" hangingPunct="1">
+      <a:lvl3pPr marL="914400" algn="l" defTabSz="457200" rtl="0" eaLnBrk="1" latinLnBrk="0" hangingPunct="1">
         <a:defRPr sz="1800" kern="1200">
           <a:solidFill>
             <a:schemeClr val="tx1"/>
@@ -3195,7 +4175,7 @@
           <a:cs typeface="+mn-cs"/>
         </a:defRPr>
       </a:lvl3pPr>
-      <a:lvl4pPr marL="1371600" algn="l" defTabSz="914400" rtl="0" eaLnBrk="1" latinLnBrk="0" hangingPunct="1">
+      <a:lvl4pPr marL="1371600" algn="l" defTabSz="457200" rtl="0" eaLnBrk="1" latinLnBrk="0" hangingPunct="1">
         <a:defRPr sz="1800" kern="1200">
           <a:solidFill>
             <a:schemeClr val="tx1"/>
@@ -3205,7 +4185,7 @@
           <a:cs typeface="+mn-cs"/>
         </a:defRPr>
       </a:lvl4pPr>
-      <a:lvl5pPr marL="1828800" algn="l" defTabSz="914400" rtl="0" eaLnBrk="1" latinLnBrk="0" hangingPunct="1">
+      <a:lvl5pPr marL="1828800" algn="l" defTabSz="457200" rtl="0" eaLnBrk="1" latinLnBrk="0" hangingPunct="1">
         <a:defRPr sz="1800" kern="1200">
           <a:solidFill>
             <a:schemeClr val="tx1"/>
@@ -3215,7 +4195,7 @@
           <a:cs typeface="+mn-cs"/>
         </a:defRPr>
       </a:lvl5pPr>
-      <a:lvl6pPr marL="2286000" algn="l" defTabSz="914400" rtl="0" eaLnBrk="1" latinLnBrk="0" hangingPunct="1">
+      <a:lvl6pPr marL="2286000" algn="l" defTabSz="457200" rtl="0" eaLnBrk="1" latinLnBrk="0" hangingPunct="1">
         <a:defRPr sz="1800" kern="1200">
           <a:solidFill>
             <a:schemeClr val="tx1"/>
@@ -3225,7 +4205,7 @@
           <a:cs typeface="+mn-cs"/>
         </a:defRPr>
       </a:lvl6pPr>
-      <a:lvl7pPr marL="2743200" algn="l" defTabSz="914400" rtl="0" eaLnBrk="1" latinLnBrk="0" hangingPunct="1">
+      <a:lvl7pPr marL="2743200" algn="l" defTabSz="457200" rtl="0" eaLnBrk="1" latinLnBrk="0" hangingPunct="1">
         <a:defRPr sz="1800" kern="1200">
           <a:solidFill>
             <a:schemeClr val="tx1"/>
@@ -3235,7 +4215,7 @@
           <a:cs typeface="+mn-cs"/>
         </a:defRPr>
       </a:lvl7pPr>
-      <a:lvl8pPr marL="3200400" algn="l" defTabSz="914400" rtl="0" eaLnBrk="1" latinLnBrk="0" hangingPunct="1">
+      <a:lvl8pPr marL="3200400" algn="l" defTabSz="457200" rtl="0" eaLnBrk="1" latinLnBrk="0" hangingPunct="1">
         <a:defRPr sz="1800" kern="1200">
           <a:solidFill>
             <a:schemeClr val="tx1"/>
@@ -3245,7 +4225,7 @@
           <a:cs typeface="+mn-cs"/>
         </a:defRPr>
       </a:lvl8pPr>
-      <a:lvl9pPr marL="3657600" algn="l" defTabSz="914400" rtl="0" eaLnBrk="1" latinLnBrk="0" hangingPunct="1">
+      <a:lvl9pPr marL="3657600" algn="l" defTabSz="457200" rtl="0" eaLnBrk="1" latinLnBrk="0" hangingPunct="1">
         <a:defRPr sz="1800" kern="1200">
           <a:solidFill>
             <a:schemeClr val="tx1"/>
@@ -3260,14 +4240,8 @@
 </p:sldMaster>
 </file>
 
-<file path=ppt/tags/tag1.xml><?xml version="1.0" encoding="utf-8"?>
-<p:tagLst xmlns:p="http://schemas.openxmlformats.org/presentationml/2006/main">
-  <p:tag name="ISLIDE.GUIDESSETTING" val="{&quot;Id&quot;:&quot;GuidesStyle_None&quot;,&quot;Name&quot;:&quot;无&quot;,&quot;HeaderHeight&quot;:0.0,&quot;FooterHeight&quot;:0.0,&quot;SideMargin&quot;:0.0,&quot;TopMargin&quot;:0.0,&quot;BottomMargin&quot;:0.0,&quot;IntervalMargin&quot;:0.0,&quot;SettingType&quot;:&quot;System&quot;}"/>
-</p:tagLst>
-</file>
-
 <file path=ppt/theme/theme1.xml><?xml version="1.0" encoding="utf-8"?>
-<a:theme xmlns:a="http://schemas.openxmlformats.org/drawingml/2006/main" name="Office 主题​​">
+<a:theme xmlns:a="http://schemas.openxmlformats.org/drawingml/2006/main" name="Office Theme">
   <a:themeElements>
     <a:clrScheme name="Office">
       <a:dk1>
@@ -3277,243 +4251,44 @@
         <a:sysClr val="window" lastClr="FFFFFF"/>
       </a:lt1>
       <a:dk2>
-        <a:srgbClr val="44546A"/>
+        <a:srgbClr val="1F497D"/>
       </a:dk2>
       <a:lt2>
-        <a:srgbClr val="E7E6E6"/>
+        <a:srgbClr val="EEECE1"/>
       </a:lt2>
       <a:accent1>
-        <a:srgbClr val="4472C4"/>
+        <a:srgbClr val="4F81BD"/>
       </a:accent1>
       <a:accent2>
-        <a:srgbClr val="ED7D31"/>
+        <a:srgbClr val="C0504D"/>
       </a:accent2>
       <a:accent3>
-        <a:srgbClr val="A5A5A5"/>
+        <a:srgbClr val="9BBB59"/>
       </a:accent3>
       <a:accent4>
-        <a:srgbClr val="FFC000"/>
+        <a:srgbClr val="8064A2"/>
       </a:accent4>
       <a:accent5>
-        <a:srgbClr val="5B9BD5"/>
+        <a:srgbClr val="4BACC6"/>
       </a:accent5>
       <a:accent6>
-        <a:srgbClr val="70AD47"/>
+        <a:srgbClr val="F79646"/>
       </a:accent6>
       <a:hlink>
-        <a:srgbClr val="0563C1"/>
+        <a:srgbClr val="0000FF"/>
       </a:hlink>
       <a:folHlink>
-        <a:srgbClr val="954F72"/>
-      </a:folHlink>
-    </a:clrScheme>
-    <a:fontScheme name="cyjtn2en">
-      <a:majorFont>
-        <a:latin typeface="Myriad Pro"/>
-        <a:ea typeface="Source Han Sans TC"/>
-        <a:cs typeface=""/>
-      </a:majorFont>
-      <a:minorFont>
-        <a:latin typeface="Myriad Pro"/>
-        <a:ea typeface="Source Han Sans TC"/>
-        <a:cs typeface=""/>
-      </a:minorFont>
-    </a:fontScheme>
-    <a:fmtScheme name="Office">
-      <a:fillStyleLst>
-        <a:solidFill>
-          <a:schemeClr val="phClr"/>
-        </a:solidFill>
-        <a:gradFill rotWithShape="1">
-          <a:gsLst>
-            <a:gs pos="0">
-              <a:schemeClr val="phClr">
-                <a:lumMod val="110000"/>
-                <a:satMod val="105000"/>
-                <a:tint val="67000"/>
-              </a:schemeClr>
-            </a:gs>
-            <a:gs pos="50000">
-              <a:schemeClr val="phClr">
-                <a:lumMod val="105000"/>
-                <a:satMod val="103000"/>
-                <a:tint val="73000"/>
-              </a:schemeClr>
-            </a:gs>
-            <a:gs pos="100000">
-              <a:schemeClr val="phClr">
-                <a:lumMod val="105000"/>
-                <a:satMod val="109000"/>
-                <a:tint val="81000"/>
-              </a:schemeClr>
-            </a:gs>
-          </a:gsLst>
-          <a:lin ang="5400000" scaled="0"/>
-        </a:gradFill>
-        <a:gradFill rotWithShape="1">
-          <a:gsLst>
-            <a:gs pos="0">
-              <a:schemeClr val="phClr">
-                <a:satMod val="103000"/>
-                <a:lumMod val="102000"/>
-                <a:tint val="94000"/>
-              </a:schemeClr>
-            </a:gs>
-            <a:gs pos="50000">
-              <a:schemeClr val="phClr">
-                <a:satMod val="110000"/>
-                <a:lumMod val="100000"/>
-                <a:shade val="100000"/>
-              </a:schemeClr>
-            </a:gs>
-            <a:gs pos="100000">
-              <a:schemeClr val="phClr">
-                <a:lumMod val="99000"/>
-                <a:satMod val="120000"/>
-                <a:shade val="78000"/>
-              </a:schemeClr>
-            </a:gs>
-          </a:gsLst>
-          <a:lin ang="5400000" scaled="0"/>
-        </a:gradFill>
-      </a:fillStyleLst>
-      <a:lnStyleLst>
-        <a:ln w="6350" cap="flat" cmpd="sng" algn="ctr">
-          <a:solidFill>
-            <a:schemeClr val="phClr"/>
-          </a:solidFill>
-          <a:prstDash val="solid"/>
-          <a:miter lim="800000"/>
-        </a:ln>
-        <a:ln w="12700" cap="flat" cmpd="sng" algn="ctr">
-          <a:solidFill>
-            <a:schemeClr val="phClr"/>
-          </a:solidFill>
-          <a:prstDash val="solid"/>
-          <a:miter lim="800000"/>
-        </a:ln>
-        <a:ln w="19050" cap="flat" cmpd="sng" algn="ctr">
-          <a:solidFill>
-            <a:schemeClr val="phClr"/>
-          </a:solidFill>
-          <a:prstDash val="solid"/>
-          <a:miter lim="800000"/>
-        </a:ln>
-      </a:lnStyleLst>
-      <a:effectStyleLst>
-        <a:effectStyle>
-          <a:effectLst/>
-        </a:effectStyle>
-        <a:effectStyle>
-          <a:effectLst/>
-        </a:effectStyle>
-        <a:effectStyle>
-          <a:effectLst>
-            <a:outerShdw blurRad="57150" dist="19050" dir="5400000" algn="ctr" rotWithShape="0">
-              <a:srgbClr val="000000">
-                <a:alpha val="63000"/>
-              </a:srgbClr>
-            </a:outerShdw>
-          </a:effectLst>
-        </a:effectStyle>
-      </a:effectStyleLst>
-      <a:bgFillStyleLst>
-        <a:solidFill>
-          <a:schemeClr val="phClr"/>
-        </a:solidFill>
-        <a:solidFill>
-          <a:schemeClr val="phClr">
-            <a:tint val="95000"/>
-            <a:satMod val="170000"/>
-          </a:schemeClr>
-        </a:solidFill>
-        <a:gradFill rotWithShape="1">
-          <a:gsLst>
-            <a:gs pos="0">
-              <a:schemeClr val="phClr">
-                <a:tint val="93000"/>
-                <a:satMod val="150000"/>
-                <a:shade val="98000"/>
-                <a:lumMod val="102000"/>
-              </a:schemeClr>
-            </a:gs>
-            <a:gs pos="50000">
-              <a:schemeClr val="phClr">
-                <a:tint val="98000"/>
-                <a:satMod val="130000"/>
-                <a:shade val="90000"/>
-                <a:lumMod val="103000"/>
-              </a:schemeClr>
-            </a:gs>
-            <a:gs pos="100000">
-              <a:schemeClr val="phClr">
-                <a:shade val="63000"/>
-                <a:satMod val="120000"/>
-              </a:schemeClr>
-            </a:gs>
-          </a:gsLst>
-          <a:lin ang="5400000" scaled="0"/>
-        </a:gradFill>
-      </a:bgFillStyleLst>
-    </a:fmtScheme>
-  </a:themeElements>
-  <a:extLst>
-    <a:ext uri="{05A4C25C-085E-4340-85A3-A5531E510DB2}">
-      <thm15:themeFamily xmlns:thm15="http://schemas.microsoft.com/office/thememl/2012/main" name="Office Theme" id="{62F939B6-93AF-4DB8-9C6B-D6C7DFDC589F}" vid="{4A3C46E8-61CC-4603-A589-7422A47A8E4A}"/>
-    </a:ext>
-  </a:extLst>
-</a:theme>
-</file>
-
-<file path=ppt/theme/theme2.xml><?xml version="1.0" encoding="utf-8"?>
-<a:theme xmlns:a="http://schemas.openxmlformats.org/drawingml/2006/main" name="Office 主题​​">
-  <a:themeElements>
-    <a:clrScheme name="Office">
-      <a:dk1>
-        <a:sysClr val="windowText" lastClr="000000"/>
-      </a:dk1>
-      <a:lt1>
-        <a:sysClr val="window" lastClr="FFFFFF"/>
-      </a:lt1>
-      <a:dk2>
-        <a:srgbClr val="44546A"/>
-      </a:dk2>
-      <a:lt2>
-        <a:srgbClr val="E7E6E6"/>
-      </a:lt2>
-      <a:accent1>
-        <a:srgbClr val="4472C4"/>
-      </a:accent1>
-      <a:accent2>
-        <a:srgbClr val="ED7D31"/>
-      </a:accent2>
-      <a:accent3>
-        <a:srgbClr val="A5A5A5"/>
-      </a:accent3>
-      <a:accent4>
-        <a:srgbClr val="FFC000"/>
-      </a:accent4>
-      <a:accent5>
-        <a:srgbClr val="5B9BD5"/>
-      </a:accent5>
-      <a:accent6>
-        <a:srgbClr val="70AD47"/>
-      </a:accent6>
-      <a:hlink>
-        <a:srgbClr val="0563C1"/>
-      </a:hlink>
-      <a:folHlink>
-        <a:srgbClr val="954F72"/>
+        <a:srgbClr val="800080"/>
       </a:folHlink>
     </a:clrScheme>
     <a:fontScheme name="Office">
       <a:majorFont>
-        <a:latin typeface="等线 Light"/>
+        <a:latin typeface="Calibri"/>
         <a:ea typeface=""/>
         <a:cs typeface=""/>
-        <a:font script="Jpan" typeface="游ゴシック Light"/>
+        <a:font script="Jpan" typeface="ＭＳ Ｐゴシック"/>
         <a:font script="Hang" typeface="맑은 고딕"/>
-        <a:font script="Hans" typeface="等线 Light"/>
+        <a:font script="Hans" typeface="宋体"/>
         <a:font script="Hant" typeface="新細明體"/>
         <a:font script="Arab" typeface="Times New Roman"/>
         <a:font script="Hebr" typeface="Times New Roman"/>
@@ -3543,12 +4318,12 @@
         <a:font script="Geor" typeface="Sylfaen"/>
       </a:majorFont>
       <a:minorFont>
-        <a:latin typeface="等线"/>
+        <a:latin typeface="Calibri"/>
         <a:ea typeface=""/>
         <a:cs typeface=""/>
-        <a:font script="Jpan" typeface="游ゴシック"/>
+        <a:font script="Jpan" typeface="ＭＳ Ｐゴシック"/>
         <a:font script="Hang" typeface="맑은 고딕"/>
-        <a:font script="Hans" typeface="等线"/>
+        <a:font script="Hans" typeface="宋体"/>
         <a:font script="Hant" typeface="新細明體"/>
         <a:font script="Arab" typeface="Arial"/>
         <a:font script="Hebr" typeface="Arial"/>
@@ -3587,135 +4362,524 @@
           <a:gsLst>
             <a:gs pos="0">
               <a:schemeClr val="phClr">
-                <a:lumMod val="110000"/>
-                <a:satMod val="105000"/>
-                <a:tint val="67000"/>
+                <a:tint val="50000"/>
+                <a:satMod val="300000"/>
               </a:schemeClr>
             </a:gs>
-            <a:gs pos="50000">
+            <a:gs pos="35000">
               <a:schemeClr val="phClr">
-                <a:lumMod val="105000"/>
-                <a:satMod val="103000"/>
-                <a:tint val="73000"/>
+                <a:tint val="37000"/>
+                <a:satMod val="300000"/>
               </a:schemeClr>
             </a:gs>
             <a:gs pos="100000">
               <a:schemeClr val="phClr">
-                <a:lumMod val="105000"/>
-                <a:satMod val="109000"/>
-                <a:tint val="81000"/>
+                <a:tint val="15000"/>
+                <a:satMod val="350000"/>
               </a:schemeClr>
             </a:gs>
           </a:gsLst>
-          <a:lin ang="5400000" scaled="0"/>
+          <a:lin ang="16200000" scaled="1"/>
         </a:gradFill>
         <a:gradFill rotWithShape="1">
           <a:gsLst>
             <a:gs pos="0">
               <a:schemeClr val="phClr">
-                <a:satMod val="103000"/>
-                <a:lumMod val="102000"/>
-                <a:tint val="94000"/>
-              </a:schemeClr>
-            </a:gs>
-            <a:gs pos="50000">
-              <a:schemeClr val="phClr">
-                <a:satMod val="110000"/>
-                <a:lumMod val="100000"/>
+                <a:tint val="100000"/>
                 <a:shade val="100000"/>
+                <a:satMod val="130000"/>
               </a:schemeClr>
             </a:gs>
             <a:gs pos="100000">
               <a:schemeClr val="phClr">
-                <a:lumMod val="99000"/>
-                <a:satMod val="120000"/>
-                <a:shade val="78000"/>
+                <a:tint val="50000"/>
+                <a:shade val="100000"/>
+                <a:satMod val="350000"/>
               </a:schemeClr>
             </a:gs>
           </a:gsLst>
-          <a:lin ang="5400000" scaled="0"/>
+          <a:lin ang="16200000" scaled="0"/>
         </a:gradFill>
       </a:fillStyleLst>
       <a:lnStyleLst>
-        <a:ln w="6350" cap="flat" cmpd="sng" algn="ctr">
+        <a:ln w="9525" cap="flat" cmpd="sng" algn="ctr">
+          <a:solidFill>
+            <a:schemeClr val="phClr">
+              <a:shade val="95000"/>
+              <a:satMod val="105000"/>
+            </a:schemeClr>
+          </a:solidFill>
+          <a:prstDash val="solid"/>
+        </a:ln>
+        <a:ln w="25400" cap="flat" cmpd="sng" algn="ctr">
           <a:solidFill>
             <a:schemeClr val="phClr"/>
           </a:solidFill>
           <a:prstDash val="solid"/>
-          <a:miter lim="800000"/>
         </a:ln>
-        <a:ln w="12700" cap="flat" cmpd="sng" algn="ctr">
+        <a:ln w="38100" cap="flat" cmpd="sng" algn="ctr">
           <a:solidFill>
             <a:schemeClr val="phClr"/>
           </a:solidFill>
           <a:prstDash val="solid"/>
-          <a:miter lim="800000"/>
-        </a:ln>
-        <a:ln w="19050" cap="flat" cmpd="sng" algn="ctr">
-          <a:solidFill>
-            <a:schemeClr val="phClr"/>
-          </a:solidFill>
-          <a:prstDash val="solid"/>
-          <a:miter lim="800000"/>
         </a:ln>
       </a:lnStyleLst>
       <a:effectStyleLst>
         <a:effectStyle>
-          <a:effectLst/>
-        </a:effectStyle>
-        <a:effectStyle>
-          <a:effectLst/>
+          <a:effectLst>
+            <a:outerShdw blurRad="40000" dist="20000" dir="5400000" rotWithShape="0">
+              <a:srgbClr val="000000">
+                <a:alpha val="38000"/>
+              </a:srgbClr>
+            </a:outerShdw>
+          </a:effectLst>
         </a:effectStyle>
         <a:effectStyle>
           <a:effectLst>
-            <a:outerShdw blurRad="57150" dist="19050" dir="5400000" algn="ctr" rotWithShape="0">
+            <a:outerShdw blurRad="40000" dist="23000" dir="5400000" rotWithShape="0">
               <a:srgbClr val="000000">
-                <a:alpha val="63000"/>
+                <a:alpha val="35000"/>
               </a:srgbClr>
             </a:outerShdw>
           </a:effectLst>
+        </a:effectStyle>
+        <a:effectStyle>
+          <a:effectLst>
+            <a:outerShdw blurRad="40000" dist="23000" dir="5400000" rotWithShape="0">
+              <a:srgbClr val="000000">
+                <a:alpha val="35000"/>
+              </a:srgbClr>
+            </a:outerShdw>
+          </a:effectLst>
+          <a:scene3d>
+            <a:camera prst="orthographicFront">
+              <a:rot lat="0" lon="0" rev="0"/>
+            </a:camera>
+            <a:lightRig rig="threePt" dir="t">
+              <a:rot lat="0" lon="0" rev="1200000"/>
+            </a:lightRig>
+          </a:scene3d>
+          <a:sp3d>
+            <a:bevelT w="63500" h="25400"/>
+          </a:sp3d>
         </a:effectStyle>
       </a:effectStyleLst>
       <a:bgFillStyleLst>
         <a:solidFill>
           <a:schemeClr val="phClr"/>
         </a:solidFill>
+        <a:gradFill rotWithShape="1">
+          <a:gsLst>
+            <a:gs pos="0">
+              <a:schemeClr val="phClr">
+                <a:tint val="40000"/>
+                <a:satMod val="350000"/>
+              </a:schemeClr>
+            </a:gs>
+            <a:gs pos="40000">
+              <a:schemeClr val="phClr">
+                <a:tint val="45000"/>
+                <a:shade val="99000"/>
+                <a:satMod val="350000"/>
+              </a:schemeClr>
+            </a:gs>
+            <a:gs pos="100000">
+              <a:schemeClr val="phClr">
+                <a:shade val="20000"/>
+                <a:satMod val="255000"/>
+              </a:schemeClr>
+            </a:gs>
+          </a:gsLst>
+          <a:path path="circle">
+            <a:fillToRect l="50000" t="-80000" r="50000" b="180000"/>
+          </a:path>
+        </a:gradFill>
+        <a:gradFill rotWithShape="1">
+          <a:gsLst>
+            <a:gs pos="0">
+              <a:schemeClr val="phClr">
+                <a:tint val="80000"/>
+                <a:satMod val="300000"/>
+              </a:schemeClr>
+            </a:gs>
+            <a:gs pos="100000">
+              <a:schemeClr val="phClr">
+                <a:shade val="30000"/>
+                <a:satMod val="200000"/>
+              </a:schemeClr>
+            </a:gs>
+          </a:gsLst>
+          <a:path path="circle">
+            <a:fillToRect l="50000" t="50000" r="50000" b="50000"/>
+          </a:path>
+        </a:gradFill>
+      </a:bgFillStyleLst>
+    </a:fmtScheme>
+  </a:themeElements>
+  <a:objectDefaults>
+    <a:spDef>
+      <a:spPr/>
+      <a:bodyPr/>
+      <a:lstStyle/>
+      <a:style>
+        <a:lnRef idx="1">
+          <a:schemeClr val="accent1"/>
+        </a:lnRef>
+        <a:fillRef idx="3">
+          <a:schemeClr val="accent1"/>
+        </a:fillRef>
+        <a:effectRef idx="2">
+          <a:schemeClr val="accent1"/>
+        </a:effectRef>
+        <a:fontRef idx="minor">
+          <a:schemeClr val="lt1"/>
+        </a:fontRef>
+      </a:style>
+    </a:spDef>
+    <a:lnDef>
+      <a:spPr/>
+      <a:bodyPr/>
+      <a:lstStyle/>
+      <a:style>
+        <a:lnRef idx="2">
+          <a:schemeClr val="accent1"/>
+        </a:lnRef>
+        <a:fillRef idx="0">
+          <a:schemeClr val="accent1"/>
+        </a:fillRef>
+        <a:effectRef idx="1">
+          <a:schemeClr val="accent1"/>
+        </a:effectRef>
+        <a:fontRef idx="minor">
+          <a:schemeClr val="tx1"/>
+        </a:fontRef>
+      </a:style>
+    </a:lnDef>
+  </a:objectDefaults>
+  <a:extLst>
+    <a:ext uri="{05A4C25C-085E-4340-85A3-A5531E510DB2}">
+      <thm15:themeFamily xmlns:thm15="http://schemas.microsoft.com/office/thememl/2012/main" name="Office Theme" id="{62F939B6-93AF-4DB8-9C6B-D6C7DFDC589F}" vid="{4A3C46E8-61CC-4603-A589-7422A47A8E4A}"/>
+    </a:ext>
+  </a:extLst>
+</a:theme>
+</file>
+
+<file path=ppt/theme/theme2.xml><?xml version="1.0" encoding="utf-8"?>
+<a:theme xmlns:a="http://schemas.openxmlformats.org/drawingml/2006/main" name="Office Theme">
+  <a:themeElements>
+    <a:clrScheme name="Office">
+      <a:dk1>
+        <a:sysClr val="windowText" lastClr="000000"/>
+      </a:dk1>
+      <a:lt1>
+        <a:sysClr val="window" lastClr="FFFFFF"/>
+      </a:lt1>
+      <a:dk2>
+        <a:srgbClr val="1F497D"/>
+      </a:dk2>
+      <a:lt2>
+        <a:srgbClr val="EEECE1"/>
+      </a:lt2>
+      <a:accent1>
+        <a:srgbClr val="4F81BD"/>
+      </a:accent1>
+      <a:accent2>
+        <a:srgbClr val="C0504D"/>
+      </a:accent2>
+      <a:accent3>
+        <a:srgbClr val="9BBB59"/>
+      </a:accent3>
+      <a:accent4>
+        <a:srgbClr val="8064A2"/>
+      </a:accent4>
+      <a:accent5>
+        <a:srgbClr val="4BACC6"/>
+      </a:accent5>
+      <a:accent6>
+        <a:srgbClr val="F79646"/>
+      </a:accent6>
+      <a:hlink>
+        <a:srgbClr val="0000FF"/>
+      </a:hlink>
+      <a:folHlink>
+        <a:srgbClr val="800080"/>
+      </a:folHlink>
+    </a:clrScheme>
+    <a:fontScheme name="Office">
+      <a:majorFont>
+        <a:latin typeface="Calibri"/>
+        <a:ea typeface=""/>
+        <a:cs typeface=""/>
+        <a:font script="Jpan" typeface="ＭＳ Ｐゴシック"/>
+        <a:font script="Hang" typeface="맑은 고딕"/>
+        <a:font script="Hans" typeface="宋体"/>
+        <a:font script="Hant" typeface="新細明體"/>
+        <a:font script="Arab" typeface="Times New Roman"/>
+        <a:font script="Hebr" typeface="Times New Roman"/>
+        <a:font script="Thai" typeface="Angsana New"/>
+        <a:font script="Ethi" typeface="Nyala"/>
+        <a:font script="Beng" typeface="Vrinda"/>
+        <a:font script="Gujr" typeface="Shruti"/>
+        <a:font script="Khmr" typeface="MoolBoran"/>
+        <a:font script="Knda" typeface="Tunga"/>
+        <a:font script="Guru" typeface="Raavi"/>
+        <a:font script="Cans" typeface="Euphemia"/>
+        <a:font script="Cher" typeface="Plantagenet Cherokee"/>
+        <a:font script="Yiii" typeface="Microsoft Yi Baiti"/>
+        <a:font script="Tibt" typeface="Microsoft Himalaya"/>
+        <a:font script="Thaa" typeface="MV Boli"/>
+        <a:font script="Deva" typeface="Mangal"/>
+        <a:font script="Telu" typeface="Gautami"/>
+        <a:font script="Taml" typeface="Latha"/>
+        <a:font script="Syrc" typeface="Estrangelo Edessa"/>
+        <a:font script="Orya" typeface="Kalinga"/>
+        <a:font script="Mlym" typeface="Kartika"/>
+        <a:font script="Laoo" typeface="DokChampa"/>
+        <a:font script="Sinh" typeface="Iskoola Pota"/>
+        <a:font script="Mong" typeface="Mongolian Baiti"/>
+        <a:font script="Viet" typeface="Times New Roman"/>
+        <a:font script="Uigh" typeface="Microsoft Uighur"/>
+        <a:font script="Geor" typeface="Sylfaen"/>
+      </a:majorFont>
+      <a:minorFont>
+        <a:latin typeface="Calibri"/>
+        <a:ea typeface=""/>
+        <a:cs typeface=""/>
+        <a:font script="Jpan" typeface="ＭＳ Ｐゴシック"/>
+        <a:font script="Hang" typeface="맑은 고딕"/>
+        <a:font script="Hans" typeface="宋体"/>
+        <a:font script="Hant" typeface="新細明體"/>
+        <a:font script="Arab" typeface="Arial"/>
+        <a:font script="Hebr" typeface="Arial"/>
+        <a:font script="Thai" typeface="Cordia New"/>
+        <a:font script="Ethi" typeface="Nyala"/>
+        <a:font script="Beng" typeface="Vrinda"/>
+        <a:font script="Gujr" typeface="Shruti"/>
+        <a:font script="Khmr" typeface="DaunPenh"/>
+        <a:font script="Knda" typeface="Tunga"/>
+        <a:font script="Guru" typeface="Raavi"/>
+        <a:font script="Cans" typeface="Euphemia"/>
+        <a:font script="Cher" typeface="Plantagenet Cherokee"/>
+        <a:font script="Yiii" typeface="Microsoft Yi Baiti"/>
+        <a:font script="Tibt" typeface="Microsoft Himalaya"/>
+        <a:font script="Thaa" typeface="MV Boli"/>
+        <a:font script="Deva" typeface="Mangal"/>
+        <a:font script="Telu" typeface="Gautami"/>
+        <a:font script="Taml" typeface="Latha"/>
+        <a:font script="Syrc" typeface="Estrangelo Edessa"/>
+        <a:font script="Orya" typeface="Kalinga"/>
+        <a:font script="Mlym" typeface="Kartika"/>
+        <a:font script="Laoo" typeface="DokChampa"/>
+        <a:font script="Sinh" typeface="Iskoola Pota"/>
+        <a:font script="Mong" typeface="Mongolian Baiti"/>
+        <a:font script="Viet" typeface="Arial"/>
+        <a:font script="Uigh" typeface="Microsoft Uighur"/>
+        <a:font script="Geor" typeface="Sylfaen"/>
+      </a:minorFont>
+    </a:fontScheme>
+    <a:fmtScheme name="Office">
+      <a:fillStyleLst>
         <a:solidFill>
-          <a:schemeClr val="phClr">
-            <a:tint val="95000"/>
-            <a:satMod val="170000"/>
-          </a:schemeClr>
+          <a:schemeClr val="phClr"/>
         </a:solidFill>
         <a:gradFill rotWithShape="1">
           <a:gsLst>
             <a:gs pos="0">
               <a:schemeClr val="phClr">
-                <a:tint val="93000"/>
-                <a:satMod val="150000"/>
-                <a:shade val="98000"/>
-                <a:lumMod val="102000"/>
+                <a:tint val="50000"/>
+                <a:satMod val="300000"/>
               </a:schemeClr>
             </a:gs>
-            <a:gs pos="50000">
+            <a:gs pos="35000">
               <a:schemeClr val="phClr">
-                <a:tint val="98000"/>
-                <a:satMod val="130000"/>
-                <a:shade val="90000"/>
-                <a:lumMod val="103000"/>
+                <a:tint val="37000"/>
+                <a:satMod val="300000"/>
               </a:schemeClr>
             </a:gs>
             <a:gs pos="100000">
               <a:schemeClr val="phClr">
-                <a:shade val="63000"/>
-                <a:satMod val="120000"/>
+                <a:tint val="15000"/>
+                <a:satMod val="350000"/>
               </a:schemeClr>
             </a:gs>
           </a:gsLst>
-          <a:lin ang="5400000" scaled="0"/>
+          <a:lin ang="16200000" scaled="1"/>
+        </a:gradFill>
+        <a:gradFill rotWithShape="1">
+          <a:gsLst>
+            <a:gs pos="0">
+              <a:schemeClr val="phClr">
+                <a:tint val="100000"/>
+                <a:shade val="100000"/>
+                <a:satMod val="130000"/>
+              </a:schemeClr>
+            </a:gs>
+            <a:gs pos="100000">
+              <a:schemeClr val="phClr">
+                <a:tint val="50000"/>
+                <a:shade val="100000"/>
+                <a:satMod val="350000"/>
+              </a:schemeClr>
+            </a:gs>
+          </a:gsLst>
+          <a:lin ang="16200000" scaled="0"/>
+        </a:gradFill>
+      </a:fillStyleLst>
+      <a:lnStyleLst>
+        <a:ln w="9525" cap="flat" cmpd="sng" algn="ctr">
+          <a:solidFill>
+            <a:schemeClr val="phClr">
+              <a:shade val="95000"/>
+              <a:satMod val="105000"/>
+            </a:schemeClr>
+          </a:solidFill>
+          <a:prstDash val="solid"/>
+        </a:ln>
+        <a:ln w="25400" cap="flat" cmpd="sng" algn="ctr">
+          <a:solidFill>
+            <a:schemeClr val="phClr"/>
+          </a:solidFill>
+          <a:prstDash val="solid"/>
+        </a:ln>
+        <a:ln w="38100" cap="flat" cmpd="sng" algn="ctr">
+          <a:solidFill>
+            <a:schemeClr val="phClr"/>
+          </a:solidFill>
+          <a:prstDash val="solid"/>
+        </a:ln>
+      </a:lnStyleLst>
+      <a:effectStyleLst>
+        <a:effectStyle>
+          <a:effectLst>
+            <a:outerShdw blurRad="40000" dist="20000" dir="5400000" rotWithShape="0">
+              <a:srgbClr val="000000">
+                <a:alpha val="38000"/>
+              </a:srgbClr>
+            </a:outerShdw>
+          </a:effectLst>
+        </a:effectStyle>
+        <a:effectStyle>
+          <a:effectLst>
+            <a:outerShdw blurRad="40000" dist="23000" dir="5400000" rotWithShape="0">
+              <a:srgbClr val="000000">
+                <a:alpha val="35000"/>
+              </a:srgbClr>
+            </a:outerShdw>
+          </a:effectLst>
+        </a:effectStyle>
+        <a:effectStyle>
+          <a:effectLst>
+            <a:outerShdw blurRad="40000" dist="23000" dir="5400000" rotWithShape="0">
+              <a:srgbClr val="000000">
+                <a:alpha val="35000"/>
+              </a:srgbClr>
+            </a:outerShdw>
+          </a:effectLst>
+          <a:scene3d>
+            <a:camera prst="orthographicFront">
+              <a:rot lat="0" lon="0" rev="0"/>
+            </a:camera>
+            <a:lightRig rig="threePt" dir="t">
+              <a:rot lat="0" lon="0" rev="1200000"/>
+            </a:lightRig>
+          </a:scene3d>
+          <a:sp3d>
+            <a:bevelT w="63500" h="25400"/>
+          </a:sp3d>
+        </a:effectStyle>
+      </a:effectStyleLst>
+      <a:bgFillStyleLst>
+        <a:solidFill>
+          <a:schemeClr val="phClr"/>
+        </a:solidFill>
+        <a:gradFill rotWithShape="1">
+          <a:gsLst>
+            <a:gs pos="0">
+              <a:schemeClr val="phClr">
+                <a:tint val="40000"/>
+                <a:satMod val="350000"/>
+              </a:schemeClr>
+            </a:gs>
+            <a:gs pos="40000">
+              <a:schemeClr val="phClr">
+                <a:tint val="45000"/>
+                <a:shade val="99000"/>
+                <a:satMod val="350000"/>
+              </a:schemeClr>
+            </a:gs>
+            <a:gs pos="100000">
+              <a:schemeClr val="phClr">
+                <a:shade val="20000"/>
+                <a:satMod val="255000"/>
+              </a:schemeClr>
+            </a:gs>
+          </a:gsLst>
+          <a:path path="circle">
+            <a:fillToRect l="50000" t="-80000" r="50000" b="180000"/>
+          </a:path>
+        </a:gradFill>
+        <a:gradFill rotWithShape="1">
+          <a:gsLst>
+            <a:gs pos="0">
+              <a:schemeClr val="phClr">
+                <a:tint val="80000"/>
+                <a:satMod val="300000"/>
+              </a:schemeClr>
+            </a:gs>
+            <a:gs pos="100000">
+              <a:schemeClr val="phClr">
+                <a:shade val="30000"/>
+                <a:satMod val="200000"/>
+              </a:schemeClr>
+            </a:gs>
+          </a:gsLst>
+          <a:path path="circle">
+            <a:fillToRect l="50000" t="50000" r="50000" b="50000"/>
+          </a:path>
         </a:gradFill>
       </a:bgFillStyleLst>
     </a:fmtScheme>
   </a:themeElements>
+  <a:objectDefaults>
+    <a:spDef>
+      <a:spPr/>
+      <a:bodyPr/>
+      <a:lstStyle/>
+      <a:style>
+        <a:lnRef idx="1">
+          <a:schemeClr val="accent1"/>
+        </a:lnRef>
+        <a:fillRef idx="3">
+          <a:schemeClr val="accent1"/>
+        </a:fillRef>
+        <a:effectRef idx="2">
+          <a:schemeClr val="accent1"/>
+        </a:effectRef>
+        <a:fontRef idx="minor">
+          <a:schemeClr val="lt1"/>
+        </a:fontRef>
+      </a:style>
+    </a:spDef>
+    <a:lnDef>
+      <a:spPr/>
+      <a:bodyPr/>
+      <a:lstStyle/>
+      <a:style>
+        <a:lnRef idx="2">
+          <a:schemeClr val="accent1"/>
+        </a:lnRef>
+        <a:fillRef idx="0">
+          <a:schemeClr val="accent1"/>
+        </a:fillRef>
+        <a:effectRef idx="1">
+          <a:schemeClr val="accent1"/>
+        </a:effectRef>
+        <a:fontRef idx="minor">
+          <a:schemeClr val="tx1"/>
+        </a:fontRef>
+      </a:style>
+    </a:lnDef>
+  </a:objectDefaults>
   <a:extLst>
     <a:ext uri="{05A4C25C-085E-4340-85A3-A5531E510DB2}">
       <thm15:themeFamily xmlns:thm15="http://schemas.microsoft.com/office/thememl/2012/main" name="Office Theme" id="{62F939B6-93AF-4DB8-9C6B-D6C7DFDC589F}" vid="{4A3C46E8-61CC-4603-A589-7422A47A8E4A}"/>
